--- a/poster.pptx
+++ b/poster.pptx
@@ -154,6 +154,10 @@
     </p:ext>
   </p:extLst>
 </p:presentation>
+</file>
+
+<file path=ppt/revisionInfo.xml><?xml version="1.0" encoding="utf-8"?>
+<p1510:revInfo xmlns:a="http://schemas.openxmlformats.org/drawingml/2006/main" xmlns:r="http://schemas.openxmlformats.org/officeDocument/2006/relationships" xmlns:p1510="http://schemas.microsoft.com/office/powerpoint/2015/10/main"/>
 </file>
 
 <file path=ppt/notesMasters/notesMaster1.xml><?xml version="1.0" encoding="utf-8"?>
@@ -4769,22 +4773,13 @@
               <a:defRPr/>
             </a:pPr>
             <a:r>
-              <a:rPr kumimoji="0" lang="en-US" altLang="zh-TW" sz="6000" dirty="0">
+              <a:rPr kumimoji="0" lang="en-US" altLang="zh-TW" sz="6000" dirty="0" err="1">
                 <a:solidFill>
                   <a:srgbClr val="FFFFFF"/>
                 </a:solidFill>
                 <a:latin typeface="Helvetica" pitchFamily="34" charset="0"/>
               </a:rPr>
-              <a:t>Anthony Degleris, </a:t>
-            </a:r>
-            <a:r>
-              <a:rPr kumimoji="0" lang="en-US" altLang="zh-TW" sz="6000" dirty="0" err="1">
-                <a:solidFill>
-                  <a:srgbClr val="FFFFFF"/>
-                </a:solidFill>
-                <a:latin typeface="Helvetica" pitchFamily="34" charset="0"/>
-              </a:rPr>
-              <a:t>Soheil</a:t>
+              <a:t>Abhi</a:t>
             </a:r>
             <a:r>
               <a:rPr kumimoji="0" lang="en-US" altLang="zh-TW" sz="6000" dirty="0">
@@ -4802,7 +4797,7 @@
                 </a:solidFill>
                 <a:latin typeface="Helvetica" pitchFamily="34" charset="0"/>
               </a:rPr>
-              <a:t>Feizi</a:t>
+              <a:t>Kulgod</a:t>
             </a:r>
             <a:r>
               <a:rPr kumimoji="0" lang="en-US" altLang="zh-TW" sz="6000" dirty="0">
@@ -4811,26 +4806,23 @@
                 </a:solidFill>
                 <a:latin typeface="Helvetica" pitchFamily="34" charset="0"/>
               </a:rPr>
-              <a:t>, and David </a:t>
-            </a:r>
-            <a:r>
-              <a:rPr kumimoji="0" lang="en-US" altLang="zh-TW" sz="6000" dirty="0" err="1">
+              <a:t>, Anthony Degleris, Isaac </a:t>
+            </a:r>
+            <a:r>
+              <a:rPr kumimoji="0" lang="en-US" altLang="zh-TW" sz="6000">
                 <a:solidFill>
                   <a:srgbClr val="FFFFFF"/>
                 </a:solidFill>
                 <a:latin typeface="Helvetica" pitchFamily="34" charset="0"/>
               </a:rPr>
-              <a:t>Tse</a:t>
-            </a:r>
-            <a:r>
-              <a:rPr kumimoji="0" lang="en-US" altLang="zh-TW" sz="6000" dirty="0">
-                <a:solidFill>
-                  <a:srgbClr val="FFFFFF"/>
-                </a:solidFill>
-                <a:latin typeface="Helvetica" pitchFamily="34" charset="0"/>
-              </a:rPr>
-              <a:t> </a:t>
-            </a:r>
+              <a:t>Sheinfeld </a:t>
+            </a:r>
+            <a:endParaRPr kumimoji="0" lang="en-US" altLang="zh-TW" sz="6000" dirty="0">
+              <a:solidFill>
+                <a:srgbClr val="FFFFFF"/>
+              </a:solidFill>
+              <a:latin typeface="Helvetica" pitchFamily="34" charset="0"/>
+            </a:endParaRPr>
           </a:p>
         </p:txBody>
       </p:sp>

--- a/poster.pptx
+++ b/poster.pptx
@@ -156,10 +156,6 @@
 </p:presentation>
 </file>
 
-<file path=ppt/revisionInfo.xml><?xml version="1.0" encoding="utf-8"?>
-<p1510:revInfo xmlns:a="http://schemas.openxmlformats.org/drawingml/2006/main" xmlns:r="http://schemas.openxmlformats.org/officeDocument/2006/relationships" xmlns:p1510="http://schemas.microsoft.com/office/powerpoint/2015/10/main"/>
-</file>
-
 <file path=ppt/notesMasters/notesMaster1.xml><?xml version="1.0" encoding="utf-8"?>
 <p:notesMaster xmlns:a="http://schemas.openxmlformats.org/drawingml/2006/main" xmlns:r="http://schemas.openxmlformats.org/officeDocument/2006/relationships" xmlns:p="http://schemas.openxmlformats.org/presentationml/2006/main">
   <p:cSld>
@@ -266,7 +262,7 @@
               <a:pPr>
                 <a:defRPr/>
               </a:pPr>
-              <a:t>2017/12/10</a:t>
+              <a:t>2017/12/11</a:t>
             </a:fld>
             <a:endParaRPr lang="zh-TW" altLang="en-US"/>
           </a:p>
@@ -1067,7 +1063,7 @@
               <a:pPr>
                 <a:defRPr/>
               </a:pPr>
-              <a:t>2017/12/10</a:t>
+              <a:t>2017/12/11</a:t>
             </a:fld>
             <a:endParaRPr lang="zh-TW" altLang="en-US"/>
           </a:p>
@@ -1264,7 +1260,7 @@
               <a:pPr>
                 <a:defRPr/>
               </a:pPr>
-              <a:t>2017/12/10</a:t>
+              <a:t>2017/12/11</a:t>
             </a:fld>
             <a:endParaRPr lang="zh-TW" altLang="en-US"/>
           </a:p>
@@ -1471,7 +1467,7 @@
               <a:pPr>
                 <a:defRPr/>
               </a:pPr>
-              <a:t>2017/12/10</a:t>
+              <a:t>2017/12/11</a:t>
             </a:fld>
             <a:endParaRPr lang="zh-TW" altLang="en-US"/>
           </a:p>
@@ -1668,7 +1664,7 @@
               <a:pPr>
                 <a:defRPr/>
               </a:pPr>
-              <a:t>2017/12/10</a:t>
+              <a:t>2017/12/11</a:t>
             </a:fld>
             <a:endParaRPr lang="zh-TW" altLang="en-US"/>
           </a:p>
@@ -1941,7 +1937,7 @@
               <a:pPr>
                 <a:defRPr/>
               </a:pPr>
-              <a:t>2017/12/10</a:t>
+              <a:t>2017/12/11</a:t>
             </a:fld>
             <a:endParaRPr lang="zh-TW" altLang="en-US"/>
           </a:p>
@@ -2256,7 +2252,7 @@
               <a:pPr>
                 <a:defRPr/>
               </a:pPr>
-              <a:t>2017/12/10</a:t>
+              <a:t>2017/12/11</a:t>
             </a:fld>
             <a:endParaRPr lang="zh-TW" altLang="en-US"/>
           </a:p>
@@ -2705,7 +2701,7 @@
               <a:pPr>
                 <a:defRPr/>
               </a:pPr>
-              <a:t>2017/12/10</a:t>
+              <a:t>2017/12/11</a:t>
             </a:fld>
             <a:endParaRPr lang="zh-TW" altLang="en-US"/>
           </a:p>
@@ -2850,7 +2846,7 @@
               <a:pPr>
                 <a:defRPr/>
               </a:pPr>
-              <a:t>2017/12/10</a:t>
+              <a:t>2017/12/11</a:t>
             </a:fld>
             <a:endParaRPr lang="zh-TW" altLang="en-US"/>
           </a:p>
@@ -2972,7 +2968,7 @@
               <a:pPr>
                 <a:defRPr/>
               </a:pPr>
-              <a:t>2017/12/10</a:t>
+              <a:t>2017/12/11</a:t>
             </a:fld>
             <a:endParaRPr lang="zh-TW" altLang="en-US"/>
           </a:p>
@@ -3276,7 +3272,7 @@
               <a:pPr>
                 <a:defRPr/>
               </a:pPr>
-              <a:t>2017/12/10</a:t>
+              <a:t>2017/12/11</a:t>
             </a:fld>
             <a:endParaRPr lang="zh-TW" altLang="en-US"/>
           </a:p>
@@ -3559,7 +3555,7 @@
               <a:pPr>
                 <a:defRPr/>
               </a:pPr>
-              <a:t>2017/12/10</a:t>
+              <a:t>2017/12/11</a:t>
             </a:fld>
             <a:endParaRPr lang="zh-TW" altLang="en-US"/>
           </a:p>
@@ -3852,7 +3848,7 @@
               <a:pPr>
                 <a:defRPr/>
               </a:pPr>
-              <a:t>2017/12/10</a:t>
+              <a:t>2017/12/11</a:t>
             </a:fld>
             <a:endParaRPr lang="zh-TW" altLang="en-US"/>
           </a:p>
@@ -4374,6 +4370,324 @@
           <a:chExt cx="0" cy="0"/>
         </a:xfrm>
       </p:grpSpPr>
+      <p:grpSp>
+        <p:nvGrpSpPr>
+          <p:cNvPr id="4" name="Group 3">
+            <a:extLst>
+              <a:ext uri="{FF2B5EF4-FFF2-40B4-BE49-F238E27FC236}">
+                <a16:creationId xmlns:a16="http://schemas.microsoft.com/office/drawing/2014/main" id="{C234E05C-172B-40CF-8F3B-7C14F7150500}"/>
+              </a:ext>
+            </a:extLst>
+          </p:cNvPr>
+          <p:cNvGrpSpPr/>
+          <p:nvPr/>
+        </p:nvGrpSpPr>
+        <p:grpSpPr>
+          <a:xfrm>
+            <a:off x="9287421" y="14637566"/>
+            <a:ext cx="12877800" cy="6547652"/>
+            <a:chOff x="9296400" y="11557728"/>
+            <a:chExt cx="12877800" cy="6547652"/>
+          </a:xfrm>
+        </p:grpSpPr>
+        <p:sp>
+          <p:nvSpPr>
+            <p:cNvPr id="36" name="TextBox 35">
+              <a:extLst>
+                <a:ext uri="{FF2B5EF4-FFF2-40B4-BE49-F238E27FC236}">
+                  <a16:creationId xmlns:a16="http://schemas.microsoft.com/office/drawing/2014/main" id="{A1529AC7-8E1C-4CB5-B8DC-53E9D5C05110}"/>
+                </a:ext>
+              </a:extLst>
+            </p:cNvPr>
+            <p:cNvSpPr txBox="1"/>
+            <p:nvPr/>
+          </p:nvSpPr>
+          <p:spPr>
+            <a:xfrm>
+              <a:off x="9296400" y="11557728"/>
+              <a:ext cx="12877800" cy="3708708"/>
+            </a:xfrm>
+            <a:prstGeom prst="rect">
+              <a:avLst/>
+            </a:prstGeom>
+            <a:noFill/>
+          </p:spPr>
+          <p:txBody>
+            <a:bodyPr wrap="square" rtlCol="0">
+              <a:spAutoFit/>
+            </a:bodyPr>
+            <a:lstStyle/>
+            <a:p>
+              <a:pPr algn="just">
+                <a:lnSpc>
+                  <a:spcPct val="150000"/>
+                </a:lnSpc>
+              </a:pPr>
+              <a:r>
+                <a:rPr lang="en-US" sz="2800" b="1" dirty="0">
+                  <a:latin typeface="Helvetica" charset="0"/>
+                  <a:ea typeface="Helvetica" charset="0"/>
+                  <a:cs typeface="Helvetica" charset="0"/>
+                </a:rPr>
+                <a:t>Fitted Policy Iteration (FPI)</a:t>
+              </a:r>
+            </a:p>
+            <a:p>
+              <a:pPr marL="457200" indent="-457200" algn="just">
+                <a:spcAft>
+                  <a:spcPts val="600"/>
+                </a:spcAft>
+                <a:buFont typeface="Arial" panose="020B0604020202020204" pitchFamily="34" charset="0"/>
+                <a:buChar char="•"/>
+              </a:pPr>
+              <a:r>
+                <a:rPr lang="en-US" sz="2800" dirty="0">
+                  <a:latin typeface="Helvetica" charset="0"/>
+                  <a:ea typeface="Helvetica" charset="0"/>
+                  <a:cs typeface="Helvetica" charset="0"/>
+                </a:rPr>
+                <a:t>State space is continuous and high-dimensional</a:t>
+              </a:r>
+            </a:p>
+            <a:p>
+              <a:pPr marL="457200" indent="-457200" algn="just">
+                <a:spcAft>
+                  <a:spcPts val="600"/>
+                </a:spcAft>
+                <a:buFont typeface="Arial" panose="020B0604020202020204" pitchFamily="34" charset="0"/>
+                <a:buChar char="•"/>
+              </a:pPr>
+              <a:r>
+                <a:rPr lang="en-US" sz="2800" dirty="0">
+                  <a:latin typeface="Helvetica" charset="0"/>
+                  <a:ea typeface="Helvetica" charset="0"/>
+                  <a:cs typeface="Helvetica" charset="0"/>
+                </a:rPr>
+                <a:t>Value function would be extremely complicated</a:t>
+              </a:r>
+            </a:p>
+            <a:p>
+              <a:pPr marL="457200" indent="-457200" algn="just">
+                <a:spcAft>
+                  <a:spcPts val="600"/>
+                </a:spcAft>
+                <a:buFont typeface="Arial" panose="020B0604020202020204" pitchFamily="34" charset="0"/>
+                <a:buChar char="•"/>
+              </a:pPr>
+              <a:r>
+                <a:rPr lang="en-US" sz="2800" dirty="0">
+                  <a:latin typeface="Helvetica" charset="0"/>
+                  <a:ea typeface="Helvetica" charset="0"/>
+                  <a:cs typeface="Helvetica" charset="0"/>
+                </a:rPr>
+                <a:t>Instead, estimate the policy directly</a:t>
+              </a:r>
+            </a:p>
+            <a:p>
+              <a:pPr marL="457200" indent="-457200" algn="just">
+                <a:spcAft>
+                  <a:spcPts val="600"/>
+                </a:spcAft>
+                <a:buFont typeface="Arial" panose="020B0604020202020204" pitchFamily="34" charset="0"/>
+                <a:buChar char="•"/>
+              </a:pPr>
+              <a:endParaRPr lang="en-US" sz="2800" dirty="0">
+                <a:latin typeface="Helvetica" charset="0"/>
+                <a:ea typeface="Helvetica" charset="0"/>
+                <a:cs typeface="Helvetica" charset="0"/>
+              </a:endParaRPr>
+            </a:p>
+            <a:p>
+              <a:pPr marL="457200" indent="-457200" algn="just">
+                <a:spcAft>
+                  <a:spcPts val="600"/>
+                </a:spcAft>
+                <a:buFont typeface="Arial" panose="020B0604020202020204" pitchFamily="34" charset="0"/>
+                <a:buChar char="•"/>
+              </a:pPr>
+              <a:endParaRPr lang="en-US" sz="2800" dirty="0">
+                <a:latin typeface="Helvetica" charset="0"/>
+                <a:ea typeface="Helvetica" charset="0"/>
+                <a:cs typeface="Helvetica" charset="0"/>
+              </a:endParaRPr>
+            </a:p>
+            <a:p>
+              <a:pPr marL="457200" indent="-457200" algn="just">
+                <a:spcAft>
+                  <a:spcPts val="600"/>
+                </a:spcAft>
+                <a:buFont typeface="Arial" panose="020B0604020202020204" pitchFamily="34" charset="0"/>
+                <a:buChar char="•"/>
+              </a:pPr>
+              <a:r>
+                <a:rPr lang="en-US" sz="2800" dirty="0">
+                  <a:latin typeface="Helvetica" charset="0"/>
+                  <a:ea typeface="Helvetica" charset="0"/>
+                  <a:cs typeface="Helvetica" charset="0"/>
+                </a:rPr>
+                <a:t>Update rule</a:t>
+              </a:r>
+            </a:p>
+          </p:txBody>
+        </p:sp>
+        <p:pic>
+          <p:nvPicPr>
+            <p:cNvPr id="1026" name="Picture 2" descr="https://lh4.googleusercontent.com/WdkdgXFacQoSzg_Q_WW_EiFhKwiD35ot2n_tdfRim_ct4viJq9_n99fD_W4J5lLHF0f0wF0TmmdwgXjtr0YKNN7aHMxH9QCmNgFVitNs4tJSEyRpOfeQV4YDpsiEpaub783Q12Gd">
+              <a:hlinkClick r:id="rId3"/>
+              <a:extLst>
+                <a:ext uri="{FF2B5EF4-FFF2-40B4-BE49-F238E27FC236}">
+                  <a16:creationId xmlns:a16="http://schemas.microsoft.com/office/drawing/2014/main" id="{484DA3AD-435B-4BE1-9E8D-C5AC66FA885B}"/>
+                </a:ext>
+              </a:extLst>
+            </p:cNvPr>
+            <p:cNvPicPr>
+              <a:picLocks noChangeAspect="1" noChangeArrowheads="1"/>
+            </p:cNvPicPr>
+            <p:nvPr/>
+          </p:nvPicPr>
+          <p:blipFill>
+            <a:blip r:embed="rId4" cstate="print">
+              <a:extLst>
+                <a:ext uri="{28A0092B-C50C-407E-A947-70E740481C1C}">
+                  <a14:useLocalDpi xmlns:a14="http://schemas.microsoft.com/office/drawing/2010/main" val="0"/>
+                </a:ext>
+              </a:extLst>
+            </a:blip>
+            <a:srcRect/>
+            <a:stretch>
+              <a:fillRect/>
+            </a:stretch>
+          </p:blipFill>
+          <p:spPr bwMode="auto">
+            <a:xfrm>
+              <a:off x="14321136" y="13935016"/>
+              <a:ext cx="2665753" cy="496724"/>
+            </a:xfrm>
+            <a:prstGeom prst="rect">
+              <a:avLst/>
+            </a:prstGeom>
+            <a:noFill/>
+            <a:extLst>
+              <a:ext uri="{909E8E84-426E-40DD-AFC4-6F175D3DCCD1}">
+                <a14:hiddenFill xmlns:a14="http://schemas.microsoft.com/office/drawing/2010/main">
+                  <a:solidFill>
+                    <a:srgbClr val="FFFFFF"/>
+                  </a:solidFill>
+                </a14:hiddenFill>
+              </a:ext>
+            </a:extLst>
+          </p:spPr>
+        </p:pic>
+        <p:pic>
+          <p:nvPicPr>
+            <p:cNvPr id="1028" name="Picture 4" descr="https://lh6.googleusercontent.com/DRwBtRwHo8Pa2mZwaIusVWAya2HYA5BYHGrUKUGWZX-Z1pftuRDUjYsfnOtM9w3kz2IIBxJhC90_mI9n9i_QK2Gx_1G9A9qecKYQbmIFBg4qBXFw0UxwaiYtqu9tkWKAP7P-r86M">
+              <a:hlinkClick r:id="rId5"/>
+              <a:extLst>
+                <a:ext uri="{FF2B5EF4-FFF2-40B4-BE49-F238E27FC236}">
+                  <a16:creationId xmlns:a16="http://schemas.microsoft.com/office/drawing/2014/main" id="{9E46EC36-E68A-4DF3-ACAE-673C7C7CC2ED}"/>
+                </a:ext>
+              </a:extLst>
+            </p:cNvPr>
+            <p:cNvPicPr>
+              <a:picLocks noChangeAspect="1" noChangeArrowheads="1"/>
+            </p:cNvPicPr>
+            <p:nvPr/>
+          </p:nvPicPr>
+          <p:blipFill>
+            <a:blip r:embed="rId6">
+              <a:extLst>
+                <a:ext uri="{28A0092B-C50C-407E-A947-70E740481C1C}">
+                  <a14:useLocalDpi xmlns:a14="http://schemas.microsoft.com/office/drawing/2010/main" val="0"/>
+                </a:ext>
+              </a:extLst>
+            </a:blip>
+            <a:srcRect/>
+            <a:stretch>
+              <a:fillRect/>
+            </a:stretch>
+          </p:blipFill>
+          <p:spPr bwMode="auto">
+            <a:xfrm>
+              <a:off x="12157217" y="15239923"/>
+              <a:ext cx="6993589" cy="1020803"/>
+            </a:xfrm>
+            <a:prstGeom prst="rect">
+              <a:avLst/>
+            </a:prstGeom>
+            <a:noFill/>
+            <a:extLst>
+              <a:ext uri="{909E8E84-426E-40DD-AFC4-6F175D3DCCD1}">
+                <a14:hiddenFill xmlns:a14="http://schemas.microsoft.com/office/drawing/2010/main">
+                  <a:solidFill>
+                    <a:srgbClr val="FFFFFF"/>
+                  </a:solidFill>
+                </a14:hiddenFill>
+              </a:ext>
+            </a:extLst>
+          </p:spPr>
+        </p:pic>
+        <p:sp>
+          <p:nvSpPr>
+            <p:cNvPr id="39" name="TextBox 38">
+              <a:extLst>
+                <a:ext uri="{FF2B5EF4-FFF2-40B4-BE49-F238E27FC236}">
+                  <a16:creationId xmlns:a16="http://schemas.microsoft.com/office/drawing/2014/main" id="{A34C754B-4136-4C59-B0A0-0EEB6301249C}"/>
+                </a:ext>
+              </a:extLst>
+            </p:cNvPr>
+            <p:cNvSpPr txBox="1"/>
+            <p:nvPr/>
+          </p:nvSpPr>
+          <p:spPr>
+            <a:xfrm>
+              <a:off x="9296400" y="16935829"/>
+              <a:ext cx="12877800" cy="1169551"/>
+            </a:xfrm>
+            <a:prstGeom prst="rect">
+              <a:avLst/>
+            </a:prstGeom>
+            <a:noFill/>
+          </p:spPr>
+          <p:txBody>
+            <a:bodyPr wrap="square" rtlCol="0">
+              <a:spAutoFit/>
+            </a:bodyPr>
+            <a:lstStyle/>
+            <a:p>
+              <a:pPr algn="just">
+                <a:lnSpc>
+                  <a:spcPct val="150000"/>
+                </a:lnSpc>
+              </a:pPr>
+              <a:r>
+                <a:rPr lang="en-US" sz="2800" b="1" dirty="0">
+                  <a:latin typeface="Helvetica" charset="0"/>
+                  <a:ea typeface="Helvetica" charset="0"/>
+                  <a:cs typeface="Helvetica" charset="0"/>
+                </a:rPr>
+                <a:t>Deep Fitted Policy Iteration (DFPI)</a:t>
+              </a:r>
+            </a:p>
+            <a:p>
+              <a:pPr marL="457200" indent="-457200" algn="just">
+                <a:spcAft>
+                  <a:spcPts val="600"/>
+                </a:spcAft>
+                <a:buFont typeface="Arial" panose="020B0604020202020204" pitchFamily="34" charset="0"/>
+                <a:buChar char="•"/>
+              </a:pPr>
+              <a:r>
+                <a:rPr lang="en-US" sz="2800" dirty="0">
+                  <a:latin typeface="Helvetica" charset="0"/>
+                  <a:ea typeface="Helvetica" charset="0"/>
+                  <a:cs typeface="Helvetica" charset="0"/>
+                </a:rPr>
+                <a:t>Use neural network to improve approximation</a:t>
+              </a:r>
+            </a:p>
+          </p:txBody>
+        </p:sp>
+      </p:grpSp>
       <p:sp>
         <p:nvSpPr>
           <p:cNvPr id="20" name="Rounded Rectangle 19"/>
@@ -4383,7 +4697,7 @@
         <p:spPr>
           <a:xfrm>
             <a:off x="411479" y="3615870"/>
-            <a:ext cx="7818121" cy="14672130"/>
+            <a:ext cx="7818121" cy="9910835"/>
           </a:xfrm>
           <a:prstGeom prst="roundRect">
             <a:avLst>
@@ -4806,23 +5120,8 @@
                 </a:solidFill>
                 <a:latin typeface="Helvetica" pitchFamily="34" charset="0"/>
               </a:rPr>
-              <a:t>, Anthony Degleris, Isaac </a:t>
-            </a:r>
-            <a:r>
-              <a:rPr kumimoji="0" lang="en-US" altLang="zh-TW" sz="6000">
-                <a:solidFill>
-                  <a:srgbClr val="FFFFFF"/>
-                </a:solidFill>
-                <a:latin typeface="Helvetica" pitchFamily="34" charset="0"/>
-              </a:rPr>
-              <a:t>Sheinfeld </a:t>
-            </a:r>
-            <a:endParaRPr kumimoji="0" lang="en-US" altLang="zh-TW" sz="6000" dirty="0">
-              <a:solidFill>
-                <a:srgbClr val="FFFFFF"/>
-              </a:solidFill>
-              <a:latin typeface="Helvetica" pitchFamily="34" charset="0"/>
-            </a:endParaRPr>
+              <a:t>, Anthony Degleris, Isaac Scheinfeld</a:t>
+            </a:r>
           </a:p>
         </p:txBody>
       </p:sp>
@@ -4835,7 +5134,7 @@
           <p:nvPr/>
         </p:nvPicPr>
         <p:blipFill>
-          <a:blip r:embed="rId3">
+          <a:blip r:embed="rId7">
             <a:extLst>
               <a:ext uri="{28A0092B-C50C-407E-A947-70E740481C1C}">
                 <a14:useLocalDpi xmlns:a14="http://schemas.microsoft.com/office/drawing/2010/main" val="0"/>
@@ -4870,8 +5169,8 @@
         </p:nvSpPr>
         <p:spPr>
           <a:xfrm>
-            <a:off x="441959" y="18524099"/>
-            <a:ext cx="7818121" cy="6710363"/>
+            <a:off x="441959" y="13760762"/>
+            <a:ext cx="7818121" cy="11473700"/>
           </a:xfrm>
           <a:prstGeom prst="roundRect">
             <a:avLst>
@@ -5513,7 +5812,7 @@
         </p:nvSpPr>
         <p:spPr bwMode="auto">
           <a:xfrm>
-            <a:off x="727719" y="18883264"/>
+            <a:off x="697239" y="13760762"/>
             <a:ext cx="7246599" cy="756248"/>
           </a:xfrm>
           <a:prstGeom prst="rect">
@@ -5670,6 +5969,914 @@
           </a:p>
         </p:txBody>
       </p:sp>
+      <p:sp>
+        <p:nvSpPr>
+          <p:cNvPr id="2" name="TextBox 1"/>
+          <p:cNvSpPr txBox="1"/>
+          <p:nvPr/>
+        </p:nvSpPr>
+        <p:spPr>
+          <a:xfrm>
+            <a:off x="604133" y="14517010"/>
+            <a:ext cx="7294012" cy="4401205"/>
+          </a:xfrm>
+          <a:prstGeom prst="rect">
+            <a:avLst/>
+          </a:prstGeom>
+          <a:noFill/>
+        </p:spPr>
+        <p:txBody>
+          <a:bodyPr wrap="square" rtlCol="0">
+            <a:spAutoFit/>
+          </a:bodyPr>
+          <a:lstStyle/>
+          <a:p>
+            <a:pPr marL="342900" indent="-342900" algn="just">
+              <a:buFont typeface="Arial" panose="020B0604020202020204" pitchFamily="34" charset="0"/>
+              <a:buChar char="•"/>
+            </a:pPr>
+            <a:r>
+              <a:rPr lang="en-US" sz="2800" dirty="0">
+                <a:latin typeface="Helvetica" charset="0"/>
+                <a:ea typeface="Helvetica" charset="0"/>
+                <a:cs typeface="Helvetica" charset="0"/>
+              </a:rPr>
+              <a:t>Randomly generated with 1-8 circular obstacles</a:t>
+            </a:r>
+          </a:p>
+          <a:p>
+            <a:pPr algn="just"/>
+            <a:r>
+              <a:rPr lang="en-US" sz="2800" dirty="0">
+                <a:latin typeface="Helvetica" charset="0"/>
+                <a:ea typeface="Helvetica" charset="0"/>
+                <a:cs typeface="Helvetica" charset="0"/>
+              </a:rPr>
+              <a:t>. </a:t>
+            </a:r>
+          </a:p>
+          <a:p>
+            <a:pPr marL="342900" indent="-342900" algn="just">
+              <a:buFont typeface="Arial" panose="020B0604020202020204" pitchFamily="34" charset="0"/>
+              <a:buChar char="•"/>
+            </a:pPr>
+            <a:r>
+              <a:rPr lang="en-US" sz="2800" dirty="0">
+                <a:latin typeface="Helvetica" charset="0"/>
+                <a:ea typeface="Helvetica" charset="0"/>
+                <a:cs typeface="Helvetica" charset="0"/>
+              </a:rPr>
+              <a:t>Rejected obstacles covering endpoints. </a:t>
+            </a:r>
+          </a:p>
+          <a:p>
+            <a:pPr algn="just"/>
+            <a:endParaRPr lang="en-US" sz="2800" dirty="0">
+              <a:latin typeface="Helvetica" charset="0"/>
+              <a:ea typeface="Helvetica" charset="0"/>
+              <a:cs typeface="Helvetica" charset="0"/>
+            </a:endParaRPr>
+          </a:p>
+          <a:p>
+            <a:pPr marL="342900" indent="-342900" algn="just">
+              <a:buFont typeface="Arial" panose="020B0604020202020204" pitchFamily="34" charset="0"/>
+              <a:buChar char="•"/>
+            </a:pPr>
+            <a:r>
+              <a:rPr lang="en-US" sz="2800" dirty="0">
+                <a:latin typeface="Helvetica" charset="0"/>
+                <a:ea typeface="Helvetica" charset="0"/>
+                <a:cs typeface="Helvetica" charset="0"/>
+              </a:rPr>
+              <a:t>The goal was to plan a path within the boundary and outside of the obstacles, where a path was a sequence of points with adjacent points no more than 1 unit apart.</a:t>
+            </a:r>
+          </a:p>
+        </p:txBody>
+      </p:sp>
+      <p:sp>
+        <p:nvSpPr>
+          <p:cNvPr id="17" name="TextBox 16"/>
+          <p:cNvSpPr txBox="1"/>
+          <p:nvPr/>
+        </p:nvSpPr>
+        <p:spPr>
+          <a:xfrm>
+            <a:off x="9296400" y="4877986"/>
+            <a:ext cx="12877800" cy="3323987"/>
+          </a:xfrm>
+          <a:prstGeom prst="rect">
+            <a:avLst/>
+          </a:prstGeom>
+          <a:noFill/>
+        </p:spPr>
+        <p:txBody>
+          <a:bodyPr wrap="square" rtlCol="0">
+            <a:spAutoFit/>
+          </a:bodyPr>
+          <a:lstStyle/>
+          <a:p>
+            <a:pPr algn="just">
+              <a:lnSpc>
+                <a:spcPct val="150000"/>
+              </a:lnSpc>
+            </a:pPr>
+            <a:r>
+              <a:rPr lang="en-US" sz="2800" b="1" dirty="0">
+                <a:latin typeface="Helvetica" charset="0"/>
+                <a:ea typeface="Helvetica" charset="0"/>
+                <a:cs typeface="Helvetica" charset="0"/>
+              </a:rPr>
+              <a:t>Graph Approximation and Optimization</a:t>
+            </a:r>
+            <a:r>
+              <a:rPr lang="en-US" sz="2800" b="1" baseline="30000" dirty="0">
+                <a:latin typeface="Helvetica" charset="0"/>
+                <a:ea typeface="Helvetica" charset="0"/>
+                <a:cs typeface="Helvetica" charset="0"/>
+              </a:rPr>
+              <a:t>1</a:t>
+            </a:r>
+            <a:endParaRPr lang="en-US" sz="2800" b="1" dirty="0">
+              <a:latin typeface="Helvetica" charset="0"/>
+              <a:ea typeface="Helvetica" charset="0"/>
+              <a:cs typeface="Helvetica" charset="0"/>
+            </a:endParaRPr>
+          </a:p>
+          <a:p>
+            <a:pPr marL="514350" indent="-514350" algn="just">
+              <a:buFont typeface="Arial" panose="020B0604020202020204" pitchFamily="34" charset="0"/>
+              <a:buChar char="•"/>
+            </a:pPr>
+            <a:r>
+              <a:rPr lang="en-US" sz="2800" dirty="0">
+                <a:latin typeface="Helvetica" charset="0"/>
+                <a:ea typeface="Helvetica" charset="0"/>
+                <a:cs typeface="Helvetica" charset="0"/>
+              </a:rPr>
+              <a:t>Approximates the best path by finding the shortest path in a space-filling graph</a:t>
+            </a:r>
+          </a:p>
+          <a:p>
+            <a:pPr marL="514350" indent="-514350" algn="just">
+              <a:buFont typeface="Arial" panose="020B0604020202020204" pitchFamily="34" charset="0"/>
+              <a:buChar char="•"/>
+            </a:pPr>
+            <a:r>
+              <a:rPr lang="en-US" sz="2800" dirty="0">
+                <a:latin typeface="Helvetica" charset="0"/>
+                <a:ea typeface="Helvetica" charset="0"/>
+                <a:cs typeface="Helvetica" charset="0"/>
+              </a:rPr>
+              <a:t>Uses optimization (gradient descent) to stretch and smooth</a:t>
+            </a:r>
+          </a:p>
+          <a:p>
+            <a:pPr algn="just"/>
+            <a:endParaRPr lang="en-US" sz="2800" dirty="0">
+              <a:latin typeface="Helvetica" charset="0"/>
+              <a:ea typeface="Helvetica" charset="0"/>
+              <a:cs typeface="Helvetica" charset="0"/>
+            </a:endParaRPr>
+          </a:p>
+          <a:p>
+            <a:pPr algn="just"/>
+            <a:endParaRPr lang="en-US" sz="2800" dirty="0">
+              <a:latin typeface="Helvetica" charset="0"/>
+              <a:ea typeface="Helvetica" charset="0"/>
+              <a:cs typeface="Helvetica" charset="0"/>
+            </a:endParaRPr>
+          </a:p>
+          <a:p>
+            <a:pPr marL="457200" indent="-457200" algn="just">
+              <a:buFont typeface="Arial" panose="020B0604020202020204" pitchFamily="34" charset="0"/>
+              <a:buChar char="•"/>
+            </a:pPr>
+            <a:r>
+              <a:rPr lang="en-US" sz="2800" dirty="0">
+                <a:latin typeface="Helvetica" charset="0"/>
+                <a:ea typeface="Helvetica" charset="0"/>
+                <a:cs typeface="Helvetica" charset="0"/>
+              </a:rPr>
+              <a:t>Sigmoid represents obstacle penalty, last term represents smoothness</a:t>
+            </a:r>
+          </a:p>
+        </p:txBody>
+      </p:sp>
+      <p:pic>
+        <p:nvPicPr>
+          <p:cNvPr id="7" name="Picture 6"/>
+          <p:cNvPicPr>
+            <a:picLocks noChangeAspect="1"/>
+          </p:cNvPicPr>
+          <p:nvPr/>
+        </p:nvPicPr>
+        <p:blipFill>
+          <a:blip r:embed="rId8" cstate="print">
+            <a:extLst>
+              <a:ext uri="{28A0092B-C50C-407E-A947-70E740481C1C}">
+                <a14:useLocalDpi xmlns:a14="http://schemas.microsoft.com/office/drawing/2010/main" val="0"/>
+              </a:ext>
+            </a:extLst>
+          </a:blip>
+          <a:stretch>
+            <a:fillRect/>
+          </a:stretch>
+        </p:blipFill>
+        <p:spPr>
+          <a:xfrm>
+            <a:off x="9048762" y="6828902"/>
+            <a:ext cx="13210503" cy="987057"/>
+          </a:xfrm>
+          <a:prstGeom prst="rect">
+            <a:avLst/>
+          </a:prstGeom>
+        </p:spPr>
+      </p:pic>
+      <p:sp>
+        <p:nvSpPr>
+          <p:cNvPr id="31" name="TextBox 30"/>
+          <p:cNvSpPr txBox="1"/>
+          <p:nvPr/>
+        </p:nvSpPr>
+        <p:spPr>
+          <a:xfrm>
+            <a:off x="23545799" y="20726400"/>
+            <a:ext cx="8578829" cy="830997"/>
+          </a:xfrm>
+          <a:prstGeom prst="rect">
+            <a:avLst/>
+          </a:prstGeom>
+          <a:noFill/>
+        </p:spPr>
+        <p:txBody>
+          <a:bodyPr wrap="square" rtlCol="0">
+            <a:spAutoFit/>
+          </a:bodyPr>
+          <a:lstStyle/>
+          <a:p>
+            <a:pPr marL="457200" indent="-457200" algn="just">
+              <a:buFont typeface="+mj-lt"/>
+              <a:buAutoNum type="arabicPeriod"/>
+            </a:pPr>
+            <a:r>
+              <a:rPr lang="en-US" sz="2400" dirty="0">
+                <a:latin typeface="Helvetica" charset="0"/>
+                <a:ea typeface="Helvetica" charset="0"/>
+                <a:cs typeface="Helvetica" charset="0"/>
+              </a:rPr>
+              <a:t>This method was developed jointly with Guillermo </a:t>
+            </a:r>
+            <a:r>
+              <a:rPr lang="en-US" sz="2400" dirty="0" err="1">
+                <a:latin typeface="Helvetica" charset="0"/>
+                <a:ea typeface="Helvetica" charset="0"/>
+                <a:cs typeface="Helvetica" charset="0"/>
+              </a:rPr>
+              <a:t>Angeris</a:t>
+            </a:r>
+            <a:r>
+              <a:rPr lang="en-US" sz="2400" dirty="0">
+                <a:latin typeface="Helvetica" charset="0"/>
+                <a:ea typeface="Helvetica" charset="0"/>
+                <a:cs typeface="Helvetica" charset="0"/>
+              </a:rPr>
+              <a:t> of </a:t>
+            </a:r>
+            <a:r>
+              <a:rPr lang="en-US" sz="2400" dirty="0" err="1">
+                <a:latin typeface="Helvetica" charset="0"/>
+                <a:ea typeface="Helvetica" charset="0"/>
+                <a:cs typeface="Helvetica" charset="0"/>
+              </a:rPr>
+              <a:t>StanfordAIR</a:t>
+            </a:r>
+            <a:r>
+              <a:rPr lang="en-US" sz="2400" dirty="0">
+                <a:latin typeface="Helvetica" charset="0"/>
+                <a:ea typeface="Helvetica" charset="0"/>
+                <a:cs typeface="Helvetica" charset="0"/>
+              </a:rPr>
+              <a:t>. His work can be found at https://</a:t>
+            </a:r>
+            <a:r>
+              <a:rPr lang="en-US" sz="2400" dirty="0" err="1">
+                <a:latin typeface="Helvetica" charset="0"/>
+                <a:ea typeface="Helvetica" charset="0"/>
+                <a:cs typeface="Helvetica" charset="0"/>
+              </a:rPr>
+              <a:t>guille.site</a:t>
+            </a:r>
+            <a:r>
+              <a:rPr lang="en-US" sz="2400" dirty="0">
+                <a:latin typeface="Helvetica" charset="0"/>
+                <a:ea typeface="Helvetica" charset="0"/>
+                <a:cs typeface="Helvetica" charset="0"/>
+              </a:rPr>
+              <a:t>.</a:t>
+            </a:r>
+          </a:p>
+        </p:txBody>
+      </p:sp>
+      <p:pic>
+        <p:nvPicPr>
+          <p:cNvPr id="10" name="Picture 9"/>
+          <p:cNvPicPr>
+            <a:picLocks noChangeAspect="1"/>
+          </p:cNvPicPr>
+          <p:nvPr/>
+        </p:nvPicPr>
+        <p:blipFill rotWithShape="1">
+          <a:blip r:embed="rId9" cstate="print">
+            <a:extLst>
+              <a:ext uri="{28A0092B-C50C-407E-A947-70E740481C1C}">
+                <a14:useLocalDpi xmlns:a14="http://schemas.microsoft.com/office/drawing/2010/main" val="0"/>
+              </a:ext>
+            </a:extLst>
+          </a:blip>
+          <a:srcRect l="12335" t="11546" r="9584" b="10691"/>
+          <a:stretch/>
+        </p:blipFill>
+        <p:spPr>
+          <a:xfrm>
+            <a:off x="2057400" y="20421600"/>
+            <a:ext cx="4400036" cy="4382041"/>
+          </a:xfrm>
+          <a:prstGeom prst="rect">
+            <a:avLst/>
+          </a:prstGeom>
+        </p:spPr>
+      </p:pic>
+      <p:grpSp>
+        <p:nvGrpSpPr>
+          <p:cNvPr id="24" name="Group 23">
+            <a:extLst>
+              <a:ext uri="{FF2B5EF4-FFF2-40B4-BE49-F238E27FC236}">
+                <a16:creationId xmlns:a16="http://schemas.microsoft.com/office/drawing/2014/main" id="{5E6EB038-7F91-438B-9974-BCFE5489B980}"/>
+              </a:ext>
+            </a:extLst>
+          </p:cNvPr>
+          <p:cNvGrpSpPr/>
+          <p:nvPr/>
+        </p:nvGrpSpPr>
+        <p:grpSpPr>
+          <a:xfrm>
+            <a:off x="10081034" y="8484185"/>
+            <a:ext cx="2593591" cy="5618026"/>
+            <a:chOff x="9735547" y="8384230"/>
+            <a:chExt cx="2593591" cy="5618026"/>
+          </a:xfrm>
+        </p:grpSpPr>
+        <p:pic>
+          <p:nvPicPr>
+            <p:cNvPr id="15" name="Picture 14"/>
+            <p:cNvPicPr>
+              <a:picLocks noChangeAspect="1"/>
+            </p:cNvPicPr>
+            <p:nvPr/>
+          </p:nvPicPr>
+          <p:blipFill rotWithShape="1">
+            <a:blip r:embed="rId10" cstate="print">
+              <a:extLst>
+                <a:ext uri="{28A0092B-C50C-407E-A947-70E740481C1C}">
+                  <a14:useLocalDpi xmlns:a14="http://schemas.microsoft.com/office/drawing/2010/main" val="0"/>
+                </a:ext>
+              </a:extLst>
+            </a:blip>
+            <a:srcRect l="39430" t="11014" r="37052" b="9779"/>
+            <a:stretch/>
+          </p:blipFill>
+          <p:spPr>
+            <a:xfrm>
+              <a:off x="9861817" y="11374176"/>
+              <a:ext cx="2341049" cy="2628080"/>
+            </a:xfrm>
+            <a:prstGeom prst="rect">
+              <a:avLst/>
+            </a:prstGeom>
+          </p:spPr>
+        </p:pic>
+        <p:pic>
+          <p:nvPicPr>
+            <p:cNvPr id="37" name="Picture 36"/>
+            <p:cNvPicPr>
+              <a:picLocks noChangeAspect="1"/>
+            </p:cNvPicPr>
+            <p:nvPr/>
+          </p:nvPicPr>
+          <p:blipFill rotWithShape="1">
+            <a:blip r:embed="rId10">
+              <a:extLst>
+                <a:ext uri="{28A0092B-C50C-407E-A947-70E740481C1C}">
+                  <a14:useLocalDpi xmlns:a14="http://schemas.microsoft.com/office/drawing/2010/main" val="0"/>
+                </a:ext>
+              </a:extLst>
+            </a:blip>
+            <a:srcRect l="13194" t="14583" r="65278" b="14584"/>
+            <a:stretch/>
+          </p:blipFill>
+          <p:spPr>
+            <a:xfrm>
+              <a:off x="9735547" y="8384230"/>
+              <a:ext cx="2593591" cy="2844584"/>
+            </a:xfrm>
+            <a:prstGeom prst="rect">
+              <a:avLst/>
+            </a:prstGeom>
+          </p:spPr>
+        </p:pic>
+      </p:grpSp>
+      <p:grpSp>
+        <p:nvGrpSpPr>
+          <p:cNvPr id="26" name="Group 25">
+            <a:extLst>
+              <a:ext uri="{FF2B5EF4-FFF2-40B4-BE49-F238E27FC236}">
+                <a16:creationId xmlns:a16="http://schemas.microsoft.com/office/drawing/2014/main" id="{B1E2E88E-9954-4D6B-AAE5-0857D89B44F7}"/>
+              </a:ext>
+            </a:extLst>
+          </p:cNvPr>
+          <p:cNvGrpSpPr/>
+          <p:nvPr/>
+        </p:nvGrpSpPr>
+        <p:grpSpPr>
+          <a:xfrm>
+            <a:off x="13546316" y="11339887"/>
+            <a:ext cx="2807645" cy="603863"/>
+            <a:chOff x="13518134" y="10451995"/>
+            <a:chExt cx="2807645" cy="603863"/>
+          </a:xfrm>
+        </p:grpSpPr>
+        <p:cxnSp>
+          <p:nvCxnSpPr>
+            <p:cNvPr id="29" name="Straight Arrow Connector 28"/>
+            <p:cNvCxnSpPr>
+              <a:cxnSpLocks/>
+            </p:cNvCxnSpPr>
+            <p:nvPr/>
+          </p:nvCxnSpPr>
+          <p:spPr>
+            <a:xfrm flipH="1">
+              <a:off x="13766450" y="11055858"/>
+              <a:ext cx="1931689" cy="0"/>
+            </a:xfrm>
+            <a:prstGeom prst="straightConnector1">
+              <a:avLst/>
+            </a:prstGeom>
+            <a:ln w="76200">
+              <a:tailEnd type="triangle"/>
+            </a:ln>
+          </p:spPr>
+          <p:style>
+            <a:lnRef idx="1">
+              <a:schemeClr val="accent1"/>
+            </a:lnRef>
+            <a:fillRef idx="0">
+              <a:schemeClr val="accent1"/>
+            </a:fillRef>
+            <a:effectRef idx="0">
+              <a:schemeClr val="accent1"/>
+            </a:effectRef>
+            <a:fontRef idx="minor">
+              <a:schemeClr val="tx1"/>
+            </a:fontRef>
+          </p:style>
+        </p:cxnSp>
+        <p:sp>
+          <p:nvSpPr>
+            <p:cNvPr id="44" name="Rectangle 43"/>
+            <p:cNvSpPr/>
+            <p:nvPr/>
+          </p:nvSpPr>
+          <p:spPr>
+            <a:xfrm>
+              <a:off x="13518134" y="10451995"/>
+              <a:ext cx="2807645" cy="523220"/>
+            </a:xfrm>
+            <a:prstGeom prst="rect">
+              <a:avLst/>
+            </a:prstGeom>
+          </p:spPr>
+          <p:txBody>
+            <a:bodyPr wrap="square">
+              <a:spAutoFit/>
+            </a:bodyPr>
+            <a:lstStyle/>
+            <a:p>
+              <a:pPr algn="just"/>
+              <a:r>
+                <a:rPr lang="en-US" sz="2800" dirty="0">
+                  <a:latin typeface="Helvetica" charset="0"/>
+                  <a:ea typeface="Helvetica" charset="0"/>
+                  <a:cs typeface="Helvetica" charset="0"/>
+                </a:rPr>
+                <a:t>Graph Approx. </a:t>
+              </a:r>
+            </a:p>
+          </p:txBody>
+        </p:sp>
+      </p:grpSp>
+      <p:grpSp>
+        <p:nvGrpSpPr>
+          <p:cNvPr id="27" name="Group 26">
+            <a:extLst>
+              <a:ext uri="{FF2B5EF4-FFF2-40B4-BE49-F238E27FC236}">
+                <a16:creationId xmlns:a16="http://schemas.microsoft.com/office/drawing/2014/main" id="{C72AA17F-7750-48D9-9566-84841C3C120D}"/>
+              </a:ext>
+            </a:extLst>
+          </p:cNvPr>
+          <p:cNvGrpSpPr/>
+          <p:nvPr/>
+        </p:nvGrpSpPr>
+        <p:grpSpPr>
+          <a:xfrm>
+            <a:off x="13288344" y="10134931"/>
+            <a:ext cx="3508912" cy="603862"/>
+            <a:chOff x="13301685" y="8797000"/>
+            <a:chExt cx="3508912" cy="603862"/>
+          </a:xfrm>
+        </p:grpSpPr>
+        <p:sp>
+          <p:nvSpPr>
+            <p:cNvPr id="18" name="Rectangle 17"/>
+            <p:cNvSpPr/>
+            <p:nvPr/>
+          </p:nvSpPr>
+          <p:spPr>
+            <a:xfrm>
+              <a:off x="13301685" y="8797000"/>
+              <a:ext cx="3508912" cy="523220"/>
+            </a:xfrm>
+            <a:prstGeom prst="rect">
+              <a:avLst/>
+            </a:prstGeom>
+          </p:spPr>
+          <p:txBody>
+            <a:bodyPr wrap="square">
+              <a:spAutoFit/>
+            </a:bodyPr>
+            <a:lstStyle/>
+            <a:p>
+              <a:pPr algn="just"/>
+              <a:r>
+                <a:rPr lang="en-US" sz="2800" dirty="0">
+                  <a:latin typeface="Helvetica" charset="0"/>
+                  <a:ea typeface="Helvetica" charset="0"/>
+                  <a:cs typeface="Helvetica" charset="0"/>
+                </a:rPr>
+                <a:t>Boundary function.</a:t>
+              </a:r>
+            </a:p>
+          </p:txBody>
+        </p:sp>
+        <p:cxnSp>
+          <p:nvCxnSpPr>
+            <p:cNvPr id="45" name="Straight Arrow Connector 44"/>
+            <p:cNvCxnSpPr>
+              <a:cxnSpLocks/>
+            </p:cNvCxnSpPr>
+            <p:nvPr/>
+          </p:nvCxnSpPr>
+          <p:spPr>
+            <a:xfrm>
+              <a:off x="13766451" y="9400862"/>
+              <a:ext cx="1931689" cy="0"/>
+            </a:xfrm>
+            <a:prstGeom prst="straightConnector1">
+              <a:avLst/>
+            </a:prstGeom>
+            <a:ln w="76200">
+              <a:tailEnd type="triangle"/>
+            </a:ln>
+          </p:spPr>
+          <p:style>
+            <a:lnRef idx="1">
+              <a:schemeClr val="accent1"/>
+            </a:lnRef>
+            <a:fillRef idx="0">
+              <a:schemeClr val="accent1"/>
+            </a:fillRef>
+            <a:effectRef idx="0">
+              <a:schemeClr val="accent1"/>
+            </a:effectRef>
+            <a:fontRef idx="minor">
+              <a:schemeClr val="tx1"/>
+            </a:fontRef>
+          </p:style>
+        </p:cxnSp>
+      </p:grpSp>
+      <p:pic>
+        <p:nvPicPr>
+          <p:cNvPr id="38" name="Picture 37"/>
+          <p:cNvPicPr>
+            <a:picLocks noChangeAspect="1"/>
+          </p:cNvPicPr>
+          <p:nvPr/>
+        </p:nvPicPr>
+        <p:blipFill>
+          <a:blip r:embed="rId11" cstate="print">
+            <a:extLst>
+              <a:ext uri="{28A0092B-C50C-407E-A947-70E740481C1C}">
+                <a14:useLocalDpi xmlns:a14="http://schemas.microsoft.com/office/drawing/2010/main" val="0"/>
+              </a:ext>
+            </a:extLst>
+          </a:blip>
+          <a:stretch>
+            <a:fillRect/>
+          </a:stretch>
+        </p:blipFill>
+        <p:spPr>
+          <a:xfrm>
+            <a:off x="3012541" y="18865846"/>
+            <a:ext cx="2672467" cy="1469203"/>
+          </a:xfrm>
+          <a:prstGeom prst="rect">
+            <a:avLst/>
+          </a:prstGeom>
+        </p:spPr>
+      </p:pic>
+      <p:sp>
+        <p:nvSpPr>
+          <p:cNvPr id="33" name="TextBox 32">
+            <a:extLst>
+              <a:ext uri="{FF2B5EF4-FFF2-40B4-BE49-F238E27FC236}">
+                <a16:creationId xmlns:a16="http://schemas.microsoft.com/office/drawing/2014/main" id="{20A35334-65BE-427E-A6B3-FEE9E459E3DE}"/>
+              </a:ext>
+            </a:extLst>
+          </p:cNvPr>
+          <p:cNvSpPr txBox="1"/>
+          <p:nvPr/>
+        </p:nvSpPr>
+        <p:spPr>
+          <a:xfrm>
+            <a:off x="704012" y="4705621"/>
+            <a:ext cx="7294012" cy="8309967"/>
+          </a:xfrm>
+          <a:prstGeom prst="rect">
+            <a:avLst/>
+          </a:prstGeom>
+          <a:noFill/>
+        </p:spPr>
+        <p:txBody>
+          <a:bodyPr wrap="square" rtlCol="0">
+            <a:spAutoFit/>
+          </a:bodyPr>
+          <a:lstStyle/>
+          <a:p>
+            <a:pPr marL="342900" indent="-342900">
+              <a:spcAft>
+                <a:spcPts val="600"/>
+              </a:spcAft>
+              <a:buFont typeface="Arial" panose="020B0604020202020204" pitchFamily="34" charset="0"/>
+              <a:buChar char="•"/>
+            </a:pPr>
+            <a:r>
+              <a:rPr lang="en-US" sz="2800" dirty="0">
+                <a:latin typeface="Helvetica" panose="020B0604020202020204" pitchFamily="34" charset="0"/>
+                <a:cs typeface="Helvetica" panose="020B0604020202020204" pitchFamily="34" charset="0"/>
+              </a:rPr>
+              <a:t>Path planning is the task of finding the optimal route between two points, avoiding any obstacles along the way</a:t>
+            </a:r>
+          </a:p>
+          <a:p>
+            <a:pPr marL="342900" indent="-342900">
+              <a:spcAft>
+                <a:spcPts val="600"/>
+              </a:spcAft>
+              <a:buFont typeface="Arial" panose="020B0604020202020204" pitchFamily="34" charset="0"/>
+              <a:buChar char="•"/>
+            </a:pPr>
+            <a:r>
+              <a:rPr lang="en-US" sz="2800" dirty="0">
+                <a:latin typeface="Helvetica" panose="020B0604020202020204" pitchFamily="34" charset="0"/>
+                <a:cs typeface="Helvetica" panose="020B0604020202020204" pitchFamily="34" charset="0"/>
+              </a:rPr>
+              <a:t>Task arises naturally in many vehicle control tasks, particularly when drone navigation</a:t>
+            </a:r>
+          </a:p>
+          <a:p>
+            <a:pPr marL="342900" indent="-342900">
+              <a:spcAft>
+                <a:spcPts val="600"/>
+              </a:spcAft>
+              <a:buFont typeface="Arial" panose="020B0604020202020204" pitchFamily="34" charset="0"/>
+              <a:buChar char="•"/>
+            </a:pPr>
+            <a:r>
+              <a:rPr lang="en-US" sz="2800" dirty="0">
+                <a:latin typeface="Helvetica" panose="020B0604020202020204" pitchFamily="34" charset="0"/>
+                <a:cs typeface="Helvetica" panose="020B0604020202020204" pitchFamily="34" charset="0"/>
+              </a:rPr>
+              <a:t>Commonly used to avoid other aerial vehicles at high altitudes</a:t>
+            </a:r>
+          </a:p>
+          <a:p>
+            <a:pPr>
+              <a:spcAft>
+                <a:spcPts val="600"/>
+              </a:spcAft>
+            </a:pPr>
+            <a:endParaRPr lang="en-US" sz="2800" dirty="0">
+              <a:latin typeface="Helvetica" panose="020B0604020202020204" pitchFamily="34" charset="0"/>
+              <a:cs typeface="Helvetica" panose="020B0604020202020204" pitchFamily="34" charset="0"/>
+            </a:endParaRPr>
+          </a:p>
+          <a:p>
+            <a:pPr marL="342900" indent="-342900">
+              <a:spcAft>
+                <a:spcPts val="600"/>
+              </a:spcAft>
+              <a:buFont typeface="Arial" panose="020B0604020202020204" pitchFamily="34" charset="0"/>
+              <a:buChar char="•"/>
+            </a:pPr>
+            <a:r>
+              <a:rPr lang="en-US" sz="2800" dirty="0">
+                <a:latin typeface="Helvetica" panose="020B0604020202020204" pitchFamily="34" charset="0"/>
+                <a:cs typeface="Helvetica" panose="020B0604020202020204" pitchFamily="34" charset="0"/>
+              </a:rPr>
+              <a:t>Classical techniques often rely on simplifying assumptions and require a new solution each time the environment changes</a:t>
+            </a:r>
+          </a:p>
+          <a:p>
+            <a:pPr marL="342900" indent="-342900">
+              <a:spcAft>
+                <a:spcPts val="600"/>
+              </a:spcAft>
+              <a:buFont typeface="Arial" panose="020B0604020202020204" pitchFamily="34" charset="0"/>
+              <a:buChar char="•"/>
+            </a:pPr>
+            <a:r>
+              <a:rPr lang="en-US" sz="2800" dirty="0">
+                <a:latin typeface="Helvetica" panose="020B0604020202020204" pitchFamily="34" charset="0"/>
+                <a:cs typeface="Helvetica" panose="020B0604020202020204" pitchFamily="34" charset="0"/>
+              </a:rPr>
+              <a:t>Prefer a solution that makes fewer assumptions and generalizes well over different environments</a:t>
+            </a:r>
+          </a:p>
+          <a:p>
+            <a:pPr marL="342900" indent="-342900">
+              <a:spcAft>
+                <a:spcPts val="600"/>
+              </a:spcAft>
+              <a:buFont typeface="Arial" panose="020B0604020202020204" pitchFamily="34" charset="0"/>
+              <a:buChar char="•"/>
+            </a:pPr>
+            <a:r>
+              <a:rPr lang="en-US" sz="2800" dirty="0">
+                <a:latin typeface="Helvetica" panose="020B0604020202020204" pitchFamily="34" charset="0"/>
+                <a:cs typeface="Helvetica" panose="020B0604020202020204" pitchFamily="34" charset="0"/>
+              </a:rPr>
+              <a:t>Reinforcement learning techniques can implicitly learn a general solution</a:t>
+            </a:r>
+          </a:p>
+        </p:txBody>
+      </p:sp>
+      <p:grpSp>
+        <p:nvGrpSpPr>
+          <p:cNvPr id="23" name="Group 22">
+            <a:extLst>
+              <a:ext uri="{FF2B5EF4-FFF2-40B4-BE49-F238E27FC236}">
+                <a16:creationId xmlns:a16="http://schemas.microsoft.com/office/drawing/2014/main" id="{41BD57E7-EF49-4267-B7E9-0E5511261918}"/>
+              </a:ext>
+            </a:extLst>
+          </p:cNvPr>
+          <p:cNvGrpSpPr/>
+          <p:nvPr/>
+        </p:nvGrpSpPr>
+        <p:grpSpPr>
+          <a:xfrm>
+            <a:off x="16941040" y="8524045"/>
+            <a:ext cx="4213306" cy="5578166"/>
+            <a:chOff x="17600741" y="8424454"/>
+            <a:chExt cx="4213306" cy="5578166"/>
+          </a:xfrm>
+        </p:grpSpPr>
+        <p:grpSp>
+          <p:nvGrpSpPr>
+            <p:cNvPr id="14" name="Group 13"/>
+            <p:cNvGrpSpPr/>
+            <p:nvPr/>
+          </p:nvGrpSpPr>
+          <p:grpSpPr>
+            <a:xfrm>
+              <a:off x="17600741" y="8424454"/>
+              <a:ext cx="4213306" cy="2741992"/>
+              <a:chOff x="14097000" y="11277600"/>
+              <a:chExt cx="4800600" cy="3124200"/>
+            </a:xfrm>
+          </p:grpSpPr>
+          <p:pic>
+            <p:nvPicPr>
+              <p:cNvPr id="11" name="Picture 10"/>
+              <p:cNvPicPr>
+                <a:picLocks noChangeAspect="1"/>
+              </p:cNvPicPr>
+              <p:nvPr/>
+            </p:nvPicPr>
+            <p:blipFill rotWithShape="1">
+              <a:blip r:embed="rId12">
+                <a:extLst>
+                  <a:ext uri="{28A0092B-C50C-407E-A947-70E740481C1C}">
+                    <a14:useLocalDpi xmlns:a14="http://schemas.microsoft.com/office/drawing/2010/main" val="0"/>
+                  </a:ext>
+                </a:extLst>
+              </a:blip>
+              <a:srcRect l="6944" t="8334" r="5556" b="6250"/>
+              <a:stretch/>
+            </p:blipFill>
+            <p:spPr>
+              <a:xfrm>
+                <a:off x="14097000" y="11277600"/>
+                <a:ext cx="4800600" cy="3124200"/>
+              </a:xfrm>
+              <a:prstGeom prst="rect">
+                <a:avLst/>
+              </a:prstGeom>
+            </p:spPr>
+          </p:pic>
+          <p:sp>
+            <p:nvSpPr>
+              <p:cNvPr id="12" name="Rectangle 11"/>
+              <p:cNvSpPr/>
+              <p:nvPr/>
+            </p:nvSpPr>
+            <p:spPr>
+              <a:xfrm>
+                <a:off x="14782800" y="11277600"/>
+                <a:ext cx="2743200" cy="48350"/>
+              </a:xfrm>
+              <a:prstGeom prst="rect">
+                <a:avLst/>
+              </a:prstGeom>
+              <a:solidFill>
+                <a:schemeClr val="bg1"/>
+              </a:solidFill>
+              <a:ln>
+                <a:solidFill>
+                  <a:schemeClr val="bg1"/>
+                </a:solidFill>
+              </a:ln>
+            </p:spPr>
+            <p:style>
+              <a:lnRef idx="2">
+                <a:schemeClr val="accent1">
+                  <a:shade val="50000"/>
+                </a:schemeClr>
+              </a:lnRef>
+              <a:fillRef idx="1">
+                <a:schemeClr val="accent1"/>
+              </a:fillRef>
+              <a:effectRef idx="0">
+                <a:schemeClr val="accent1"/>
+              </a:effectRef>
+              <a:fontRef idx="minor">
+                <a:schemeClr val="lt1"/>
+              </a:fontRef>
+            </p:style>
+            <p:txBody>
+              <a:bodyPr rtlCol="0" anchor="ctr"/>
+              <a:lstStyle/>
+              <a:p>
+                <a:pPr algn="ctr"/>
+                <a:endParaRPr lang="en-US"/>
+              </a:p>
+            </p:txBody>
+          </p:sp>
+        </p:grpSp>
+        <p:pic>
+          <p:nvPicPr>
+            <p:cNvPr id="47" name="Picture 46">
+              <a:extLst>
+                <a:ext uri="{FF2B5EF4-FFF2-40B4-BE49-F238E27FC236}">
+                  <a16:creationId xmlns:a16="http://schemas.microsoft.com/office/drawing/2014/main" id="{BD449CCB-3942-4D83-991F-AA97E1B81955}"/>
+                </a:ext>
+              </a:extLst>
+            </p:cNvPr>
+            <p:cNvPicPr>
+              <a:picLocks noChangeAspect="1"/>
+            </p:cNvPicPr>
+            <p:nvPr/>
+          </p:nvPicPr>
+          <p:blipFill rotWithShape="1">
+            <a:blip r:embed="rId10" cstate="print">
+              <a:extLst>
+                <a:ext uri="{28A0092B-C50C-407E-A947-70E740481C1C}">
+                  <a14:useLocalDpi xmlns:a14="http://schemas.microsoft.com/office/drawing/2010/main" val="0"/>
+                </a:ext>
+              </a:extLst>
+            </a:blip>
+            <a:srcRect l="66701" t="10786" r="9781" b="9405"/>
+            <a:stretch/>
+          </p:blipFill>
+          <p:spPr>
+            <a:xfrm>
+              <a:off x="18549999" y="11384280"/>
+              <a:ext cx="2314790" cy="2618340"/>
+            </a:xfrm>
+            <a:prstGeom prst="rect">
+              <a:avLst/>
+            </a:prstGeom>
+          </p:spPr>
+        </p:pic>
+      </p:grpSp>
     </p:spTree>
   </p:cSld>
   <p:clrMapOvr>

--- a/poster.pptx
+++ b/poster.pptx
@@ -154,6 +154,10 @@
     </p:ext>
   </p:extLst>
 </p:presentation>
+</file>
+
+<file path=ppt/revisionInfo.xml><?xml version="1.0" encoding="utf-8"?>
+<p1510:revInfo xmlns:a="http://schemas.openxmlformats.org/drawingml/2006/main" xmlns:r="http://schemas.openxmlformats.org/officeDocument/2006/relationships" xmlns:p1510="http://schemas.microsoft.com/office/powerpoint/2015/10/main"/>
 </file>
 
 <file path=ppt/notesMasters/notesMaster1.xml><?xml version="1.0" encoding="utf-8"?>
@@ -4752,7 +4756,7 @@
         <p:spPr>
           <a:xfrm>
             <a:off x="23111122" y="3615870"/>
-            <a:ext cx="9444849" cy="15692895"/>
+            <a:ext cx="9444849" cy="8728530"/>
           </a:xfrm>
           <a:prstGeom prst="roundRect">
             <a:avLst>
@@ -6184,8 +6188,8 @@
         </p:blipFill>
         <p:spPr>
           <a:xfrm>
-            <a:off x="9048762" y="6828902"/>
-            <a:ext cx="13210503" cy="987057"/>
+            <a:off x="9592240" y="6798194"/>
+            <a:ext cx="12105584" cy="904500"/>
           </a:xfrm>
           <a:prstGeom prst="rect">
             <a:avLst/>
@@ -6201,7 +6205,7 @@
         <p:spPr>
           <a:xfrm>
             <a:off x="23545799" y="20726400"/>
-            <a:ext cx="8578829" cy="830997"/>
+            <a:ext cx="8578829" cy="1015663"/>
           </a:xfrm>
           <a:prstGeom prst="rect">
             <a:avLst/>
@@ -6219,61 +6223,31 @@
               <a:buAutoNum type="arabicPeriod"/>
             </a:pPr>
             <a:r>
-              <a:rPr lang="en-US" sz="2400" dirty="0">
-                <a:latin typeface="Helvetica" charset="0"/>
-                <a:ea typeface="Helvetica" charset="0"/>
-                <a:cs typeface="Helvetica" charset="0"/>
+              <a:rPr lang="en-US" sz="2000" dirty="0">
+                <a:latin typeface="Helvetica" panose="020B0604020202020204" pitchFamily="34" charset="0"/>
+                <a:cs typeface="Helvetica" panose="020B0604020202020204" pitchFamily="34" charset="0"/>
               </a:rPr>
-              <a:t>This method was developed jointly with Guillermo </a:t>
-            </a:r>
-            <a:r>
-              <a:rPr lang="en-US" sz="2400" dirty="0" err="1">
-                <a:latin typeface="Helvetica" charset="0"/>
-                <a:ea typeface="Helvetica" charset="0"/>
-                <a:cs typeface="Helvetica" charset="0"/>
+              <a:t>[1]G. </a:t>
+            </a:r>
+            <a:r>
+              <a:rPr lang="en-US" sz="2000" dirty="0" err="1">
+                <a:latin typeface="Helvetica" panose="020B0604020202020204" pitchFamily="34" charset="0"/>
+                <a:cs typeface="Helvetica" panose="020B0604020202020204" pitchFamily="34" charset="0"/>
               </a:rPr>
               <a:t>Angeris</a:t>
             </a:r>
             <a:r>
-              <a:rPr lang="en-US" sz="2400" dirty="0">
-                <a:latin typeface="Helvetica" charset="0"/>
-                <a:ea typeface="Helvetica" charset="0"/>
-                <a:cs typeface="Helvetica" charset="0"/>
+              <a:rPr lang="en-US" sz="2000" dirty="0">
+                <a:latin typeface="Helvetica" panose="020B0604020202020204" pitchFamily="34" charset="0"/>
+                <a:cs typeface="Helvetica" panose="020B0604020202020204" pitchFamily="34" charset="0"/>
               </a:rPr>
-              <a:t> of </a:t>
-            </a:r>
-            <a:r>
-              <a:rPr lang="en-US" sz="2400" dirty="0" err="1">
-                <a:latin typeface="Helvetica" charset="0"/>
-                <a:ea typeface="Helvetica" charset="0"/>
-                <a:cs typeface="Helvetica" charset="0"/>
-              </a:rPr>
-              <a:t>StanfordAIR</a:t>
-            </a:r>
-            <a:r>
-              <a:rPr lang="en-US" sz="2400" dirty="0">
-                <a:latin typeface="Helvetica" charset="0"/>
-                <a:ea typeface="Helvetica" charset="0"/>
-                <a:cs typeface="Helvetica" charset="0"/>
-              </a:rPr>
-              <a:t>. His work can be found at https://</a:t>
-            </a:r>
-            <a:r>
-              <a:rPr lang="en-US" sz="2400" dirty="0" err="1">
-                <a:latin typeface="Helvetica" charset="0"/>
-                <a:ea typeface="Helvetica" charset="0"/>
-                <a:cs typeface="Helvetica" charset="0"/>
-              </a:rPr>
-              <a:t>guille.site</a:t>
-            </a:r>
-            <a:r>
-              <a:rPr lang="en-US" sz="2400" dirty="0">
-                <a:latin typeface="Helvetica" charset="0"/>
-                <a:ea typeface="Helvetica" charset="0"/>
-                <a:cs typeface="Helvetica" charset="0"/>
-              </a:rPr>
-              <a:t>.</a:t>
-            </a:r>
+              <a:t>, "Some thoughts on global path optimization", 2017. [Online]. Available: https://guille.site/path-optimization-thoughts.html. [Accessed: 11- Dec- 2017].</a:t>
+            </a:r>
+            <a:endParaRPr lang="en-US" sz="2000" dirty="0">
+              <a:latin typeface="Helvetica" panose="020B0604020202020204" pitchFamily="34" charset="0"/>
+              <a:ea typeface="Helvetica" charset="0"/>
+              <a:cs typeface="Helvetica" panose="020B0604020202020204" pitchFamily="34" charset="0"/>
+            </a:endParaRPr>
           </a:p>
         </p:txBody>
       </p:sp>
@@ -6877,6 +6851,558 @@
           </p:spPr>
         </p:pic>
       </p:grpSp>
+      <p:sp>
+        <p:nvSpPr>
+          <p:cNvPr id="43" name="TextBox 42">
+            <a:extLst>
+              <a:ext uri="{FF2B5EF4-FFF2-40B4-BE49-F238E27FC236}">
+                <a16:creationId xmlns:a16="http://schemas.microsoft.com/office/drawing/2014/main" id="{7F9C78A8-1537-4127-9AD4-195CB7F53866}"/>
+              </a:ext>
+            </a:extLst>
+          </p:cNvPr>
+          <p:cNvSpPr txBox="1"/>
+          <p:nvPr/>
+        </p:nvSpPr>
+        <p:spPr>
+          <a:xfrm>
+            <a:off x="23341639" y="13709531"/>
+            <a:ext cx="9028975" cy="954107"/>
+          </a:xfrm>
+          <a:prstGeom prst="rect">
+            <a:avLst/>
+          </a:prstGeom>
+          <a:noFill/>
+        </p:spPr>
+        <p:txBody>
+          <a:bodyPr wrap="square" rtlCol="0">
+            <a:spAutoFit/>
+          </a:bodyPr>
+          <a:lstStyle/>
+          <a:p>
+            <a:pPr algn="just"/>
+            <a:r>
+              <a:rPr lang="en-US" sz="2800" dirty="0">
+                <a:latin typeface="Helvetica" charset="0"/>
+                <a:ea typeface="Helvetica" charset="0"/>
+                <a:cs typeface="Helvetica" charset="0"/>
+              </a:rPr>
+              <a:t>. </a:t>
+            </a:r>
+          </a:p>
+          <a:p>
+            <a:pPr marL="342900" indent="-342900" algn="just">
+              <a:buFont typeface="Arial" panose="020B0604020202020204" pitchFamily="34" charset="0"/>
+              <a:buChar char="•"/>
+            </a:pPr>
+            <a:r>
+              <a:rPr lang="en-US" sz="2800" dirty="0">
+                <a:latin typeface="Helvetica" charset="0"/>
+                <a:ea typeface="Helvetica" charset="0"/>
+                <a:cs typeface="Helvetica" charset="0"/>
+              </a:rPr>
+              <a:t>Lorem </a:t>
+            </a:r>
+            <a:r>
+              <a:rPr lang="en-US" sz="2800" dirty="0" err="1">
+                <a:latin typeface="Helvetica" charset="0"/>
+                <a:ea typeface="Helvetica" charset="0"/>
+                <a:cs typeface="Helvetica" charset="0"/>
+              </a:rPr>
+              <a:t>impsum</a:t>
+            </a:r>
+            <a:r>
+              <a:rPr lang="en-US" sz="2800" dirty="0">
+                <a:latin typeface="Helvetica" charset="0"/>
+                <a:ea typeface="Helvetica" charset="0"/>
+                <a:cs typeface="Helvetica" charset="0"/>
+              </a:rPr>
+              <a:t> </a:t>
+            </a:r>
+            <a:r>
+              <a:rPr lang="en-US" sz="2800" dirty="0" err="1">
+                <a:latin typeface="Helvetica" charset="0"/>
+                <a:ea typeface="Helvetica" charset="0"/>
+                <a:cs typeface="Helvetica" charset="0"/>
+              </a:rPr>
+              <a:t>dorum</a:t>
+            </a:r>
+            <a:endParaRPr lang="en-US" sz="2800" dirty="0">
+              <a:latin typeface="Helvetica" charset="0"/>
+              <a:ea typeface="Helvetica" charset="0"/>
+              <a:cs typeface="Helvetica" charset="0"/>
+            </a:endParaRPr>
+          </a:p>
+        </p:txBody>
+      </p:sp>
+      <p:graphicFrame>
+        <p:nvGraphicFramePr>
+          <p:cNvPr id="5" name="Table 4">
+            <a:extLst>
+              <a:ext uri="{FF2B5EF4-FFF2-40B4-BE49-F238E27FC236}">
+                <a16:creationId xmlns:a16="http://schemas.microsoft.com/office/drawing/2014/main" id="{9FBBDEDD-B58C-4292-8E0C-3EB95D791C4F}"/>
+              </a:ext>
+            </a:extLst>
+          </p:cNvPr>
+          <p:cNvGraphicFramePr>
+            <a:graphicFrameLocks noGrp="1"/>
+          </p:cNvGraphicFramePr>
+          <p:nvPr>
+            <p:extLst>
+              <p:ext uri="{D42A27DB-BD31-4B8C-83A1-F6EECF244321}">
+                <p14:modId xmlns:p14="http://schemas.microsoft.com/office/powerpoint/2010/main" val="2917819577"/>
+              </p:ext>
+            </p:extLst>
+          </p:nvPr>
+        </p:nvGraphicFramePr>
+        <p:xfrm>
+          <a:off x="23610729" y="4907165"/>
+          <a:ext cx="8445633" cy="2415920"/>
+        </p:xfrm>
+        <a:graphic>
+          <a:graphicData uri="http://schemas.openxmlformats.org/drawingml/2006/table">
+            <a:tbl>
+              <a:tblPr firstRow="1" bandRow="1">
+                <a:tableStyleId>{21E4AEA4-8DFA-4A89-87EB-49C32662AFE0}</a:tableStyleId>
+              </a:tblPr>
+              <a:tblGrid>
+                <a:gridCol w="2815211">
+                  <a:extLst>
+                    <a:ext uri="{9D8B030D-6E8A-4147-A177-3AD203B41FA5}">
+                      <a16:colId xmlns:a16="http://schemas.microsoft.com/office/drawing/2014/main" val="7502155"/>
+                    </a:ext>
+                  </a:extLst>
+                </a:gridCol>
+                <a:gridCol w="2815211">
+                  <a:extLst>
+                    <a:ext uri="{9D8B030D-6E8A-4147-A177-3AD203B41FA5}">
+                      <a16:colId xmlns:a16="http://schemas.microsoft.com/office/drawing/2014/main" val="3360269338"/>
+                    </a:ext>
+                  </a:extLst>
+                </a:gridCol>
+                <a:gridCol w="2815211">
+                  <a:extLst>
+                    <a:ext uri="{9D8B030D-6E8A-4147-A177-3AD203B41FA5}">
+                      <a16:colId xmlns:a16="http://schemas.microsoft.com/office/drawing/2014/main" val="3462760015"/>
+                    </a:ext>
+                  </a:extLst>
+                </a:gridCol>
+              </a:tblGrid>
+              <a:tr h="822960">
+                <a:tc>
+                  <a:txBody>
+                    <a:bodyPr/>
+                    <a:lstStyle/>
+                    <a:p>
+                      <a:r>
+                        <a:rPr lang="en-US" sz="2600" dirty="0"/>
+                        <a:t>Algorithm</a:t>
+                      </a:r>
+                    </a:p>
+                  </a:txBody>
+                  <a:tcPr marL="85820" marR="85820" marT="42910" marB="42910"/>
+                </a:tc>
+                <a:tc>
+                  <a:txBody>
+                    <a:bodyPr/>
+                    <a:lstStyle/>
+                    <a:p>
+                      <a:r>
+                        <a:rPr lang="en-US" sz="2600" dirty="0"/>
+                        <a:t>Success Rate</a:t>
+                      </a:r>
+                    </a:p>
+                  </a:txBody>
+                  <a:tcPr marL="85820" marR="85820" marT="42910" marB="42910"/>
+                </a:tc>
+                <a:tc>
+                  <a:txBody>
+                    <a:bodyPr/>
+                    <a:lstStyle/>
+                    <a:p>
+                      <a:r>
+                        <a:rPr lang="en-US" sz="2600" dirty="0"/>
+                        <a:t>Average Path Length</a:t>
+                      </a:r>
+                    </a:p>
+                  </a:txBody>
+                  <a:tcPr marL="85820" marR="85820" marT="42910" marB="42910"/>
+                </a:tc>
+                <a:extLst>
+                  <a:ext uri="{0D108BD9-81ED-4DB2-BD59-A6C34878D82A}">
+                    <a16:rowId xmlns:a16="http://schemas.microsoft.com/office/drawing/2014/main" val="3802877361"/>
+                  </a:ext>
+                </a:extLst>
+              </a:tr>
+              <a:tr h="0">
+                <a:tc>
+                  <a:txBody>
+                    <a:bodyPr/>
+                    <a:lstStyle/>
+                    <a:p>
+                      <a:r>
+                        <a:rPr lang="en-US" sz="2800" dirty="0"/>
+                        <a:t>Optimization</a:t>
+                      </a:r>
+                    </a:p>
+                  </a:txBody>
+                  <a:tcPr marL="85820" marR="85820" marT="42910" marB="42910"/>
+                </a:tc>
+                <a:tc>
+                  <a:txBody>
+                    <a:bodyPr/>
+                    <a:lstStyle/>
+                    <a:p>
+                      <a:r>
+                        <a:rPr lang="en-US" sz="2800" dirty="0"/>
+                        <a:t>1.0</a:t>
+                      </a:r>
+                    </a:p>
+                  </a:txBody>
+                  <a:tcPr marL="85820" marR="85820" marT="42910" marB="42910"/>
+                </a:tc>
+                <a:tc>
+                  <a:txBody>
+                    <a:bodyPr/>
+                    <a:lstStyle/>
+                    <a:p>
+                      <a:r>
+                        <a:rPr lang="en-US" sz="2800" dirty="0"/>
+                        <a:t>156.3</a:t>
+                      </a:r>
+                    </a:p>
+                  </a:txBody>
+                  <a:tcPr marL="85820" marR="85820" marT="42910" marB="42910"/>
+                </a:tc>
+                <a:extLst>
+                  <a:ext uri="{0D108BD9-81ED-4DB2-BD59-A6C34878D82A}">
+                    <a16:rowId xmlns:a16="http://schemas.microsoft.com/office/drawing/2014/main" val="412087516"/>
+                  </a:ext>
+                </a:extLst>
+              </a:tr>
+              <a:tr h="0">
+                <a:tc>
+                  <a:txBody>
+                    <a:bodyPr/>
+                    <a:lstStyle/>
+                    <a:p>
+                      <a:r>
+                        <a:rPr lang="en-US" sz="2800" dirty="0"/>
+                        <a:t>FPI</a:t>
+                      </a:r>
+                    </a:p>
+                  </a:txBody>
+                  <a:tcPr marL="85820" marR="85820" marT="42910" marB="42910"/>
+                </a:tc>
+                <a:tc>
+                  <a:txBody>
+                    <a:bodyPr/>
+                    <a:lstStyle/>
+                    <a:p>
+                      <a:r>
+                        <a:rPr lang="en-US" sz="2800" dirty="0"/>
+                        <a:t>0.75</a:t>
+                      </a:r>
+                    </a:p>
+                  </a:txBody>
+                  <a:tcPr marL="85820" marR="85820" marT="42910" marB="42910"/>
+                </a:tc>
+                <a:tc>
+                  <a:txBody>
+                    <a:bodyPr/>
+                    <a:lstStyle/>
+                    <a:p>
+                      <a:r>
+                        <a:rPr lang="en-US" sz="2800" dirty="0"/>
+                        <a:t>768.0</a:t>
+                      </a:r>
+                    </a:p>
+                  </a:txBody>
+                  <a:tcPr marL="85820" marR="85820" marT="42910" marB="42910"/>
+                </a:tc>
+                <a:extLst>
+                  <a:ext uri="{0D108BD9-81ED-4DB2-BD59-A6C34878D82A}">
+                    <a16:rowId xmlns:a16="http://schemas.microsoft.com/office/drawing/2014/main" val="1972306194"/>
+                  </a:ext>
+                </a:extLst>
+              </a:tr>
+              <a:tr h="0">
+                <a:tc>
+                  <a:txBody>
+                    <a:bodyPr/>
+                    <a:lstStyle/>
+                    <a:p>
+                      <a:r>
+                        <a:rPr lang="en-US" sz="2800" dirty="0"/>
+                        <a:t>DFPI</a:t>
+                      </a:r>
+                    </a:p>
+                  </a:txBody>
+                  <a:tcPr marL="85820" marR="85820" marT="42910" marB="42910"/>
+                </a:tc>
+                <a:tc>
+                  <a:txBody>
+                    <a:bodyPr/>
+                    <a:lstStyle/>
+                    <a:p>
+                      <a:endParaRPr lang="en-US" sz="2800" dirty="0"/>
+                    </a:p>
+                  </a:txBody>
+                  <a:tcPr marL="85820" marR="85820" marT="42910" marB="42910"/>
+                </a:tc>
+                <a:tc>
+                  <a:txBody>
+                    <a:bodyPr/>
+                    <a:lstStyle/>
+                    <a:p>
+                      <a:endParaRPr lang="en-US" sz="2800" dirty="0"/>
+                    </a:p>
+                  </a:txBody>
+                  <a:tcPr marL="85820" marR="85820" marT="42910" marB="42910"/>
+                </a:tc>
+                <a:extLst>
+                  <a:ext uri="{0D108BD9-81ED-4DB2-BD59-A6C34878D82A}">
+                    <a16:rowId xmlns:a16="http://schemas.microsoft.com/office/drawing/2014/main" val="458128511"/>
+                  </a:ext>
+                </a:extLst>
+              </a:tr>
+            </a:tbl>
+          </a:graphicData>
+        </a:graphic>
+      </p:graphicFrame>
+      <p:sp>
+        <p:nvSpPr>
+          <p:cNvPr id="46" name="Rounded Rectangle 24">
+            <a:extLst>
+              <a:ext uri="{FF2B5EF4-FFF2-40B4-BE49-F238E27FC236}">
+                <a16:creationId xmlns:a16="http://schemas.microsoft.com/office/drawing/2014/main" id="{5410958B-05C5-4126-B86A-88D07603E881}"/>
+              </a:ext>
+            </a:extLst>
+          </p:cNvPr>
+          <p:cNvSpPr/>
+          <p:nvPr/>
+        </p:nvSpPr>
+        <p:spPr>
+          <a:xfrm>
+            <a:off x="23118546" y="12649917"/>
+            <a:ext cx="9444849" cy="6584379"/>
+          </a:xfrm>
+          <a:prstGeom prst="roundRect">
+            <a:avLst>
+              <a:gd name="adj" fmla="val 3786"/>
+            </a:avLst>
+          </a:prstGeom>
+          <a:noFill/>
+          <a:ln w="57150">
+            <a:solidFill>
+              <a:srgbClr val="C00000"/>
+            </a:solidFill>
+          </a:ln>
+        </p:spPr>
+        <p:style>
+          <a:lnRef idx="2">
+            <a:schemeClr val="accent1">
+              <a:shade val="50000"/>
+            </a:schemeClr>
+          </a:lnRef>
+          <a:fillRef idx="1">
+            <a:schemeClr val="accent1"/>
+          </a:fillRef>
+          <a:effectRef idx="0">
+            <a:schemeClr val="accent1"/>
+          </a:effectRef>
+          <a:fontRef idx="minor">
+            <a:schemeClr val="lt1"/>
+          </a:fontRef>
+        </p:style>
+        <p:txBody>
+          <a:bodyPr lIns="78373" tIns="39187" rIns="78373" bIns="39187" anchor="ctr"/>
+          <a:lstStyle/>
+          <a:p>
+            <a:pPr algn="ctr" defTabSz="3134677" eaLnBrk="1" hangingPunct="1">
+              <a:defRPr/>
+            </a:pPr>
+            <a:endParaRPr kumimoji="0" lang="zh-TW" altLang="en-US" sz="5166">
+              <a:solidFill>
+                <a:srgbClr val="FFFFFF"/>
+              </a:solidFill>
+              <a:latin typeface="Helvetica" pitchFamily="34" charset="0"/>
+            </a:endParaRPr>
+          </a:p>
+        </p:txBody>
+      </p:sp>
+      <p:sp>
+        <p:nvSpPr>
+          <p:cNvPr id="48" name="TextBox 113">
+            <a:extLst>
+              <a:ext uri="{FF2B5EF4-FFF2-40B4-BE49-F238E27FC236}">
+                <a16:creationId xmlns:a16="http://schemas.microsoft.com/office/drawing/2014/main" id="{D5EA85A8-438C-4A60-8F4E-04F5DAAFA7D0}"/>
+              </a:ext>
+            </a:extLst>
+          </p:cNvPr>
+          <p:cNvSpPr txBox="1">
+            <a:spLocks noChangeArrowheads="1"/>
+          </p:cNvSpPr>
+          <p:nvPr/>
+        </p:nvSpPr>
+        <p:spPr bwMode="auto">
+          <a:xfrm>
+            <a:off x="23341640" y="12801600"/>
+            <a:ext cx="8998660" cy="756248"/>
+          </a:xfrm>
+          <a:prstGeom prst="rect">
+            <a:avLst/>
+          </a:prstGeom>
+          <a:noFill/>
+          <a:ln>
+            <a:noFill/>
+          </a:ln>
+          <a:extLst>
+            <a:ext uri="{909E8E84-426E-40DD-AFC4-6F175D3DCCD1}">
+              <a14:hiddenFill xmlns:a14="http://schemas.microsoft.com/office/drawing/2010/main">
+                <a:solidFill>
+                  <a:srgbClr val="FFFFFF"/>
+                </a:solidFill>
+              </a14:hiddenFill>
+            </a:ext>
+            <a:ext uri="{91240B29-F687-4F45-9708-019B960494DF}">
+              <a14:hiddenLine xmlns:a14="http://schemas.microsoft.com/office/drawing/2010/main" w="9525">
+                <a:solidFill>
+                  <a:srgbClr val="000000"/>
+                </a:solidFill>
+                <a:miter lim="800000"/>
+                <a:headEnd/>
+                <a:tailEnd/>
+              </a14:hiddenLine>
+            </a:ext>
+          </a:extLst>
+        </p:spPr>
+        <p:txBody>
+          <a:bodyPr wrap="square" lIns="78373" tIns="39187" rIns="78373" bIns="39187">
+            <a:spAutoFit/>
+          </a:bodyPr>
+          <a:lstStyle>
+            <a:lvl1pPr eaLnBrk="0" hangingPunct="0">
+              <a:defRPr kumimoji="1" sz="6200">
+                <a:solidFill>
+                  <a:schemeClr val="tx1"/>
+                </a:solidFill>
+                <a:latin typeface="Arial" panose="020B0604020202020204" pitchFamily="34" charset="0"/>
+                <a:ea typeface="PMingLiU" panose="02020500000000000000" pitchFamily="18" charset="-120"/>
+              </a:defRPr>
+            </a:lvl1pPr>
+            <a:lvl2pPr marL="742950" indent="-285750" eaLnBrk="0" hangingPunct="0">
+              <a:defRPr kumimoji="1" sz="6200">
+                <a:solidFill>
+                  <a:schemeClr val="tx1"/>
+                </a:solidFill>
+                <a:latin typeface="Arial" panose="020B0604020202020204" pitchFamily="34" charset="0"/>
+                <a:ea typeface="PMingLiU" panose="02020500000000000000" pitchFamily="18" charset="-120"/>
+              </a:defRPr>
+            </a:lvl2pPr>
+            <a:lvl3pPr marL="1143000" indent="-228600" eaLnBrk="0" hangingPunct="0">
+              <a:defRPr kumimoji="1" sz="6200">
+                <a:solidFill>
+                  <a:schemeClr val="tx1"/>
+                </a:solidFill>
+                <a:latin typeface="Arial" panose="020B0604020202020204" pitchFamily="34" charset="0"/>
+                <a:ea typeface="PMingLiU" panose="02020500000000000000" pitchFamily="18" charset="-120"/>
+              </a:defRPr>
+            </a:lvl3pPr>
+            <a:lvl4pPr marL="1600200" indent="-228600" eaLnBrk="0" hangingPunct="0">
+              <a:defRPr kumimoji="1" sz="6200">
+                <a:solidFill>
+                  <a:schemeClr val="tx1"/>
+                </a:solidFill>
+                <a:latin typeface="Arial" panose="020B0604020202020204" pitchFamily="34" charset="0"/>
+                <a:ea typeface="PMingLiU" panose="02020500000000000000" pitchFamily="18" charset="-120"/>
+              </a:defRPr>
+            </a:lvl4pPr>
+            <a:lvl5pPr marL="2057400" indent="-228600" eaLnBrk="0" hangingPunct="0">
+              <a:defRPr kumimoji="1" sz="6200">
+                <a:solidFill>
+                  <a:schemeClr val="tx1"/>
+                </a:solidFill>
+                <a:latin typeface="Arial" panose="020B0604020202020204" pitchFamily="34" charset="0"/>
+                <a:ea typeface="PMingLiU" panose="02020500000000000000" pitchFamily="18" charset="-120"/>
+              </a:defRPr>
+            </a:lvl5pPr>
+            <a:lvl6pPr marL="2514600" indent="-228600" defTabSz="3133725" eaLnBrk="0" fontAlgn="base" hangingPunct="0">
+              <a:spcBef>
+                <a:spcPct val="0"/>
+              </a:spcBef>
+              <a:spcAft>
+                <a:spcPct val="0"/>
+              </a:spcAft>
+              <a:defRPr kumimoji="1" sz="6200">
+                <a:solidFill>
+                  <a:schemeClr val="tx1"/>
+                </a:solidFill>
+                <a:latin typeface="Arial" panose="020B0604020202020204" pitchFamily="34" charset="0"/>
+                <a:ea typeface="PMingLiU" panose="02020500000000000000" pitchFamily="18" charset="-120"/>
+              </a:defRPr>
+            </a:lvl6pPr>
+            <a:lvl7pPr marL="2971800" indent="-228600" defTabSz="3133725" eaLnBrk="0" fontAlgn="base" hangingPunct="0">
+              <a:spcBef>
+                <a:spcPct val="0"/>
+              </a:spcBef>
+              <a:spcAft>
+                <a:spcPct val="0"/>
+              </a:spcAft>
+              <a:defRPr kumimoji="1" sz="6200">
+                <a:solidFill>
+                  <a:schemeClr val="tx1"/>
+                </a:solidFill>
+                <a:latin typeface="Arial" panose="020B0604020202020204" pitchFamily="34" charset="0"/>
+                <a:ea typeface="PMingLiU" panose="02020500000000000000" pitchFamily="18" charset="-120"/>
+              </a:defRPr>
+            </a:lvl7pPr>
+            <a:lvl8pPr marL="3429000" indent="-228600" defTabSz="3133725" eaLnBrk="0" fontAlgn="base" hangingPunct="0">
+              <a:spcBef>
+                <a:spcPct val="0"/>
+              </a:spcBef>
+              <a:spcAft>
+                <a:spcPct val="0"/>
+              </a:spcAft>
+              <a:defRPr kumimoji="1" sz="6200">
+                <a:solidFill>
+                  <a:schemeClr val="tx1"/>
+                </a:solidFill>
+                <a:latin typeface="Arial" panose="020B0604020202020204" pitchFamily="34" charset="0"/>
+                <a:ea typeface="PMingLiU" panose="02020500000000000000" pitchFamily="18" charset="-120"/>
+              </a:defRPr>
+            </a:lvl8pPr>
+            <a:lvl9pPr marL="3886200" indent="-228600" defTabSz="3133725" eaLnBrk="0" fontAlgn="base" hangingPunct="0">
+              <a:spcBef>
+                <a:spcPct val="0"/>
+              </a:spcBef>
+              <a:spcAft>
+                <a:spcPct val="0"/>
+              </a:spcAft>
+              <a:defRPr kumimoji="1" sz="6200">
+                <a:solidFill>
+                  <a:schemeClr val="tx1"/>
+                </a:solidFill>
+                <a:latin typeface="Arial" panose="020B0604020202020204" pitchFamily="34" charset="0"/>
+                <a:ea typeface="PMingLiU" panose="02020500000000000000" pitchFamily="18" charset="-120"/>
+              </a:defRPr>
+            </a:lvl9pPr>
+          </a:lstStyle>
+          <a:p>
+            <a:pPr algn="ctr" defTabSz="3133475" eaLnBrk="1" hangingPunct="1">
+              <a:defRPr/>
+            </a:pPr>
+            <a:r>
+              <a:rPr kumimoji="0" lang="en-US" altLang="zh-TW" sz="4400" b="1" dirty="0">
+                <a:latin typeface="Helvetica" panose="020B0604020202020204" pitchFamily="34" charset="0"/>
+              </a:rPr>
+              <a:t>Discussion</a:t>
+            </a:r>
+            <a:endParaRPr kumimoji="0" lang="zh-TW" altLang="en-US" sz="4400" b="1" dirty="0">
+              <a:latin typeface="Helvetica" panose="020B0604020202020204" pitchFamily="34" charset="0"/>
+            </a:endParaRPr>
+          </a:p>
+        </p:txBody>
+      </p:sp>
     </p:spTree>
   </p:cSld>
   <p:clrMapOvr>

--- a/poster.pptx
+++ b/poster.pptx
@@ -6949,7 +6949,7 @@
           <p:nvPr>
             <p:extLst>
               <p:ext uri="{D42A27DB-BD31-4B8C-83A1-F6EECF244321}">
-                <p14:modId xmlns:p14="http://schemas.microsoft.com/office/powerpoint/2010/main" val="2917819577"/>
+                <p14:modId xmlns:p14="http://schemas.microsoft.com/office/powerpoint/2010/main" val="2335535352"/>
               </p:ext>
             </p:extLst>
           </p:nvPr>
@@ -7067,7 +7067,7 @@
                     <a:p>
                       <a:r>
                         <a:rPr lang="en-US" sz="2800" dirty="0"/>
-                        <a:t>156.3</a:t>
+                        <a:t>??</a:t>
                       </a:r>
                     </a:p>
                   </a:txBody>
@@ -7100,7 +7100,7 @@
                     <a:p>
                       <a:r>
                         <a:rPr lang="en-US" sz="2800" dirty="0"/>
-                        <a:t>0.75</a:t>
+                        <a:t>0.71</a:t>
                       </a:r>
                     </a:p>
                   </a:txBody>
@@ -7113,7 +7113,7 @@
                     <a:p>
                       <a:r>
                         <a:rPr lang="en-US" sz="2800" dirty="0"/>
-                        <a:t>768.0</a:t>
+                        <a:t>340.5</a:t>
                       </a:r>
                     </a:p>
                   </a:txBody>

--- a/poster.pptx
+++ b/poster.pptx
@@ -4379,7 +4379,7 @@
           <p:cNvPr id="4" name="Group 3">
             <a:extLst>
               <a:ext uri="{FF2B5EF4-FFF2-40B4-BE49-F238E27FC236}">
-                <a16:creationId xmlns:a16="http://schemas.microsoft.com/office/drawing/2014/main" id="{C234E05C-172B-40CF-8F3B-7C14F7150500}"/>
+                <a16:creationId xmlns:a16="http://schemas.microsoft.com/office/drawing/2014/main" xmlns="" id="{C234E05C-172B-40CF-8F3B-7C14F7150500}"/>
               </a:ext>
             </a:extLst>
           </p:cNvPr>
@@ -4399,7 +4399,7 @@
             <p:cNvPr id="36" name="TextBox 35">
               <a:extLst>
                 <a:ext uri="{FF2B5EF4-FFF2-40B4-BE49-F238E27FC236}">
-                  <a16:creationId xmlns:a16="http://schemas.microsoft.com/office/drawing/2014/main" id="{A1529AC7-8E1C-4CB5-B8DC-53E9D5C05110}"/>
+                  <a16:creationId xmlns:a16="http://schemas.microsoft.com/office/drawing/2014/main" xmlns="" id="{A1529AC7-8E1C-4CB5-B8DC-53E9D5C05110}"/>
                 </a:ext>
               </a:extLst>
             </p:cNvPr>
@@ -4537,10 +4537,10 @@
         <p:pic>
           <p:nvPicPr>
             <p:cNvPr id="1026" name="Picture 2" descr="https://lh4.googleusercontent.com/WdkdgXFacQoSzg_Q_WW_EiFhKwiD35ot2n_tdfRim_ct4viJq9_n99fD_W4J5lLHF0f0wF0TmmdwgXjtr0YKNN7aHMxH9QCmNgFVitNs4tJSEyRpOfeQV4YDpsiEpaub783Q12Gd">
-              <a:hlinkClick r:id="rId3"/>
+              <a:hlinkClick r:id=""/>
               <a:extLst>
                 <a:ext uri="{FF2B5EF4-FFF2-40B4-BE49-F238E27FC236}">
-                  <a16:creationId xmlns:a16="http://schemas.microsoft.com/office/drawing/2014/main" id="{484DA3AD-435B-4BE1-9E8D-C5AC66FA885B}"/>
+                  <a16:creationId xmlns:a16="http://schemas.microsoft.com/office/drawing/2014/main" xmlns="" id="{484DA3AD-435B-4BE1-9E8D-C5AC66FA885B}"/>
                 </a:ext>
               </a:extLst>
             </p:cNvPr>
@@ -4550,7 +4550,7 @@
             <p:nvPr/>
           </p:nvPicPr>
           <p:blipFill>
-            <a:blip r:embed="rId4" cstate="print">
+            <a:blip r:embed="rId3" cstate="print">
               <a:extLst>
                 <a:ext uri="{28A0092B-C50C-407E-A947-70E740481C1C}">
                   <a14:useLocalDpi xmlns:a14="http://schemas.microsoft.com/office/drawing/2010/main" val="0"/>
@@ -4585,10 +4585,10 @@
         <p:pic>
           <p:nvPicPr>
             <p:cNvPr id="1028" name="Picture 4" descr="https://lh6.googleusercontent.com/DRwBtRwHo8Pa2mZwaIusVWAya2HYA5BYHGrUKUGWZX-Z1pftuRDUjYsfnOtM9w3kz2IIBxJhC90_mI9n9i_QK2Gx_1G9A9qecKYQbmIFBg4qBXFw0UxwaiYtqu9tkWKAP7P-r86M">
-              <a:hlinkClick r:id="rId5"/>
+              <a:hlinkClick r:id="rId4"/>
               <a:extLst>
                 <a:ext uri="{FF2B5EF4-FFF2-40B4-BE49-F238E27FC236}">
-                  <a16:creationId xmlns:a16="http://schemas.microsoft.com/office/drawing/2014/main" id="{9E46EC36-E68A-4DF3-ACAE-673C7C7CC2ED}"/>
+                  <a16:creationId xmlns:a16="http://schemas.microsoft.com/office/drawing/2014/main" xmlns="" id="{9E46EC36-E68A-4DF3-ACAE-673C7C7CC2ED}"/>
                 </a:ext>
               </a:extLst>
             </p:cNvPr>
@@ -4598,7 +4598,7 @@
             <p:nvPr/>
           </p:nvPicPr>
           <p:blipFill>
-            <a:blip r:embed="rId6">
+            <a:blip r:embed="rId5">
               <a:extLst>
                 <a:ext uri="{28A0092B-C50C-407E-A947-70E740481C1C}">
                   <a14:useLocalDpi xmlns:a14="http://schemas.microsoft.com/office/drawing/2010/main" val="0"/>
@@ -4635,7 +4635,7 @@
             <p:cNvPr id="39" name="TextBox 38">
               <a:extLst>
                 <a:ext uri="{FF2B5EF4-FFF2-40B4-BE49-F238E27FC236}">
-                  <a16:creationId xmlns:a16="http://schemas.microsoft.com/office/drawing/2014/main" id="{A34C754B-4136-4C59-B0A0-0EEB6301249C}"/>
+                  <a16:creationId xmlns:a16="http://schemas.microsoft.com/office/drawing/2014/main" xmlns="" id="{A34C754B-4136-4C59-B0A0-0EEB6301249C}"/>
                 </a:ext>
               </a:extLst>
             </p:cNvPr>
@@ -5138,7 +5138,7 @@
           <p:nvPr/>
         </p:nvPicPr>
         <p:blipFill>
-          <a:blip r:embed="rId7">
+          <a:blip r:embed="rId6">
             <a:extLst>
               <a:ext uri="{28A0092B-C50C-407E-A947-70E740481C1C}">
                 <a14:useLocalDpi xmlns:a14="http://schemas.microsoft.com/office/drawing/2010/main" val="0"/>
@@ -5164,7 +5164,7 @@
           <p:cNvPr id="35" name="Rounded Rectangle 654">
             <a:extLst>
               <a:ext uri="{FF2B5EF4-FFF2-40B4-BE49-F238E27FC236}">
-                <a16:creationId xmlns:a16="http://schemas.microsoft.com/office/drawing/2014/main" id="{E749ACD6-E9F9-4429-AB23-DDA49C3E06EA}"/>
+                <a16:creationId xmlns:a16="http://schemas.microsoft.com/office/drawing/2014/main" xmlns="" id="{E749ACD6-E9F9-4429-AB23-DDA49C3E06EA}"/>
               </a:ext>
             </a:extLst>
           </p:cNvPr>
@@ -5225,7 +5225,7 @@
           <p:cNvPr id="114" name="Rounded Rectangle 24">
             <a:extLst>
               <a:ext uri="{FF2B5EF4-FFF2-40B4-BE49-F238E27FC236}">
-                <a16:creationId xmlns:a16="http://schemas.microsoft.com/office/drawing/2014/main" id="{8CCF5CB2-8AD1-4F04-8EAA-EF03AD901465}"/>
+                <a16:creationId xmlns:a16="http://schemas.microsoft.com/office/drawing/2014/main" xmlns="" id="{8CCF5CB2-8AD1-4F04-8EAA-EF03AD901465}"/>
               </a:ext>
             </a:extLst>
           </p:cNvPr>
@@ -5286,7 +5286,7 @@
           <p:cNvPr id="115" name="TextBox 113">
             <a:extLst>
               <a:ext uri="{FF2B5EF4-FFF2-40B4-BE49-F238E27FC236}">
-                <a16:creationId xmlns:a16="http://schemas.microsoft.com/office/drawing/2014/main" id="{F02AE63F-7CE3-48DD-8696-389C9282E694}"/>
+                <a16:creationId xmlns:a16="http://schemas.microsoft.com/office/drawing/2014/main" xmlns="" id="{F02AE63F-7CE3-48DD-8696-389C9282E694}"/>
               </a:ext>
             </a:extLst>
           </p:cNvPr>
@@ -5459,7 +5459,7 @@
           <p:cNvPr id="116" name="TextBox 113">
             <a:extLst>
               <a:ext uri="{FF2B5EF4-FFF2-40B4-BE49-F238E27FC236}">
-                <a16:creationId xmlns:a16="http://schemas.microsoft.com/office/drawing/2014/main" id="{31E3D9EC-D379-4B01-AFF3-4F2B190B3937}"/>
+                <a16:creationId xmlns:a16="http://schemas.microsoft.com/office/drawing/2014/main" xmlns="" id="{31E3D9EC-D379-4B01-AFF3-4F2B190B3937}"/>
               </a:ext>
             </a:extLst>
           </p:cNvPr>
@@ -5632,7 +5632,7 @@
           <p:cNvPr id="126" name="TextBox 113">
             <a:extLst>
               <a:ext uri="{FF2B5EF4-FFF2-40B4-BE49-F238E27FC236}">
-                <a16:creationId xmlns:a16="http://schemas.microsoft.com/office/drawing/2014/main" id="{10C3C321-8435-499D-83BD-CE46DFE8C3A3}"/>
+                <a16:creationId xmlns:a16="http://schemas.microsoft.com/office/drawing/2014/main" xmlns="" id="{10C3C321-8435-499D-83BD-CE46DFE8C3A3}"/>
               </a:ext>
             </a:extLst>
           </p:cNvPr>
@@ -5805,7 +5805,7 @@
           <p:cNvPr id="128" name="TextBox 113">
             <a:extLst>
               <a:ext uri="{FF2B5EF4-FFF2-40B4-BE49-F238E27FC236}">
-                <a16:creationId xmlns:a16="http://schemas.microsoft.com/office/drawing/2014/main" id="{35E67E23-ADED-4EB5-AD59-399A47CA488A}"/>
+                <a16:creationId xmlns:a16="http://schemas.microsoft.com/office/drawing/2014/main" xmlns="" id="{35E67E23-ADED-4EB5-AD59-399A47CA488A}"/>
               </a:ext>
             </a:extLst>
           </p:cNvPr>
@@ -5816,7 +5816,7 @@
         </p:nvSpPr>
         <p:spPr bwMode="auto">
           <a:xfrm>
-            <a:off x="697239" y="13760762"/>
+            <a:off x="697239" y="13831022"/>
             <a:ext cx="7246599" cy="756248"/>
           </a:xfrm>
           <a:prstGeom prst="rect">
@@ -5981,8 +5981,8 @@
         </p:nvSpPr>
         <p:spPr>
           <a:xfrm>
-            <a:off x="604133" y="14517010"/>
-            <a:ext cx="7294012" cy="4401205"/>
+            <a:off x="604131" y="14616456"/>
+            <a:ext cx="7294012" cy="4031873"/>
           </a:xfrm>
           <a:prstGeom prst="rect">
             <a:avLst/>
@@ -6005,33 +6005,248 @@
                 <a:ea typeface="Helvetica" charset="0"/>
                 <a:cs typeface="Helvetica" charset="0"/>
               </a:rPr>
-              <a:t>Randomly generated with 1-8 circular obstacles</a:t>
-            </a:r>
-          </a:p>
-          <a:p>
-            <a:pPr algn="just"/>
+              <a:t>Randomly generated with 1-8 circular </a:t>
+            </a:r>
+            <a:r>
+              <a:rPr lang="en-US" sz="2800" dirty="0" smtClean="0">
+                <a:latin typeface="Helvetica" charset="0"/>
+                <a:ea typeface="Helvetica" charset="0"/>
+                <a:cs typeface="Helvetica" charset="0"/>
+              </a:rPr>
+              <a:t>obstacles</a:t>
+            </a:r>
+          </a:p>
+          <a:p>
+            <a:pPr marL="342900" indent="-342900" algn="just">
+              <a:buFont typeface="Arial" panose="020B0604020202020204" pitchFamily="34" charset="0"/>
+              <a:buChar char="•"/>
+            </a:pPr>
+            <a:endParaRPr lang="en-US" sz="1600" dirty="0" smtClean="0">
+              <a:latin typeface="Helvetica" charset="0"/>
+              <a:ea typeface="Helvetica" charset="0"/>
+              <a:cs typeface="Helvetica" charset="0"/>
+            </a:endParaRPr>
+          </a:p>
+          <a:p>
+            <a:pPr marL="342900" indent="-342900" algn="just">
+              <a:buFont typeface="Arial" panose="020B0604020202020204" pitchFamily="34" charset="0"/>
+              <a:buChar char="•"/>
+            </a:pPr>
+            <a:r>
+              <a:rPr lang="en-US" sz="2800" dirty="0" smtClean="0">
+                <a:latin typeface="Helvetica" charset="0"/>
+                <a:ea typeface="Helvetica" charset="0"/>
+                <a:cs typeface="Helvetica" charset="0"/>
+              </a:rPr>
+              <a:t>Rejected </a:t>
+            </a:r>
             <a:r>
               <a:rPr lang="en-US" sz="2800" dirty="0">
                 <a:latin typeface="Helvetica" charset="0"/>
                 <a:ea typeface="Helvetica" charset="0"/>
                 <a:cs typeface="Helvetica" charset="0"/>
               </a:rPr>
-              <a:t>. </a:t>
-            </a:r>
+              <a:t>obstacles covering endpoints. </a:t>
+            </a:r>
+          </a:p>
+          <a:p>
+            <a:pPr algn="just"/>
+            <a:endParaRPr lang="en-US" sz="1600" dirty="0" smtClean="0">
+              <a:latin typeface="Helvetica" charset="0"/>
+              <a:ea typeface="Helvetica" charset="0"/>
+              <a:cs typeface="Helvetica" charset="0"/>
+            </a:endParaRPr>
           </a:p>
           <a:p>
             <a:pPr marL="342900" indent="-342900" algn="just">
               <a:buFont typeface="Arial" panose="020B0604020202020204" pitchFamily="34" charset="0"/>
               <a:buChar char="•"/>
             </a:pPr>
+            <a:r>
+              <a:rPr lang="en-US" sz="2800" dirty="0" smtClean="0">
+                <a:latin typeface="Helvetica" charset="0"/>
+                <a:ea typeface="Helvetica" charset="0"/>
+                <a:cs typeface="Helvetica" charset="0"/>
+              </a:rPr>
+              <a:t>The </a:t>
+            </a:r>
             <a:r>
               <a:rPr lang="en-US" sz="2800" dirty="0">
                 <a:latin typeface="Helvetica" charset="0"/>
                 <a:ea typeface="Helvetica" charset="0"/>
                 <a:cs typeface="Helvetica" charset="0"/>
               </a:rPr>
-              <a:t>Rejected obstacles covering endpoints. </a:t>
-            </a:r>
+              <a:t>goal was to plan a path within the boundary and outside of the obstacles, where a path was a sequence of points with adjacent points no more than 1 unit apart.</a:t>
+            </a:r>
+          </a:p>
+        </p:txBody>
+      </p:sp>
+      <p:sp>
+        <p:nvSpPr>
+          <p:cNvPr id="17" name="TextBox 16"/>
+          <p:cNvSpPr txBox="1"/>
+          <p:nvPr/>
+        </p:nvSpPr>
+        <p:spPr>
+          <a:xfrm>
+            <a:off x="9296400" y="4877986"/>
+            <a:ext cx="12877800" cy="7632859"/>
+          </a:xfrm>
+          <a:prstGeom prst="rect">
+            <a:avLst/>
+          </a:prstGeom>
+          <a:noFill/>
+        </p:spPr>
+        <p:txBody>
+          <a:bodyPr wrap="square" rtlCol="0">
+            <a:spAutoFit/>
+          </a:bodyPr>
+          <a:lstStyle/>
+          <a:p>
+            <a:pPr algn="just">
+              <a:lnSpc>
+                <a:spcPct val="150000"/>
+              </a:lnSpc>
+            </a:pPr>
+            <a:r>
+              <a:rPr lang="en-US" sz="2800" b="1" dirty="0">
+                <a:latin typeface="Helvetica" charset="0"/>
+                <a:ea typeface="Helvetica" charset="0"/>
+                <a:cs typeface="Helvetica" charset="0"/>
+              </a:rPr>
+              <a:t>Graph Approximation and Optimization</a:t>
+            </a:r>
+            <a:r>
+              <a:rPr lang="en-US" sz="2800" b="1" baseline="30000" dirty="0">
+                <a:latin typeface="Helvetica" charset="0"/>
+                <a:ea typeface="Helvetica" charset="0"/>
+                <a:cs typeface="Helvetica" charset="0"/>
+              </a:rPr>
+              <a:t>1</a:t>
+            </a:r>
+            <a:endParaRPr lang="en-US" sz="2800" b="1" dirty="0">
+              <a:latin typeface="Helvetica" charset="0"/>
+              <a:ea typeface="Helvetica" charset="0"/>
+              <a:cs typeface="Helvetica" charset="0"/>
+            </a:endParaRPr>
+          </a:p>
+          <a:p>
+            <a:pPr marL="514350" indent="-514350" algn="just">
+              <a:buFont typeface="Arial" panose="020B0604020202020204" pitchFamily="34" charset="0"/>
+              <a:buChar char="•"/>
+            </a:pPr>
+            <a:r>
+              <a:rPr lang="en-US" sz="2800" dirty="0">
+                <a:latin typeface="Helvetica" charset="0"/>
+                <a:ea typeface="Helvetica" charset="0"/>
+                <a:cs typeface="Helvetica" charset="0"/>
+              </a:rPr>
+              <a:t>Approximates the best path by finding the shortest path in a space-filling </a:t>
+            </a:r>
+            <a:r>
+              <a:rPr lang="en-US" sz="2800" dirty="0" smtClean="0">
+                <a:latin typeface="Helvetica" charset="0"/>
+                <a:ea typeface="Helvetica" charset="0"/>
+                <a:cs typeface="Helvetica" charset="0"/>
+              </a:rPr>
+              <a:t>graph</a:t>
+            </a:r>
+          </a:p>
+          <a:p>
+            <a:pPr marL="514350" indent="-514350" algn="just">
+              <a:buFont typeface="Arial" panose="020B0604020202020204" pitchFamily="34" charset="0"/>
+              <a:buChar char="•"/>
+            </a:pPr>
+            <a:endParaRPr lang="en-US" sz="2800" dirty="0">
+              <a:latin typeface="Helvetica" charset="0"/>
+              <a:ea typeface="Helvetica" charset="0"/>
+              <a:cs typeface="Helvetica" charset="0"/>
+            </a:endParaRPr>
+          </a:p>
+          <a:p>
+            <a:pPr marL="514350" indent="-514350" algn="just">
+              <a:buFont typeface="Arial" panose="020B0604020202020204" pitchFamily="34" charset="0"/>
+              <a:buChar char="•"/>
+            </a:pPr>
+            <a:endParaRPr lang="en-US" sz="2800" dirty="0" smtClean="0">
+              <a:latin typeface="Helvetica" charset="0"/>
+              <a:ea typeface="Helvetica" charset="0"/>
+              <a:cs typeface="Helvetica" charset="0"/>
+            </a:endParaRPr>
+          </a:p>
+          <a:p>
+            <a:pPr marL="514350" indent="-514350" algn="just">
+              <a:buFont typeface="Arial" panose="020B0604020202020204" pitchFamily="34" charset="0"/>
+              <a:buChar char="•"/>
+            </a:pPr>
+            <a:endParaRPr lang="en-US" sz="2800" dirty="0">
+              <a:latin typeface="Helvetica" charset="0"/>
+              <a:ea typeface="Helvetica" charset="0"/>
+              <a:cs typeface="Helvetica" charset="0"/>
+            </a:endParaRPr>
+          </a:p>
+          <a:p>
+            <a:pPr marL="514350" indent="-514350" algn="just">
+              <a:buFont typeface="Arial" panose="020B0604020202020204" pitchFamily="34" charset="0"/>
+              <a:buChar char="•"/>
+            </a:pPr>
+            <a:endParaRPr lang="en-US" sz="2800" dirty="0" smtClean="0">
+              <a:latin typeface="Helvetica" charset="0"/>
+              <a:ea typeface="Helvetica" charset="0"/>
+              <a:cs typeface="Helvetica" charset="0"/>
+            </a:endParaRPr>
+          </a:p>
+          <a:p>
+            <a:pPr marL="514350" indent="-514350" algn="just">
+              <a:buFont typeface="Arial" panose="020B0604020202020204" pitchFamily="34" charset="0"/>
+              <a:buChar char="•"/>
+            </a:pPr>
+            <a:endParaRPr lang="en-US" sz="2800" dirty="0">
+              <a:latin typeface="Helvetica" charset="0"/>
+              <a:ea typeface="Helvetica" charset="0"/>
+              <a:cs typeface="Helvetica" charset="0"/>
+            </a:endParaRPr>
+          </a:p>
+          <a:p>
+            <a:pPr marL="514350" indent="-514350" algn="just">
+              <a:buFont typeface="Arial" panose="020B0604020202020204" pitchFamily="34" charset="0"/>
+              <a:buChar char="•"/>
+            </a:pPr>
+            <a:endParaRPr lang="en-US" sz="2800" dirty="0">
+              <a:latin typeface="Helvetica" charset="0"/>
+              <a:ea typeface="Helvetica" charset="0"/>
+              <a:cs typeface="Helvetica" charset="0"/>
+            </a:endParaRPr>
+          </a:p>
+          <a:p>
+            <a:pPr marL="514350" indent="-514350" algn="just">
+              <a:lnSpc>
+                <a:spcPct val="150000"/>
+              </a:lnSpc>
+              <a:buFont typeface="Arial" panose="020B0604020202020204" pitchFamily="34" charset="0"/>
+              <a:buChar char="•"/>
+            </a:pPr>
+            <a:r>
+              <a:rPr lang="en-US" sz="2800" dirty="0">
+                <a:latin typeface="Helvetica" charset="0"/>
+                <a:ea typeface="Helvetica" charset="0"/>
+                <a:cs typeface="Helvetica" charset="0"/>
+              </a:rPr>
+              <a:t>Uses optimization (gradient descent) to stretch and </a:t>
+            </a:r>
+            <a:r>
+              <a:rPr lang="en-US" sz="2800" dirty="0" smtClean="0">
+                <a:latin typeface="Helvetica" charset="0"/>
+                <a:ea typeface="Helvetica" charset="0"/>
+                <a:cs typeface="Helvetica" charset="0"/>
+              </a:rPr>
+              <a:t>smooth, minimizing</a:t>
+            </a:r>
+            <a:endParaRPr lang="en-US" sz="2800" dirty="0">
+              <a:latin typeface="Helvetica" charset="0"/>
+              <a:ea typeface="Helvetica" charset="0"/>
+              <a:cs typeface="Helvetica" charset="0"/>
+            </a:endParaRPr>
           </a:p>
           <a:p>
             <a:pPr algn="just"/>
@@ -6042,42 +6257,62 @@
             </a:endParaRPr>
           </a:p>
           <a:p>
-            <a:pPr marL="342900" indent="-342900" algn="just">
+            <a:pPr marL="457200" indent="-457200" algn="just">
               <a:buFont typeface="Arial" panose="020B0604020202020204" pitchFamily="34" charset="0"/>
               <a:buChar char="•"/>
             </a:pPr>
+            <a:endParaRPr lang="en-US" sz="2800" dirty="0" smtClean="0">
+              <a:latin typeface="Helvetica" charset="0"/>
+              <a:ea typeface="Helvetica" charset="0"/>
+              <a:cs typeface="Helvetica" charset="0"/>
+            </a:endParaRPr>
+          </a:p>
+          <a:p>
+            <a:pPr marL="457200" indent="-457200" algn="just">
+              <a:lnSpc>
+                <a:spcPct val="150000"/>
+              </a:lnSpc>
+              <a:buFont typeface="Arial" panose="020B0604020202020204" pitchFamily="34" charset="0"/>
+              <a:buChar char="•"/>
+            </a:pPr>
+            <a:r>
+              <a:rPr lang="en-US" sz="2800" dirty="0" smtClean="0">
+                <a:latin typeface="Helvetica" charset="0"/>
+                <a:ea typeface="Helvetica" charset="0"/>
+                <a:cs typeface="Helvetica" charset="0"/>
+              </a:rPr>
+              <a:t>Sigmoid </a:t>
+            </a:r>
             <a:r>
               <a:rPr lang="en-US" sz="2800" dirty="0">
                 <a:latin typeface="Helvetica" charset="0"/>
                 <a:ea typeface="Helvetica" charset="0"/>
                 <a:cs typeface="Helvetica" charset="0"/>
               </a:rPr>
-              <a:t>The goal was to plan a path within the boundary and outside of the obstacles, where a path was a sequence of points with adjacent points no more than 1 unit apart.</a:t>
-            </a:r>
-          </a:p>
-        </p:txBody>
-      </p:sp>
-      <p:sp>
-        <p:nvSpPr>
-          <p:cNvPr id="17" name="TextBox 16"/>
-          <p:cNvSpPr txBox="1"/>
-          <p:nvPr/>
-        </p:nvSpPr>
-        <p:spPr>
-          <a:xfrm>
-            <a:off x="9296400" y="4877986"/>
-            <a:ext cx="12877800" cy="3323987"/>
-          </a:xfrm>
-          <a:prstGeom prst="rect">
-            <a:avLst/>
-          </a:prstGeom>
-          <a:noFill/>
-        </p:spPr>
-        <p:txBody>
-          <a:bodyPr wrap="square" rtlCol="0">
-            <a:spAutoFit/>
-          </a:bodyPr>
-          <a:lstStyle/>
+              <a:t>represents obstacle </a:t>
+            </a:r>
+            <a:r>
+              <a:rPr lang="en-US" sz="2800" dirty="0" smtClean="0">
+                <a:latin typeface="Helvetica" charset="0"/>
+                <a:ea typeface="Helvetica" charset="0"/>
+                <a:cs typeface="Helvetica" charset="0"/>
+              </a:rPr>
+              <a:t>penalty</a:t>
+            </a:r>
+            <a:r>
+              <a:rPr lang="en-US" sz="2800" dirty="0" smtClean="0">
+                <a:latin typeface="Helvetica" charset="0"/>
+                <a:ea typeface="Helvetica" charset="0"/>
+                <a:cs typeface="Helvetica" charset="0"/>
+              </a:rPr>
+              <a:t>. As</a:t>
+            </a:r>
+            <a:endParaRPr lang="en-US" sz="2800" dirty="0" smtClean="0">
+              <a:latin typeface="Helvetica" charset="0"/>
+              <a:ea typeface="Helvetica" charset="0"/>
+              <a:cs typeface="Helvetica" charset="0"/>
+            </a:endParaRPr>
+          </a:p>
           <a:p>
             <a:pPr algn="just">
               <a:lnSpc>
@@ -6085,84 +6320,41 @@
               </a:lnSpc>
             </a:pPr>
             <a:r>
-              <a:rPr lang="en-US" sz="2800" b="1" dirty="0">
-                <a:latin typeface="Helvetica" charset="0"/>
-                <a:ea typeface="Helvetica" charset="0"/>
-                <a:cs typeface="Helvetica" charset="0"/>
-              </a:rPr>
-              <a:t>Graph Approximation and Optimization</a:t>
-            </a:r>
-            <a:r>
-              <a:rPr lang="en-US" sz="2800" b="1" baseline="30000" dirty="0">
-                <a:latin typeface="Helvetica" charset="0"/>
-                <a:ea typeface="Helvetica" charset="0"/>
-                <a:cs typeface="Helvetica" charset="0"/>
-              </a:rPr>
-              <a:t>1</a:t>
-            </a:r>
-            <a:endParaRPr lang="en-US" sz="2800" b="1" dirty="0">
-              <a:latin typeface="Helvetica" charset="0"/>
-              <a:ea typeface="Helvetica" charset="0"/>
-              <a:cs typeface="Helvetica" charset="0"/>
-            </a:endParaRPr>
-          </a:p>
-          <a:p>
-            <a:pPr marL="514350" indent="-514350" algn="just">
-              <a:buFont typeface="Arial" panose="020B0604020202020204" pitchFamily="34" charset="0"/>
-              <a:buChar char="•"/>
-            </a:pPr>
-            <a:r>
               <a:rPr lang="en-US" sz="2800" dirty="0">
                 <a:latin typeface="Helvetica" charset="0"/>
                 <a:ea typeface="Helvetica" charset="0"/>
                 <a:cs typeface="Helvetica" charset="0"/>
               </a:rPr>
-              <a:t>Approximates the best path by finding the shortest path in a space-filling graph</a:t>
-            </a:r>
-          </a:p>
-          <a:p>
-            <a:pPr marL="514350" indent="-514350" algn="just">
-              <a:buFont typeface="Arial" panose="020B0604020202020204" pitchFamily="34" charset="0"/>
-              <a:buChar char="•"/>
-            </a:pPr>
-            <a:r>
-              <a:rPr lang="en-US" sz="2800" dirty="0">
+              <a:t> </a:t>
+            </a:r>
+            <a:r>
+              <a:rPr lang="en-US" sz="2800" dirty="0" smtClean="0">
                 <a:latin typeface="Helvetica" charset="0"/>
                 <a:ea typeface="Helvetica" charset="0"/>
                 <a:cs typeface="Helvetica" charset="0"/>
               </a:rPr>
-              <a:t>Uses optimization (gradient descent) to stretch and smooth</a:t>
-            </a:r>
-          </a:p>
-          <a:p>
-            <a:pPr algn="just"/>
+              <a:t>    gradient descent converges, we send </a:t>
+            </a:r>
+          </a:p>
+          <a:p>
+            <a:pPr algn="just">
+              <a:lnSpc>
+                <a:spcPct val="150000"/>
+              </a:lnSpc>
+            </a:pPr>
+            <a:r>
+              <a:rPr lang="en-US" sz="2800" dirty="0" smtClean="0">
+                <a:latin typeface="Helvetica" charset="0"/>
+                <a:ea typeface="Helvetica" charset="0"/>
+                <a:cs typeface="Helvetica" charset="0"/>
+              </a:rPr>
+              <a:t>                       hardening the boundary.</a:t>
+            </a:r>
             <a:endParaRPr lang="en-US" sz="2800" dirty="0">
               <a:latin typeface="Helvetica" charset="0"/>
               <a:ea typeface="Helvetica" charset="0"/>
               <a:cs typeface="Helvetica" charset="0"/>
             </a:endParaRPr>
-          </a:p>
-          <a:p>
-            <a:pPr algn="just"/>
-            <a:endParaRPr lang="en-US" sz="2800" dirty="0">
-              <a:latin typeface="Helvetica" charset="0"/>
-              <a:ea typeface="Helvetica" charset="0"/>
-              <a:cs typeface="Helvetica" charset="0"/>
-            </a:endParaRPr>
-          </a:p>
-          <a:p>
-            <a:pPr marL="457200" indent="-457200" algn="just">
-              <a:buFont typeface="Arial" panose="020B0604020202020204" pitchFamily="34" charset="0"/>
-              <a:buChar char="•"/>
-            </a:pPr>
-            <a:r>
-              <a:rPr lang="en-US" sz="2800" dirty="0">
-                <a:latin typeface="Helvetica" charset="0"/>
-                <a:ea typeface="Helvetica" charset="0"/>
-                <a:cs typeface="Helvetica" charset="0"/>
-              </a:rPr>
-              <a:t>Sigmoid represents obstacle penalty, last term represents smoothness</a:t>
-            </a:r>
           </a:p>
         </p:txBody>
       </p:sp>
@@ -6175,7 +6367,7 @@
           <p:nvPr/>
         </p:nvPicPr>
         <p:blipFill>
-          <a:blip r:embed="rId8" cstate="print">
+          <a:blip r:embed="rId7" cstate="print">
             <a:extLst>
               <a:ext uri="{28A0092B-C50C-407E-A947-70E740481C1C}">
                 <a14:useLocalDpi xmlns:a14="http://schemas.microsoft.com/office/drawing/2010/main" val="0"/>
@@ -6188,7 +6380,7 @@
         </p:blipFill>
         <p:spPr>
           <a:xfrm>
-            <a:off x="9592240" y="6798194"/>
+            <a:off x="9763556" y="9569259"/>
             <a:ext cx="12105584" cy="904500"/>
           </a:xfrm>
           <a:prstGeom prst="rect">
@@ -6254,6 +6446,35 @@
       <p:pic>
         <p:nvPicPr>
           <p:cNvPr id="10" name="Picture 9"/>
+          <p:cNvPicPr>
+            <a:picLocks noChangeAspect="1"/>
+          </p:cNvPicPr>
+          <p:nvPr/>
+        </p:nvPicPr>
+        <p:blipFill rotWithShape="1">
+          <a:blip r:embed="rId8" cstate="print">
+            <a:extLst>
+              <a:ext uri="{28A0092B-C50C-407E-A947-70E740481C1C}">
+                <a14:useLocalDpi xmlns:a14="http://schemas.microsoft.com/office/drawing/2010/main" val="0"/>
+              </a:ext>
+            </a:extLst>
+          </a:blip>
+          <a:srcRect l="12335" t="11546" r="9584" b="10691"/>
+          <a:stretch/>
+        </p:blipFill>
+        <p:spPr>
+          <a:xfrm>
+            <a:off x="1905000" y="20185707"/>
+            <a:ext cx="4758110" cy="4738651"/>
+          </a:xfrm>
+          <a:prstGeom prst="rect">
+            <a:avLst/>
+          </a:prstGeom>
+        </p:spPr>
+      </p:pic>
+      <p:pic>
+        <p:nvPicPr>
+          <p:cNvPr id="15" name="Picture 14"/>
           <p:cNvPicPr>
             <a:picLocks noChangeAspect="1"/>
           </p:cNvPicPr>
@@ -6267,276 +6488,48 @@
               </a:ext>
             </a:extLst>
           </a:blip>
-          <a:srcRect l="12335" t="11546" r="9584" b="10691"/>
+          <a:srcRect l="39772" t="11014" r="37052" b="10856"/>
           <a:stretch/>
         </p:blipFill>
         <p:spPr>
           <a:xfrm>
-            <a:off x="2057400" y="20421600"/>
-            <a:ext cx="4400036" cy="4382041"/>
+            <a:off x="15022890" y="6223918"/>
+            <a:ext cx="2566719" cy="2738182"/>
           </a:xfrm>
           <a:prstGeom prst="rect">
             <a:avLst/>
           </a:prstGeom>
         </p:spPr>
       </p:pic>
-      <p:grpSp>
-        <p:nvGrpSpPr>
-          <p:cNvPr id="24" name="Group 23">
+      <p:pic>
+        <p:nvPicPr>
+          <p:cNvPr id="37" name="Picture 36"/>
+          <p:cNvPicPr>
+            <a:picLocks noChangeAspect="1"/>
+          </p:cNvPicPr>
+          <p:nvPr/>
+        </p:nvPicPr>
+        <p:blipFill rotWithShape="1">
+          <a:blip r:embed="rId9">
             <a:extLst>
-              <a:ext uri="{FF2B5EF4-FFF2-40B4-BE49-F238E27FC236}">
-                <a16:creationId xmlns:a16="http://schemas.microsoft.com/office/drawing/2014/main" id="{5E6EB038-7F91-438B-9974-BCFE5489B980}"/>
+              <a:ext uri="{28A0092B-C50C-407E-A947-70E740481C1C}">
+                <a14:useLocalDpi xmlns:a14="http://schemas.microsoft.com/office/drawing/2010/main" val="0"/>
               </a:ext>
             </a:extLst>
-          </p:cNvPr>
-          <p:cNvGrpSpPr/>
-          <p:nvPr/>
-        </p:nvGrpSpPr>
-        <p:grpSpPr>
+          </a:blip>
+          <a:srcRect l="13194" t="14583" r="65278" b="14584"/>
+          <a:stretch/>
+        </p:blipFill>
+        <p:spPr>
           <a:xfrm>
-            <a:off x="10081034" y="8484185"/>
-            <a:ext cx="2593591" cy="5618026"/>
-            <a:chOff x="9735547" y="8384230"/>
-            <a:chExt cx="2593591" cy="5618026"/>
+            <a:off x="11048894" y="6074576"/>
+            <a:ext cx="2907195" cy="3008488"/>
           </a:xfrm>
-        </p:grpSpPr>
-        <p:pic>
-          <p:nvPicPr>
-            <p:cNvPr id="15" name="Picture 14"/>
-            <p:cNvPicPr>
-              <a:picLocks noChangeAspect="1"/>
-            </p:cNvPicPr>
-            <p:nvPr/>
-          </p:nvPicPr>
-          <p:blipFill rotWithShape="1">
-            <a:blip r:embed="rId10" cstate="print">
-              <a:extLst>
-                <a:ext uri="{28A0092B-C50C-407E-A947-70E740481C1C}">
-                  <a14:useLocalDpi xmlns:a14="http://schemas.microsoft.com/office/drawing/2010/main" val="0"/>
-                </a:ext>
-              </a:extLst>
-            </a:blip>
-            <a:srcRect l="39430" t="11014" r="37052" b="9779"/>
-            <a:stretch/>
-          </p:blipFill>
-          <p:spPr>
-            <a:xfrm>
-              <a:off x="9861817" y="11374176"/>
-              <a:ext cx="2341049" cy="2628080"/>
-            </a:xfrm>
-            <a:prstGeom prst="rect">
-              <a:avLst/>
-            </a:prstGeom>
-          </p:spPr>
-        </p:pic>
-        <p:pic>
-          <p:nvPicPr>
-            <p:cNvPr id="37" name="Picture 36"/>
-            <p:cNvPicPr>
-              <a:picLocks noChangeAspect="1"/>
-            </p:cNvPicPr>
-            <p:nvPr/>
-          </p:nvPicPr>
-          <p:blipFill rotWithShape="1">
-            <a:blip r:embed="rId10">
-              <a:extLst>
-                <a:ext uri="{28A0092B-C50C-407E-A947-70E740481C1C}">
-                  <a14:useLocalDpi xmlns:a14="http://schemas.microsoft.com/office/drawing/2010/main" val="0"/>
-                </a:ext>
-              </a:extLst>
-            </a:blip>
-            <a:srcRect l="13194" t="14583" r="65278" b="14584"/>
-            <a:stretch/>
-          </p:blipFill>
-          <p:spPr>
-            <a:xfrm>
-              <a:off x="9735547" y="8384230"/>
-              <a:ext cx="2593591" cy="2844584"/>
-            </a:xfrm>
-            <a:prstGeom prst="rect">
-              <a:avLst/>
-            </a:prstGeom>
-          </p:spPr>
-        </p:pic>
-      </p:grpSp>
-      <p:grpSp>
-        <p:nvGrpSpPr>
-          <p:cNvPr id="26" name="Group 25">
-            <a:extLst>
-              <a:ext uri="{FF2B5EF4-FFF2-40B4-BE49-F238E27FC236}">
-                <a16:creationId xmlns:a16="http://schemas.microsoft.com/office/drawing/2014/main" id="{B1E2E88E-9954-4D6B-AAE5-0857D89B44F7}"/>
-              </a:ext>
-            </a:extLst>
-          </p:cNvPr>
-          <p:cNvGrpSpPr/>
-          <p:nvPr/>
-        </p:nvGrpSpPr>
-        <p:grpSpPr>
-          <a:xfrm>
-            <a:off x="13546316" y="11339887"/>
-            <a:ext cx="2807645" cy="603863"/>
-            <a:chOff x="13518134" y="10451995"/>
-            <a:chExt cx="2807645" cy="603863"/>
-          </a:xfrm>
-        </p:grpSpPr>
-        <p:cxnSp>
-          <p:nvCxnSpPr>
-            <p:cNvPr id="29" name="Straight Arrow Connector 28"/>
-            <p:cNvCxnSpPr>
-              <a:cxnSpLocks/>
-            </p:cNvCxnSpPr>
-            <p:nvPr/>
-          </p:nvCxnSpPr>
-          <p:spPr>
-            <a:xfrm flipH="1">
-              <a:off x="13766450" y="11055858"/>
-              <a:ext cx="1931689" cy="0"/>
-            </a:xfrm>
-            <a:prstGeom prst="straightConnector1">
-              <a:avLst/>
-            </a:prstGeom>
-            <a:ln w="76200">
-              <a:tailEnd type="triangle"/>
-            </a:ln>
-          </p:spPr>
-          <p:style>
-            <a:lnRef idx="1">
-              <a:schemeClr val="accent1"/>
-            </a:lnRef>
-            <a:fillRef idx="0">
-              <a:schemeClr val="accent1"/>
-            </a:fillRef>
-            <a:effectRef idx="0">
-              <a:schemeClr val="accent1"/>
-            </a:effectRef>
-            <a:fontRef idx="minor">
-              <a:schemeClr val="tx1"/>
-            </a:fontRef>
-          </p:style>
-        </p:cxnSp>
-        <p:sp>
-          <p:nvSpPr>
-            <p:cNvPr id="44" name="Rectangle 43"/>
-            <p:cNvSpPr/>
-            <p:nvPr/>
-          </p:nvSpPr>
-          <p:spPr>
-            <a:xfrm>
-              <a:off x="13518134" y="10451995"/>
-              <a:ext cx="2807645" cy="523220"/>
-            </a:xfrm>
-            <a:prstGeom prst="rect">
-              <a:avLst/>
-            </a:prstGeom>
-          </p:spPr>
-          <p:txBody>
-            <a:bodyPr wrap="square">
-              <a:spAutoFit/>
-            </a:bodyPr>
-            <a:lstStyle/>
-            <a:p>
-              <a:pPr algn="just"/>
-              <a:r>
-                <a:rPr lang="en-US" sz="2800" dirty="0">
-                  <a:latin typeface="Helvetica" charset="0"/>
-                  <a:ea typeface="Helvetica" charset="0"/>
-                  <a:cs typeface="Helvetica" charset="0"/>
-                </a:rPr>
-                <a:t>Graph Approx. </a:t>
-              </a:r>
-            </a:p>
-          </p:txBody>
-        </p:sp>
-      </p:grpSp>
-      <p:grpSp>
-        <p:nvGrpSpPr>
-          <p:cNvPr id="27" name="Group 26">
-            <a:extLst>
-              <a:ext uri="{FF2B5EF4-FFF2-40B4-BE49-F238E27FC236}">
-                <a16:creationId xmlns:a16="http://schemas.microsoft.com/office/drawing/2014/main" id="{C72AA17F-7750-48D9-9566-84841C3C120D}"/>
-              </a:ext>
-            </a:extLst>
-          </p:cNvPr>
-          <p:cNvGrpSpPr/>
-          <p:nvPr/>
-        </p:nvGrpSpPr>
-        <p:grpSpPr>
-          <a:xfrm>
-            <a:off x="13288344" y="10134931"/>
-            <a:ext cx="3508912" cy="603862"/>
-            <a:chOff x="13301685" y="8797000"/>
-            <a:chExt cx="3508912" cy="603862"/>
-          </a:xfrm>
-        </p:grpSpPr>
-        <p:sp>
-          <p:nvSpPr>
-            <p:cNvPr id="18" name="Rectangle 17"/>
-            <p:cNvSpPr/>
-            <p:nvPr/>
-          </p:nvSpPr>
-          <p:spPr>
-            <a:xfrm>
-              <a:off x="13301685" y="8797000"/>
-              <a:ext cx="3508912" cy="523220"/>
-            </a:xfrm>
-            <a:prstGeom prst="rect">
-              <a:avLst/>
-            </a:prstGeom>
-          </p:spPr>
-          <p:txBody>
-            <a:bodyPr wrap="square">
-              <a:spAutoFit/>
-            </a:bodyPr>
-            <a:lstStyle/>
-            <a:p>
-              <a:pPr algn="just"/>
-              <a:r>
-                <a:rPr lang="en-US" sz="2800" dirty="0">
-                  <a:latin typeface="Helvetica" charset="0"/>
-                  <a:ea typeface="Helvetica" charset="0"/>
-                  <a:cs typeface="Helvetica" charset="0"/>
-                </a:rPr>
-                <a:t>Boundary function.</a:t>
-              </a:r>
-            </a:p>
-          </p:txBody>
-        </p:sp>
-        <p:cxnSp>
-          <p:nvCxnSpPr>
-            <p:cNvPr id="45" name="Straight Arrow Connector 44"/>
-            <p:cNvCxnSpPr>
-              <a:cxnSpLocks/>
-            </p:cNvCxnSpPr>
-            <p:nvPr/>
-          </p:nvCxnSpPr>
-          <p:spPr>
-            <a:xfrm>
-              <a:off x="13766451" y="9400862"/>
-              <a:ext cx="1931689" cy="0"/>
-            </a:xfrm>
-            <a:prstGeom prst="straightConnector1">
-              <a:avLst/>
-            </a:prstGeom>
-            <a:ln w="76200">
-              <a:tailEnd type="triangle"/>
-            </a:ln>
-          </p:spPr>
-          <p:style>
-            <a:lnRef idx="1">
-              <a:schemeClr val="accent1"/>
-            </a:lnRef>
-            <a:fillRef idx="0">
-              <a:schemeClr val="accent1"/>
-            </a:fillRef>
-            <a:effectRef idx="0">
-              <a:schemeClr val="accent1"/>
-            </a:effectRef>
-            <a:fontRef idx="minor">
-              <a:schemeClr val="tx1"/>
-            </a:fontRef>
-          </p:style>
-        </p:cxnSp>
-      </p:grpSp>
+          <a:prstGeom prst="rect">
+            <a:avLst/>
+          </a:prstGeom>
+        </p:spPr>
+      </p:pic>
       <p:pic>
         <p:nvPicPr>
           <p:cNvPr id="38" name="Picture 37"/>
@@ -6546,7 +6539,7 @@
           <p:nvPr/>
         </p:nvPicPr>
         <p:blipFill>
-          <a:blip r:embed="rId11" cstate="print">
+          <a:blip r:embed="rId10" cstate="print">
             <a:extLst>
               <a:ext uri="{28A0092B-C50C-407E-A947-70E740481C1C}">
                 <a14:useLocalDpi xmlns:a14="http://schemas.microsoft.com/office/drawing/2010/main" val="0"/>
@@ -6559,7 +6552,7 @@
         </p:blipFill>
         <p:spPr>
           <a:xfrm>
-            <a:off x="3012541" y="18865846"/>
+            <a:off x="2914904" y="18482447"/>
             <a:ext cx="2672467" cy="1469203"/>
           </a:xfrm>
           <a:prstGeom prst="rect">
@@ -6572,7 +6565,7 @@
           <p:cNvPr id="33" name="TextBox 32">
             <a:extLst>
               <a:ext uri="{FF2B5EF4-FFF2-40B4-BE49-F238E27FC236}">
-                <a16:creationId xmlns:a16="http://schemas.microsoft.com/office/drawing/2014/main" id="{20A35334-65BE-427E-A6B3-FEE9E459E3DE}"/>
+                <a16:creationId xmlns:a16="http://schemas.microsoft.com/office/drawing/2014/main" xmlns="" id="{20A35334-65BE-427E-A6B3-FEE9E459E3DE}"/>
               </a:ext>
             </a:extLst>
           </p:cNvPr>
@@ -6619,11 +6612,39 @@
               <a:buChar char="•"/>
             </a:pPr>
             <a:r>
+              <a:rPr lang="en-US" sz="2800" dirty="0" smtClean="0">
+                <a:latin typeface="Helvetica" panose="020B0604020202020204" pitchFamily="34" charset="0"/>
+                <a:cs typeface="Helvetica" panose="020B0604020202020204" pitchFamily="34" charset="0"/>
+              </a:rPr>
+              <a:t>This t</a:t>
+            </a:r>
+            <a:r>
+              <a:rPr lang="en-US" sz="2800" dirty="0" smtClean="0">
+                <a:latin typeface="Helvetica" panose="020B0604020202020204" pitchFamily="34" charset="0"/>
+                <a:cs typeface="Helvetica" panose="020B0604020202020204" pitchFamily="34" charset="0"/>
+              </a:rPr>
+              <a:t>ask </a:t>
+            </a:r>
+            <a:r>
               <a:rPr lang="en-US" sz="2800" dirty="0">
                 <a:latin typeface="Helvetica" panose="020B0604020202020204" pitchFamily="34" charset="0"/>
                 <a:cs typeface="Helvetica" panose="020B0604020202020204" pitchFamily="34" charset="0"/>
               </a:rPr>
-              <a:t>Task arises naturally in many vehicle control tasks, particularly when drone navigation</a:t>
+              <a:t>arises naturally in many vehicle control tasks, </a:t>
+            </a:r>
+            <a:r>
+              <a:rPr lang="en-US" sz="2800" dirty="0" smtClean="0">
+                <a:latin typeface="Helvetica" panose="020B0604020202020204" pitchFamily="34" charset="0"/>
+                <a:cs typeface="Helvetica" panose="020B0604020202020204" pitchFamily="34" charset="0"/>
+              </a:rPr>
+              <a:t>and our approach is modeled after drone </a:t>
+            </a:r>
+            <a:r>
+              <a:rPr lang="en-US" sz="2800" dirty="0">
+                <a:latin typeface="Helvetica" panose="020B0604020202020204" pitchFamily="34" charset="0"/>
+                <a:cs typeface="Helvetica" panose="020B0604020202020204" pitchFamily="34" charset="0"/>
+              </a:rPr>
+              <a:t>navigation</a:t>
             </a:r>
           </a:p>
           <a:p>
@@ -6639,19 +6660,29 @@
                 <a:latin typeface="Helvetica" panose="020B0604020202020204" pitchFamily="34" charset="0"/>
                 <a:cs typeface="Helvetica" panose="020B0604020202020204" pitchFamily="34" charset="0"/>
               </a:rPr>
-              <a:t>Commonly used to avoid other aerial vehicles at high altitudes</a:t>
-            </a:r>
-          </a:p>
-          <a:p>
-            <a:pPr>
-              <a:spcAft>
-                <a:spcPts val="600"/>
-              </a:spcAft>
-            </a:pPr>
-            <a:endParaRPr lang="en-US" sz="2800" dirty="0">
-              <a:latin typeface="Helvetica" panose="020B0604020202020204" pitchFamily="34" charset="0"/>
-              <a:cs typeface="Helvetica" panose="020B0604020202020204" pitchFamily="34" charset="0"/>
-            </a:endParaRPr>
+              <a:t>Commonly used to </a:t>
+            </a:r>
+            <a:r>
+              <a:rPr lang="en-US" sz="2800" dirty="0" smtClean="0">
+                <a:latin typeface="Helvetica" panose="020B0604020202020204" pitchFamily="34" charset="0"/>
+                <a:cs typeface="Helvetica" panose="020B0604020202020204" pitchFamily="34" charset="0"/>
+              </a:rPr>
+              <a:t>maintain a safe distance  from other </a:t>
+            </a:r>
+            <a:r>
+              <a:rPr lang="en-US" sz="2800" dirty="0">
+                <a:latin typeface="Helvetica" panose="020B0604020202020204" pitchFamily="34" charset="0"/>
+                <a:cs typeface="Helvetica" panose="020B0604020202020204" pitchFamily="34" charset="0"/>
+              </a:rPr>
+              <a:t>aerial </a:t>
+            </a:r>
+            <a:r>
+              <a:rPr lang="en-US" sz="2800" dirty="0" smtClean="0">
+                <a:latin typeface="Helvetica" panose="020B0604020202020204" pitchFamily="34" charset="0"/>
+                <a:cs typeface="Helvetica" panose="020B0604020202020204" pitchFamily="34" charset="0"/>
+              </a:rPr>
+              <a:t>vehicles</a:t>
+            </a:r>
           </a:p>
           <a:p>
             <a:pPr marL="342900" indent="-342900">
@@ -6661,13 +6692,10 @@
               <a:buFont typeface="Arial" panose="020B0604020202020204" pitchFamily="34" charset="0"/>
               <a:buChar char="•"/>
             </a:pPr>
-            <a:r>
-              <a:rPr lang="en-US" sz="2800" dirty="0">
-                <a:latin typeface="Helvetica" panose="020B0604020202020204" pitchFamily="34" charset="0"/>
-                <a:cs typeface="Helvetica" panose="020B0604020202020204" pitchFamily="34" charset="0"/>
-              </a:rPr>
-              <a:t>Classical techniques often rely on simplifying assumptions and require a new solution each time the environment changes</a:t>
-            </a:r>
+            <a:endParaRPr lang="en-US" sz="2800" dirty="0">
+              <a:latin typeface="Helvetica" panose="020B0604020202020204" pitchFamily="34" charset="0"/>
+              <a:cs typeface="Helvetica" panose="020B0604020202020204" pitchFamily="34" charset="0"/>
+            </a:endParaRPr>
           </a:p>
           <a:p>
             <a:pPr marL="342900" indent="-342900">
@@ -6682,7 +6710,7 @@
                 <a:latin typeface="Helvetica" panose="020B0604020202020204" pitchFamily="34" charset="0"/>
                 <a:cs typeface="Helvetica" panose="020B0604020202020204" pitchFamily="34" charset="0"/>
               </a:rPr>
-              <a:t>Prefer a solution that makes fewer assumptions and generalizes well over different environments</a:t>
+              <a:t>Classical techniques often rely on simplifying assumptions and require a new solution each time the environment changes</a:t>
             </a:r>
           </a:p>
           <a:p>
@@ -6698,6 +6726,22 @@
                 <a:latin typeface="Helvetica" panose="020B0604020202020204" pitchFamily="34" charset="0"/>
                 <a:cs typeface="Helvetica" panose="020B0604020202020204" pitchFamily="34" charset="0"/>
               </a:rPr>
+              <a:t>Prefer a solution that makes fewer assumptions and generalizes well over different environments</a:t>
+            </a:r>
+          </a:p>
+          <a:p>
+            <a:pPr marL="342900" indent="-342900">
+              <a:spcAft>
+                <a:spcPts val="600"/>
+              </a:spcAft>
+              <a:buFont typeface="Arial" panose="020B0604020202020204" pitchFamily="34" charset="0"/>
+              <a:buChar char="•"/>
+            </a:pPr>
+            <a:r>
+              <a:rPr lang="en-US" sz="2800" dirty="0">
+                <a:latin typeface="Helvetica" panose="020B0604020202020204" pitchFamily="34" charset="0"/>
+                <a:cs typeface="Helvetica" panose="020B0604020202020204" pitchFamily="34" charset="0"/>
+              </a:rPr>
               <a:t>Reinforcement learning techniques can implicitly learn a general solution</a:t>
             </a:r>
           </a:p>
@@ -6705,158 +6749,137 @@
       </p:sp>
       <p:grpSp>
         <p:nvGrpSpPr>
-          <p:cNvPr id="23" name="Group 22">
-            <a:extLst>
-              <a:ext uri="{FF2B5EF4-FFF2-40B4-BE49-F238E27FC236}">
-                <a16:creationId xmlns:a16="http://schemas.microsoft.com/office/drawing/2014/main" id="{41BD57E7-EF49-4267-B7E9-0E5511261918}"/>
-              </a:ext>
-            </a:extLst>
-          </p:cNvPr>
+          <p:cNvPr id="14" name="Group 13"/>
           <p:cNvGrpSpPr/>
           <p:nvPr/>
         </p:nvGrpSpPr>
         <p:grpSpPr>
           <a:xfrm>
-            <a:off x="16941040" y="8524045"/>
-            <a:ext cx="4213306" cy="5578166"/>
-            <a:chOff x="17600741" y="8424454"/>
-            <a:chExt cx="4213306" cy="5578166"/>
+            <a:off x="16967024" y="10737010"/>
+            <a:ext cx="4281890" cy="2711912"/>
+            <a:chOff x="14097000" y="11277600"/>
+            <a:chExt cx="4800600" cy="3124200"/>
           </a:xfrm>
         </p:grpSpPr>
-        <p:grpSp>
-          <p:nvGrpSpPr>
-            <p:cNvPr id="14" name="Group 13"/>
-            <p:cNvGrpSpPr/>
-            <p:nvPr/>
-          </p:nvGrpSpPr>
-          <p:grpSpPr>
-            <a:xfrm>
-              <a:off x="17600741" y="8424454"/>
-              <a:ext cx="4213306" cy="2741992"/>
-              <a:chOff x="14097000" y="11277600"/>
-              <a:chExt cx="4800600" cy="3124200"/>
-            </a:xfrm>
-          </p:grpSpPr>
-          <p:pic>
-            <p:nvPicPr>
-              <p:cNvPr id="11" name="Picture 10"/>
-              <p:cNvPicPr>
-                <a:picLocks noChangeAspect="1"/>
-              </p:cNvPicPr>
-              <p:nvPr/>
-            </p:nvPicPr>
-            <p:blipFill rotWithShape="1">
-              <a:blip r:embed="rId12">
-                <a:extLst>
-                  <a:ext uri="{28A0092B-C50C-407E-A947-70E740481C1C}">
-                    <a14:useLocalDpi xmlns:a14="http://schemas.microsoft.com/office/drawing/2010/main" val="0"/>
-                  </a:ext>
-                </a:extLst>
-              </a:blip>
-              <a:srcRect l="6944" t="8334" r="5556" b="6250"/>
-              <a:stretch/>
-            </p:blipFill>
-            <p:spPr>
-              <a:xfrm>
-                <a:off x="14097000" y="11277600"/>
-                <a:ext cx="4800600" cy="3124200"/>
-              </a:xfrm>
-              <a:prstGeom prst="rect">
-                <a:avLst/>
-              </a:prstGeom>
-            </p:spPr>
-          </p:pic>
-          <p:sp>
-            <p:nvSpPr>
-              <p:cNvPr id="12" name="Rectangle 11"/>
-              <p:cNvSpPr/>
-              <p:nvPr/>
-            </p:nvSpPr>
-            <p:spPr>
-              <a:xfrm>
-                <a:off x="14782800" y="11277600"/>
-                <a:ext cx="2743200" cy="48350"/>
-              </a:xfrm>
-              <a:prstGeom prst="rect">
-                <a:avLst/>
-              </a:prstGeom>
-              <a:solidFill>
-                <a:schemeClr val="bg1"/>
-              </a:solidFill>
-              <a:ln>
-                <a:solidFill>
-                  <a:schemeClr val="bg1"/>
-                </a:solidFill>
-              </a:ln>
-            </p:spPr>
-            <p:style>
-              <a:lnRef idx="2">
-                <a:schemeClr val="accent1">
-                  <a:shade val="50000"/>
-                </a:schemeClr>
-              </a:lnRef>
-              <a:fillRef idx="1">
-                <a:schemeClr val="accent1"/>
-              </a:fillRef>
-              <a:effectRef idx="0">
-                <a:schemeClr val="accent1"/>
-              </a:effectRef>
-              <a:fontRef idx="minor">
-                <a:schemeClr val="lt1"/>
-              </a:fontRef>
-            </p:style>
-            <p:txBody>
-              <a:bodyPr rtlCol="0" anchor="ctr"/>
-              <a:lstStyle/>
-              <a:p>
-                <a:pPr algn="ctr"/>
-                <a:endParaRPr lang="en-US"/>
-              </a:p>
-            </p:txBody>
-          </p:sp>
-        </p:grpSp>
         <p:pic>
           <p:nvPicPr>
-            <p:cNvPr id="47" name="Picture 46">
-              <a:extLst>
-                <a:ext uri="{FF2B5EF4-FFF2-40B4-BE49-F238E27FC236}">
-                  <a16:creationId xmlns:a16="http://schemas.microsoft.com/office/drawing/2014/main" id="{BD449CCB-3942-4D83-991F-AA97E1B81955}"/>
-                </a:ext>
-              </a:extLst>
-            </p:cNvPr>
+            <p:cNvPr id="11" name="Picture 10"/>
             <p:cNvPicPr>
               <a:picLocks noChangeAspect="1"/>
             </p:cNvPicPr>
             <p:nvPr/>
           </p:nvPicPr>
           <p:blipFill rotWithShape="1">
-            <a:blip r:embed="rId10" cstate="print">
+            <a:blip r:embed="rId11">
               <a:extLst>
                 <a:ext uri="{28A0092B-C50C-407E-A947-70E740481C1C}">
                   <a14:useLocalDpi xmlns:a14="http://schemas.microsoft.com/office/drawing/2010/main" val="0"/>
                 </a:ext>
               </a:extLst>
             </a:blip>
-            <a:srcRect l="66701" t="10786" r="9781" b="9405"/>
+            <a:srcRect l="6944" t="8334" r="5556" b="6250"/>
             <a:stretch/>
           </p:blipFill>
           <p:spPr>
             <a:xfrm>
-              <a:off x="18549999" y="11384280"/>
-              <a:ext cx="2314790" cy="2618340"/>
+              <a:off x="14097000" y="11277600"/>
+              <a:ext cx="4800600" cy="3124200"/>
             </a:xfrm>
             <a:prstGeom prst="rect">
               <a:avLst/>
             </a:prstGeom>
           </p:spPr>
         </p:pic>
+        <p:sp>
+          <p:nvSpPr>
+            <p:cNvPr id="12" name="Rectangle 11"/>
+            <p:cNvSpPr/>
+            <p:nvPr/>
+          </p:nvSpPr>
+          <p:spPr>
+            <a:xfrm>
+              <a:off x="14782800" y="11277600"/>
+              <a:ext cx="2743200" cy="48350"/>
+            </a:xfrm>
+            <a:prstGeom prst="rect">
+              <a:avLst/>
+            </a:prstGeom>
+            <a:solidFill>
+              <a:schemeClr val="bg1"/>
+            </a:solidFill>
+            <a:ln>
+              <a:solidFill>
+                <a:schemeClr val="bg1"/>
+              </a:solidFill>
+            </a:ln>
+          </p:spPr>
+          <p:style>
+            <a:lnRef idx="2">
+              <a:schemeClr val="accent1">
+                <a:shade val="50000"/>
+              </a:schemeClr>
+            </a:lnRef>
+            <a:fillRef idx="1">
+              <a:schemeClr val="accent1"/>
+            </a:fillRef>
+            <a:effectRef idx="0">
+              <a:schemeClr val="accent1"/>
+            </a:effectRef>
+            <a:fontRef idx="minor">
+              <a:schemeClr val="lt1"/>
+            </a:fontRef>
+          </p:style>
+          <p:txBody>
+            <a:bodyPr rtlCol="0" anchor="ctr"/>
+            <a:lstStyle/>
+            <a:p>
+              <a:pPr algn="ctr"/>
+              <a:endParaRPr lang="en-US"/>
+            </a:p>
+          </p:txBody>
+        </p:sp>
       </p:grpSp>
+      <p:pic>
+        <p:nvPicPr>
+          <p:cNvPr id="47" name="Picture 46">
+            <a:extLst>
+              <a:ext uri="{FF2B5EF4-FFF2-40B4-BE49-F238E27FC236}">
+                <a16:creationId xmlns:a16="http://schemas.microsoft.com/office/drawing/2014/main" xmlns="" id="{BD449CCB-3942-4D83-991F-AA97E1B81955}"/>
+              </a:ext>
+            </a:extLst>
+          </p:cNvPr>
+          <p:cNvPicPr>
+            <a:picLocks noChangeAspect="1"/>
+          </p:cNvPicPr>
+          <p:nvPr/>
+        </p:nvPicPr>
+        <p:blipFill rotWithShape="1">
+          <a:blip r:embed="rId9" cstate="print">
+            <a:extLst>
+              <a:ext uri="{28A0092B-C50C-407E-A947-70E740481C1C}">
+                <a14:useLocalDpi xmlns:a14="http://schemas.microsoft.com/office/drawing/2010/main" val="0"/>
+              </a:ext>
+            </a:extLst>
+          </a:blip>
+          <a:srcRect l="67071" t="10786" r="9780" b="10858"/>
+          <a:stretch/>
+        </p:blipFill>
+        <p:spPr>
+          <a:xfrm>
+            <a:off x="18724887" y="6222984"/>
+            <a:ext cx="2539773" cy="2720672"/>
+          </a:xfrm>
+          <a:prstGeom prst="rect">
+            <a:avLst/>
+          </a:prstGeom>
+        </p:spPr>
+      </p:pic>
       <p:sp>
         <p:nvSpPr>
           <p:cNvPr id="43" name="TextBox 42">
             <a:extLst>
               <a:ext uri="{FF2B5EF4-FFF2-40B4-BE49-F238E27FC236}">
-                <a16:creationId xmlns:a16="http://schemas.microsoft.com/office/drawing/2014/main" id="{7F9C78A8-1537-4127-9AD4-195CB7F53866}"/>
+                <a16:creationId xmlns:a16="http://schemas.microsoft.com/office/drawing/2014/main" xmlns="" id="{7F9C78A8-1537-4127-9AD4-195CB7F53866}"/>
               </a:ext>
             </a:extLst>
           </p:cNvPr>
@@ -6939,7 +6962,7 @@
           <p:cNvPr id="5" name="Table 4">
             <a:extLst>
               <a:ext uri="{FF2B5EF4-FFF2-40B4-BE49-F238E27FC236}">
-                <a16:creationId xmlns:a16="http://schemas.microsoft.com/office/drawing/2014/main" id="{9FBBDEDD-B58C-4292-8E0C-3EB95D791C4F}"/>
+                <a16:creationId xmlns:a16="http://schemas.microsoft.com/office/drawing/2014/main" xmlns="" id="{9FBBDEDD-B58C-4292-8E0C-3EB95D791C4F}"/>
               </a:ext>
             </a:extLst>
           </p:cNvPr>
@@ -6968,21 +6991,21 @@
                 <a:gridCol w="2815211">
                   <a:extLst>
                     <a:ext uri="{9D8B030D-6E8A-4147-A177-3AD203B41FA5}">
-                      <a16:colId xmlns:a16="http://schemas.microsoft.com/office/drawing/2014/main" val="7502155"/>
+                      <a16:colId xmlns:a16="http://schemas.microsoft.com/office/drawing/2014/main" xmlns="" val="7502155"/>
                     </a:ext>
                   </a:extLst>
                 </a:gridCol>
                 <a:gridCol w="2815211">
                   <a:extLst>
                     <a:ext uri="{9D8B030D-6E8A-4147-A177-3AD203B41FA5}">
-                      <a16:colId xmlns:a16="http://schemas.microsoft.com/office/drawing/2014/main" val="3360269338"/>
+                      <a16:colId xmlns:a16="http://schemas.microsoft.com/office/drawing/2014/main" xmlns="" val="3360269338"/>
                     </a:ext>
                   </a:extLst>
                 </a:gridCol>
                 <a:gridCol w="2815211">
                   <a:extLst>
                     <a:ext uri="{9D8B030D-6E8A-4147-A177-3AD203B41FA5}">
-                      <a16:colId xmlns:a16="http://schemas.microsoft.com/office/drawing/2014/main" val="3462760015"/>
+                      <a16:colId xmlns:a16="http://schemas.microsoft.com/office/drawing/2014/main" xmlns="" val="3462760015"/>
                     </a:ext>
                   </a:extLst>
                 </a:gridCol>
@@ -7029,7 +7052,7 @@
                 </a:tc>
                 <a:extLst>
                   <a:ext uri="{0D108BD9-81ED-4DB2-BD59-A6C34878D82A}">
-                    <a16:rowId xmlns:a16="http://schemas.microsoft.com/office/drawing/2014/main" val="3802877361"/>
+                    <a16:rowId xmlns:a16="http://schemas.microsoft.com/office/drawing/2014/main" xmlns="" val="3802877361"/>
                   </a:ext>
                 </a:extLst>
               </a:tr>
@@ -7075,7 +7098,7 @@
                 </a:tc>
                 <a:extLst>
                   <a:ext uri="{0D108BD9-81ED-4DB2-BD59-A6C34878D82A}">
-                    <a16:rowId xmlns:a16="http://schemas.microsoft.com/office/drawing/2014/main" val="412087516"/>
+                    <a16:rowId xmlns:a16="http://schemas.microsoft.com/office/drawing/2014/main" xmlns="" val="412087516"/>
                   </a:ext>
                 </a:extLst>
               </a:tr>
@@ -7121,7 +7144,7 @@
                 </a:tc>
                 <a:extLst>
                   <a:ext uri="{0D108BD9-81ED-4DB2-BD59-A6C34878D82A}">
-                    <a16:rowId xmlns:a16="http://schemas.microsoft.com/office/drawing/2014/main" val="1972306194"/>
+                    <a16:rowId xmlns:a16="http://schemas.microsoft.com/office/drawing/2014/main" xmlns="" val="1972306194"/>
                   </a:ext>
                 </a:extLst>
               </a:tr>
@@ -7161,7 +7184,7 @@
                 </a:tc>
                 <a:extLst>
                   <a:ext uri="{0D108BD9-81ED-4DB2-BD59-A6C34878D82A}">
-                    <a16:rowId xmlns:a16="http://schemas.microsoft.com/office/drawing/2014/main" val="458128511"/>
+                    <a16:rowId xmlns:a16="http://schemas.microsoft.com/office/drawing/2014/main" xmlns="" val="458128511"/>
                   </a:ext>
                 </a:extLst>
               </a:tr>
@@ -7174,7 +7197,7 @@
           <p:cNvPr id="46" name="Rounded Rectangle 24">
             <a:extLst>
               <a:ext uri="{FF2B5EF4-FFF2-40B4-BE49-F238E27FC236}">
-                <a16:creationId xmlns:a16="http://schemas.microsoft.com/office/drawing/2014/main" id="{5410958B-05C5-4126-B86A-88D07603E881}"/>
+                <a16:creationId xmlns:a16="http://schemas.microsoft.com/office/drawing/2014/main" xmlns="" id="{5410958B-05C5-4126-B86A-88D07603E881}"/>
               </a:ext>
             </a:extLst>
           </p:cNvPr>
@@ -7235,7 +7258,7 @@
           <p:cNvPr id="48" name="TextBox 113">
             <a:extLst>
               <a:ext uri="{FF2B5EF4-FFF2-40B4-BE49-F238E27FC236}">
-                <a16:creationId xmlns:a16="http://schemas.microsoft.com/office/drawing/2014/main" id="{D5EA85A8-438C-4A60-8F4E-04F5DAAFA7D0}"/>
+                <a16:creationId xmlns:a16="http://schemas.microsoft.com/office/drawing/2014/main" xmlns="" id="{D5EA85A8-438C-4A60-8F4E-04F5DAAFA7D0}"/>
               </a:ext>
             </a:extLst>
           </p:cNvPr>
@@ -7403,6 +7426,65 @@
           </a:p>
         </p:txBody>
       </p:sp>
+      <p:pic>
+        <p:nvPicPr>
+          <p:cNvPr id="6" name="Picture 5"/>
+          <p:cNvPicPr>
+            <a:picLocks noChangeAspect="1"/>
+          </p:cNvPicPr>
+          <p:nvPr/>
+        </p:nvPicPr>
+        <p:blipFill rotWithShape="1">
+          <a:blip r:embed="rId12">
+            <a:extLst>
+              <a:ext uri="{28A0092B-C50C-407E-A947-70E740481C1C}">
+                <a14:useLocalDpi xmlns:a14="http://schemas.microsoft.com/office/drawing/2010/main" val="0"/>
+              </a:ext>
+            </a:extLst>
+          </a:blip>
+          <a:srcRect l="10842" t="20269" r="10840" b="15731"/>
+          <a:stretch/>
+        </p:blipFill>
+        <p:spPr>
+          <a:xfrm>
+            <a:off x="9796213" y="11888327"/>
+            <a:ext cx="1608962" cy="409278"/>
+          </a:xfrm>
+          <a:prstGeom prst="rect">
+            <a:avLst/>
+          </a:prstGeom>
+        </p:spPr>
+      </p:pic>
+      <p:pic>
+        <p:nvPicPr>
+          <p:cNvPr id="9" name="Picture 8"/>
+          <p:cNvPicPr>
+            <a:picLocks noChangeAspect="1"/>
+          </p:cNvPicPr>
+          <p:nvPr/>
+        </p:nvPicPr>
+        <p:blipFill>
+          <a:blip r:embed="rId13">
+            <a:extLst>
+              <a:ext uri="{28A0092B-C50C-407E-A947-70E740481C1C}">
+                <a14:useLocalDpi xmlns:a14="http://schemas.microsoft.com/office/drawing/2010/main" val="0"/>
+              </a:ext>
+            </a:extLst>
+          </a:blip>
+          <a:stretch>
+            <a:fillRect/>
+          </a:stretch>
+        </p:blipFill>
+        <p:spPr>
+          <a:xfrm>
+            <a:off x="25002602" y="7488101"/>
+            <a:ext cx="6400800" cy="6400800"/>
+          </a:xfrm>
+          <a:prstGeom prst="rect">
+            <a:avLst/>
+          </a:prstGeom>
+        </p:spPr>
+      </p:pic>
     </p:spTree>
   </p:cSld>
   <p:clrMapOvr>

--- a/poster.pptx
+++ b/poster.pptx
@@ -4376,10 +4376,10 @@
       </p:grpSpPr>
       <p:grpSp>
         <p:nvGrpSpPr>
-          <p:cNvPr id="4" name="Group 3">
+          <p:cNvPr id="8" name="Group 7">
             <a:extLst>
               <a:ext uri="{FF2B5EF4-FFF2-40B4-BE49-F238E27FC236}">
-                <a16:creationId xmlns:a16="http://schemas.microsoft.com/office/drawing/2014/main" xmlns="" id="{C234E05C-172B-40CF-8F3B-7C14F7150500}"/>
+                <a16:creationId xmlns:a16="http://schemas.microsoft.com/office/drawing/2014/main" id="{2985542E-0337-42E4-9DE0-784157E9AC30}"/>
               </a:ext>
             </a:extLst>
           </p:cNvPr>
@@ -4388,10 +4388,10 @@
         </p:nvGrpSpPr>
         <p:grpSpPr>
           <a:xfrm>
-            <a:off x="9287421" y="14637566"/>
-            <a:ext cx="12877800" cy="6547652"/>
-            <a:chOff x="9296400" y="11557728"/>
-            <a:chExt cx="12877800" cy="6547652"/>
+            <a:off x="9285514" y="14144250"/>
+            <a:ext cx="8304095" cy="6978539"/>
+            <a:chOff x="9285514" y="14144250"/>
+            <a:chExt cx="8304095" cy="6978539"/>
           </a:xfrm>
         </p:grpSpPr>
         <p:sp>
@@ -4399,7 +4399,7 @@
             <p:cNvPr id="36" name="TextBox 35">
               <a:extLst>
                 <a:ext uri="{FF2B5EF4-FFF2-40B4-BE49-F238E27FC236}">
-                  <a16:creationId xmlns:a16="http://schemas.microsoft.com/office/drawing/2014/main" xmlns="" id="{A1529AC7-8E1C-4CB5-B8DC-53E9D5C05110}"/>
+                  <a16:creationId xmlns:a16="http://schemas.microsoft.com/office/drawing/2014/main" id="{A1529AC7-8E1C-4CB5-B8DC-53E9D5C05110}"/>
                 </a:ext>
               </a:extLst>
             </p:cNvPr>
@@ -4408,8 +4408,8 @@
           </p:nvSpPr>
           <p:spPr>
             <a:xfrm>
-              <a:off x="9296400" y="11557728"/>
-              <a:ext cx="12877800" cy="3708708"/>
+              <a:off x="9285514" y="14144250"/>
+              <a:ext cx="8304095" cy="4139595"/>
             </a:xfrm>
             <a:prstGeom prst="rect">
               <a:avLst/>
@@ -4450,6 +4450,39 @@
                   <a:ea typeface="Helvetica" charset="0"/>
                   <a:cs typeface="Helvetica" charset="0"/>
                 </a:rPr>
+                <a:t>Fit a model that predicts the path </a:t>
+              </a:r>
+              <a:r>
+                <a:rPr lang="en-US" sz="2800" i="1" dirty="0">
+                  <a:latin typeface="Helvetica" charset="0"/>
+                  <a:ea typeface="Helvetica" charset="0"/>
+                  <a:cs typeface="Helvetica" charset="0"/>
+                </a:rPr>
+                <a:t>in general </a:t>
+              </a:r>
+              <a:r>
+                <a:rPr lang="en-US" sz="2800" dirty="0">
+                  <a:latin typeface="Helvetica" charset="0"/>
+                  <a:ea typeface="Helvetica" charset="0"/>
+                  <a:cs typeface="Helvetica" charset="0"/>
+                </a:rPr>
+                <a:t>(not for a specific map)</a:t>
+              </a:r>
+            </a:p>
+            <a:p>
+              <a:pPr marL="457200" indent="-457200" algn="just">
+                <a:spcAft>
+                  <a:spcPts val="600"/>
+                </a:spcAft>
+                <a:buFont typeface="Arial" panose="020B0604020202020204" pitchFamily="34" charset="0"/>
+                <a:buChar char="•"/>
+              </a:pPr>
+              <a:r>
+                <a:rPr lang="en-US" sz="2800" dirty="0">
+                  <a:latin typeface="Helvetica" charset="0"/>
+                  <a:ea typeface="Helvetica" charset="0"/>
+                  <a:cs typeface="Helvetica" charset="0"/>
+                </a:rPr>
                 <a:t>State space is continuous and high-dimensional</a:t>
               </a:r>
             </a:p>
@@ -4471,7 +4504,7 @@
               </a:r>
             </a:p>
             <a:p>
-              <a:pPr marL="457200" indent="-457200" algn="just">
+              <a:pPr marL="457200" indent="-457200">
                 <a:spcAft>
                   <a:spcPts val="600"/>
                 </a:spcAft>
@@ -4484,22 +4517,16 @@
                   <a:ea typeface="Helvetica" charset="0"/>
                   <a:cs typeface="Helvetica" charset="0"/>
                 </a:rPr>
-                <a:t>Instead, estimate the policy directly</a:t>
+                <a:t>Instead, </a:t>
               </a:r>
-            </a:p>
-            <a:p>
-              <a:pPr marL="457200" indent="-457200" algn="just">
-                <a:spcAft>
-                  <a:spcPts val="600"/>
-                </a:spcAft>
-                <a:buFont typeface="Arial" panose="020B0604020202020204" pitchFamily="34" charset="0"/>
-                <a:buChar char="•"/>
-              </a:pPr>
-              <a:endParaRPr lang="en-US" sz="2800" dirty="0">
-                <a:latin typeface="Helvetica" charset="0"/>
-                <a:ea typeface="Helvetica" charset="0"/>
-                <a:cs typeface="Helvetica" charset="0"/>
-              </a:endParaRPr>
+              <a:r>
+                <a:rPr lang="en-US" sz="2800" i="1" dirty="0">
+                  <a:latin typeface="Helvetica" charset="0"/>
+                  <a:ea typeface="Helvetica" charset="0"/>
+                  <a:cs typeface="Helvetica" charset="0"/>
+                </a:rPr>
+                <a:t>estimate the policy directly</a:t>
+              </a:r>
             </a:p>
             <a:p>
               <a:pPr marL="457200" indent="-457200" algn="just">
@@ -4537,10 +4564,10 @@
         <p:pic>
           <p:nvPicPr>
             <p:cNvPr id="1026" name="Picture 2" descr="https://lh4.googleusercontent.com/WdkdgXFacQoSzg_Q_WW_EiFhKwiD35ot2n_tdfRim_ct4viJq9_n99fD_W4J5lLHF0f0wF0TmmdwgXjtr0YKNN7aHMxH9QCmNgFVitNs4tJSEyRpOfeQV4YDpsiEpaub783Q12Gd">
-              <a:hlinkClick r:id=""/>
+              <a:hlinkClick r:id="" action="ppaction://noaction"/>
               <a:extLst>
                 <a:ext uri="{FF2B5EF4-FFF2-40B4-BE49-F238E27FC236}">
-                  <a16:creationId xmlns:a16="http://schemas.microsoft.com/office/drawing/2014/main" xmlns="" id="{484DA3AD-435B-4BE1-9E8D-C5AC66FA885B}"/>
+                  <a16:creationId xmlns:a16="http://schemas.microsoft.com/office/drawing/2014/main" id="{484DA3AD-435B-4BE1-9E8D-C5AC66FA885B}"/>
                 </a:ext>
               </a:extLst>
             </p:cNvPr>
@@ -4564,7 +4591,7 @@
           </p:blipFill>
           <p:spPr bwMode="auto">
             <a:xfrm>
-              <a:off x="14321136" y="13935016"/>
+              <a:off x="11828030" y="17289831"/>
               <a:ext cx="2665753" cy="496724"/>
             </a:xfrm>
             <a:prstGeom prst="rect">
@@ -4588,7 +4615,7 @@
               <a:hlinkClick r:id="rId4"/>
               <a:extLst>
                 <a:ext uri="{FF2B5EF4-FFF2-40B4-BE49-F238E27FC236}">
-                  <a16:creationId xmlns:a16="http://schemas.microsoft.com/office/drawing/2014/main" xmlns="" id="{9E46EC36-E68A-4DF3-ACAE-673C7C7CC2ED}"/>
+                  <a16:creationId xmlns:a16="http://schemas.microsoft.com/office/drawing/2014/main" id="{9E46EC36-E68A-4DF3-ACAE-673C7C7CC2ED}"/>
                 </a:ext>
               </a:extLst>
             </p:cNvPr>
@@ -4612,7 +4639,7 @@
           </p:blipFill>
           <p:spPr bwMode="auto">
             <a:xfrm>
-              <a:off x="12157217" y="15239923"/>
+              <a:off x="9973435" y="18465923"/>
               <a:ext cx="6993589" cy="1020803"/>
             </a:xfrm>
             <a:prstGeom prst="rect">
@@ -4635,7 +4662,7 @@
             <p:cNvPr id="39" name="TextBox 38">
               <a:extLst>
                 <a:ext uri="{FF2B5EF4-FFF2-40B4-BE49-F238E27FC236}">
-                  <a16:creationId xmlns:a16="http://schemas.microsoft.com/office/drawing/2014/main" xmlns="" id="{A34C754B-4136-4C59-B0A0-0EEB6301249C}"/>
+                  <a16:creationId xmlns:a16="http://schemas.microsoft.com/office/drawing/2014/main" id="{A34C754B-4136-4C59-B0A0-0EEB6301249C}"/>
                 </a:ext>
               </a:extLst>
             </p:cNvPr>
@@ -4644,8 +4671,8 @@
           </p:nvSpPr>
           <p:spPr>
             <a:xfrm>
-              <a:off x="9296400" y="16935829"/>
-              <a:ext cx="12877800" cy="1169551"/>
+              <a:off x="9285514" y="19522351"/>
+              <a:ext cx="8293209" cy="1600438"/>
             </a:xfrm>
             <a:prstGeom prst="rect">
               <a:avLst/>
@@ -4686,7 +4713,7 @@
                   <a:ea typeface="Helvetica" charset="0"/>
                   <a:cs typeface="Helvetica" charset="0"/>
                 </a:rPr>
-                <a:t>Use neural network to improve approximation</a:t>
+                <a:t>Use a single layer feed forward neural network to improve policy approximation</a:t>
               </a:r>
             </a:p>
           </p:txBody>
@@ -4810,10 +4837,10 @@
         </p:nvGrpSpPr>
         <p:grpSpPr>
           <a:xfrm>
-            <a:off x="23111124" y="19639512"/>
-            <a:ext cx="9259491" cy="5594950"/>
-            <a:chOff x="17830800" y="12649200"/>
-            <a:chExt cx="9372600" cy="2498577"/>
+            <a:off x="23111124" y="22734395"/>
+            <a:ext cx="9452271" cy="2500063"/>
+            <a:chOff x="17830800" y="14031303"/>
+            <a:chExt cx="9567735" cy="1116471"/>
           </a:xfrm>
         </p:grpSpPr>
         <p:sp>
@@ -4824,8 +4851,8 @@
           </p:nvSpPr>
           <p:spPr>
             <a:xfrm>
-              <a:off x="17830800" y="12649200"/>
-              <a:ext cx="9372600" cy="2498577"/>
+              <a:off x="17830800" y="14031303"/>
+              <a:ext cx="9567735" cy="1116471"/>
             </a:xfrm>
             <a:prstGeom prst="roundRect">
               <a:avLst/>
@@ -4879,8 +4906,8 @@
           </p:nvSpPr>
           <p:spPr bwMode="auto">
             <a:xfrm>
-              <a:off x="17838313" y="12772659"/>
-              <a:ext cx="9108583" cy="650725"/>
+              <a:off x="17941772" y="14031303"/>
+              <a:ext cx="9108583" cy="337723"/>
             </a:xfrm>
             <a:prstGeom prst="rect">
               <a:avLst/>
@@ -5030,9 +5057,6 @@
                 </a:rPr>
                 <a:t>References</a:t>
               </a:r>
-              <a:endParaRPr kumimoji="0" lang="zh-TW" altLang="en-US" sz="4400" b="1" dirty="0">
-                <a:latin typeface="Helvetica" panose="020B0604020202020204" pitchFamily="34" charset="0"/>
-              </a:endParaRPr>
             </a:p>
           </p:txBody>
         </p:sp>
@@ -5164,7 +5188,7 @@
           <p:cNvPr id="35" name="Rounded Rectangle 654">
             <a:extLst>
               <a:ext uri="{FF2B5EF4-FFF2-40B4-BE49-F238E27FC236}">
-                <a16:creationId xmlns:a16="http://schemas.microsoft.com/office/drawing/2014/main" xmlns="" id="{E749ACD6-E9F9-4429-AB23-DDA49C3E06EA}"/>
+                <a16:creationId xmlns:a16="http://schemas.microsoft.com/office/drawing/2014/main" id="{E749ACD6-E9F9-4429-AB23-DDA49C3E06EA}"/>
               </a:ext>
             </a:extLst>
           </p:cNvPr>
@@ -5225,7 +5249,7 @@
           <p:cNvPr id="114" name="Rounded Rectangle 24">
             <a:extLst>
               <a:ext uri="{FF2B5EF4-FFF2-40B4-BE49-F238E27FC236}">
-                <a16:creationId xmlns:a16="http://schemas.microsoft.com/office/drawing/2014/main" xmlns="" id="{8CCF5CB2-8AD1-4F04-8EAA-EF03AD901465}"/>
+                <a16:creationId xmlns:a16="http://schemas.microsoft.com/office/drawing/2014/main" id="{8CCF5CB2-8AD1-4F04-8EAA-EF03AD901465}"/>
               </a:ext>
             </a:extLst>
           </p:cNvPr>
@@ -5286,7 +5310,7 @@
           <p:cNvPr id="115" name="TextBox 113">
             <a:extLst>
               <a:ext uri="{FF2B5EF4-FFF2-40B4-BE49-F238E27FC236}">
-                <a16:creationId xmlns:a16="http://schemas.microsoft.com/office/drawing/2014/main" xmlns="" id="{F02AE63F-7CE3-48DD-8696-389C9282E694}"/>
+                <a16:creationId xmlns:a16="http://schemas.microsoft.com/office/drawing/2014/main" id="{F02AE63F-7CE3-48DD-8696-389C9282E694}"/>
               </a:ext>
             </a:extLst>
           </p:cNvPr>
@@ -5459,7 +5483,7 @@
           <p:cNvPr id="116" name="TextBox 113">
             <a:extLst>
               <a:ext uri="{FF2B5EF4-FFF2-40B4-BE49-F238E27FC236}">
-                <a16:creationId xmlns:a16="http://schemas.microsoft.com/office/drawing/2014/main" xmlns="" id="{31E3D9EC-D379-4B01-AFF3-4F2B190B3937}"/>
+                <a16:creationId xmlns:a16="http://schemas.microsoft.com/office/drawing/2014/main" id="{31E3D9EC-D379-4B01-AFF3-4F2B190B3937}"/>
               </a:ext>
             </a:extLst>
           </p:cNvPr>
@@ -5632,7 +5656,7 @@
           <p:cNvPr id="126" name="TextBox 113">
             <a:extLst>
               <a:ext uri="{FF2B5EF4-FFF2-40B4-BE49-F238E27FC236}">
-                <a16:creationId xmlns:a16="http://schemas.microsoft.com/office/drawing/2014/main" xmlns="" id="{10C3C321-8435-499D-83BD-CE46DFE8C3A3}"/>
+                <a16:creationId xmlns:a16="http://schemas.microsoft.com/office/drawing/2014/main" id="{10C3C321-8435-499D-83BD-CE46DFE8C3A3}"/>
               </a:ext>
             </a:extLst>
           </p:cNvPr>
@@ -5805,7 +5829,7 @@
           <p:cNvPr id="128" name="TextBox 113">
             <a:extLst>
               <a:ext uri="{FF2B5EF4-FFF2-40B4-BE49-F238E27FC236}">
-                <a16:creationId xmlns:a16="http://schemas.microsoft.com/office/drawing/2014/main" xmlns="" id="{35E67E23-ADED-4EB5-AD59-399A47CA488A}"/>
+                <a16:creationId xmlns:a16="http://schemas.microsoft.com/office/drawing/2014/main" id="{35E67E23-ADED-4EB5-AD59-399A47CA488A}"/>
               </a:ext>
             </a:extLst>
           </p:cNvPr>
@@ -5982,7 +6006,7 @@
         <p:spPr>
           <a:xfrm>
             <a:off x="604131" y="14616456"/>
-            <a:ext cx="7294012" cy="4031873"/>
+            <a:ext cx="7294012" cy="3170099"/>
           </a:xfrm>
           <a:prstGeom prst="rect">
             <a:avLst/>
@@ -6005,15 +6029,7 @@
                 <a:ea typeface="Helvetica" charset="0"/>
                 <a:cs typeface="Helvetica" charset="0"/>
               </a:rPr>
-              <a:t>Randomly generated with 1-8 circular </a:t>
-            </a:r>
-            <a:r>
-              <a:rPr lang="en-US" sz="2800" dirty="0" smtClean="0">
-                <a:latin typeface="Helvetica" charset="0"/>
-                <a:ea typeface="Helvetica" charset="0"/>
-                <a:cs typeface="Helvetica" charset="0"/>
-              </a:rPr>
-              <a:t>obstacles</a:t>
+              <a:t>Randomly generated with 1-8 circular obstacles</a:t>
             </a:r>
           </a:p>
           <a:p>
@@ -6021,7 +6037,7 @@
               <a:buFont typeface="Arial" panose="020B0604020202020204" pitchFamily="34" charset="0"/>
               <a:buChar char="•"/>
             </a:pPr>
-            <a:endParaRPr lang="en-US" sz="1600" dirty="0" smtClean="0">
+            <a:endParaRPr lang="en-US" sz="1600" dirty="0">
               <a:latin typeface="Helvetica" charset="0"/>
               <a:ea typeface="Helvetica" charset="0"/>
               <a:cs typeface="Helvetica" charset="0"/>
@@ -6032,26 +6048,17 @@
               <a:buFont typeface="Arial" panose="020B0604020202020204" pitchFamily="34" charset="0"/>
               <a:buChar char="•"/>
             </a:pPr>
-            <a:r>
-              <a:rPr lang="en-US" sz="2800" dirty="0" smtClean="0">
-                <a:latin typeface="Helvetica" charset="0"/>
-                <a:ea typeface="Helvetica" charset="0"/>
-                <a:cs typeface="Helvetica" charset="0"/>
-              </a:rPr>
-              <a:t>Rejected </a:t>
-            </a:r>
             <a:r>
               <a:rPr lang="en-US" sz="2800" dirty="0">
                 <a:latin typeface="Helvetica" charset="0"/>
                 <a:ea typeface="Helvetica" charset="0"/>
                 <a:cs typeface="Helvetica" charset="0"/>
               </a:rPr>
-              <a:t>obstacles covering endpoints. </a:t>
-            </a:r>
-          </a:p>
-          <a:p>
-            <a:pPr algn="just"/>
-            <a:endParaRPr lang="en-US" sz="1600" dirty="0" smtClean="0">
+              <a:t>Rejected obstacles covering endpoints. </a:t>
+            </a:r>
+          </a:p>
+          <a:p>
+            <a:endParaRPr lang="en-US" sz="1600" dirty="0">
               <a:latin typeface="Helvetica" charset="0"/>
               <a:ea typeface="Helvetica" charset="0"/>
               <a:cs typeface="Helvetica" charset="0"/>
@@ -6063,12 +6070,12 @@
               <a:buChar char="•"/>
             </a:pPr>
             <a:r>
-              <a:rPr lang="en-US" sz="2800" dirty="0" smtClean="0">
+              <a:rPr lang="en-US" sz="2800" b="1" dirty="0">
                 <a:latin typeface="Helvetica" charset="0"/>
                 <a:ea typeface="Helvetica" charset="0"/>
                 <a:cs typeface="Helvetica" charset="0"/>
               </a:rPr>
-              <a:t>The </a:t>
+              <a:t>Goal: </a:t>
             </a:r>
             <a:r>
               <a:rPr lang="en-US" sz="2800" dirty="0">
@@ -6076,7 +6083,7 @@
                 <a:ea typeface="Helvetica" charset="0"/>
                 <a:cs typeface="Helvetica" charset="0"/>
               </a:rPr>
-              <a:t>goal was to plan a path within the boundary and outside of the obstacles, where a path was a sequence of points with adjacent points no more than 1 unit apart.</a:t>
+              <a:t>Plan a path within the boundary and outside of the obstacles (path is a sequence of unit spaced points)</a:t>
             </a:r>
           </a:p>
         </p:txBody>
@@ -6141,15 +6148,7 @@
                 <a:ea typeface="Helvetica" charset="0"/>
                 <a:cs typeface="Helvetica" charset="0"/>
               </a:rPr>
-              <a:t>Approximates the best path by finding the shortest path in a space-filling </a:t>
-            </a:r>
-            <a:r>
-              <a:rPr lang="en-US" sz="2800" dirty="0" smtClean="0">
-                <a:latin typeface="Helvetica" charset="0"/>
-                <a:ea typeface="Helvetica" charset="0"/>
-                <a:cs typeface="Helvetica" charset="0"/>
-              </a:rPr>
-              <a:t>graph</a:t>
+              <a:t>Approximates the best path by finding the shortest path in a space-filling graph</a:t>
             </a:r>
           </a:p>
           <a:p>
@@ -6168,17 +6167,6 @@
               <a:buFont typeface="Arial" panose="020B0604020202020204" pitchFamily="34" charset="0"/>
               <a:buChar char="•"/>
             </a:pPr>
-            <a:endParaRPr lang="en-US" sz="2800" dirty="0" smtClean="0">
-              <a:latin typeface="Helvetica" charset="0"/>
-              <a:ea typeface="Helvetica" charset="0"/>
-              <a:cs typeface="Helvetica" charset="0"/>
-            </a:endParaRPr>
-          </a:p>
-          <a:p>
-            <a:pPr marL="514350" indent="-514350" algn="just">
-              <a:buFont typeface="Arial" panose="020B0604020202020204" pitchFamily="34" charset="0"/>
-              <a:buChar char="•"/>
-            </a:pPr>
             <a:endParaRPr lang="en-US" sz="2800" dirty="0">
               <a:latin typeface="Helvetica" charset="0"/>
               <a:ea typeface="Helvetica" charset="0"/>
@@ -6190,7 +6178,18 @@
               <a:buFont typeface="Arial" panose="020B0604020202020204" pitchFamily="34" charset="0"/>
               <a:buChar char="•"/>
             </a:pPr>
-            <a:endParaRPr lang="en-US" sz="2800" dirty="0" smtClean="0">
+            <a:endParaRPr lang="en-US" sz="2800" dirty="0">
+              <a:latin typeface="Helvetica" charset="0"/>
+              <a:ea typeface="Helvetica" charset="0"/>
+              <a:cs typeface="Helvetica" charset="0"/>
+            </a:endParaRPr>
+          </a:p>
+          <a:p>
+            <a:pPr marL="514350" indent="-514350" algn="just">
+              <a:buFont typeface="Arial" panose="020B0604020202020204" pitchFamily="34" charset="0"/>
+              <a:buChar char="•"/>
+            </a:pPr>
+            <a:endParaRPr lang="en-US" sz="2800" dirty="0">
               <a:latin typeface="Helvetica" charset="0"/>
               <a:ea typeface="Helvetica" charset="0"/>
               <a:cs typeface="Helvetica" charset="0"/>
@@ -6232,21 +6231,8 @@
                 <a:ea typeface="Helvetica" charset="0"/>
                 <a:cs typeface="Helvetica" charset="0"/>
               </a:rPr>
-              <a:t>Uses optimization (gradient descent) to stretch and </a:t>
-            </a:r>
-            <a:r>
-              <a:rPr lang="en-US" sz="2800" dirty="0" smtClean="0">
-                <a:latin typeface="Helvetica" charset="0"/>
-                <a:ea typeface="Helvetica" charset="0"/>
-                <a:cs typeface="Helvetica" charset="0"/>
-              </a:rPr>
-              <a:t>smooth, minimizing</a:t>
-            </a:r>
-            <a:endParaRPr lang="en-US" sz="2800" dirty="0">
-              <a:latin typeface="Helvetica" charset="0"/>
-              <a:ea typeface="Helvetica" charset="0"/>
-              <a:cs typeface="Helvetica" charset="0"/>
-            </a:endParaRPr>
+              <a:t>Uses optimization (gradient descent) to stretch and smooth, minimizing</a:t>
+            </a:r>
           </a:p>
           <a:p>
             <a:pPr algn="just"/>
@@ -6261,14 +6247,14 @@
               <a:buFont typeface="Arial" panose="020B0604020202020204" pitchFamily="34" charset="0"/>
               <a:buChar char="•"/>
             </a:pPr>
-            <a:endParaRPr lang="en-US" sz="2800" dirty="0" smtClean="0">
+            <a:endParaRPr lang="en-US" sz="2800" dirty="0">
               <a:latin typeface="Helvetica" charset="0"/>
               <a:ea typeface="Helvetica" charset="0"/>
               <a:cs typeface="Helvetica" charset="0"/>
             </a:endParaRPr>
           </a:p>
           <a:p>
-            <a:pPr marL="457200" indent="-457200" algn="just">
+            <a:pPr marL="457200" indent="-457200">
               <a:lnSpc>
                 <a:spcPct val="150000"/>
               </a:lnSpc>
@@ -6276,42 +6262,13 @@
               <a:buChar char="•"/>
             </a:pPr>
             <a:r>
-              <a:rPr lang="en-US" sz="2800" dirty="0" smtClean="0">
-                <a:latin typeface="Helvetica" charset="0"/>
-                <a:ea typeface="Helvetica" charset="0"/>
-                <a:cs typeface="Helvetica" charset="0"/>
-              </a:rPr>
-              <a:t>Sigmoid </a:t>
-            </a:r>
-            <a:r>
               <a:rPr lang="en-US" sz="2800" dirty="0">
                 <a:latin typeface="Helvetica" charset="0"/>
                 <a:ea typeface="Helvetica" charset="0"/>
                 <a:cs typeface="Helvetica" charset="0"/>
               </a:rPr>
-              <a:t>represents obstacle </a:t>
-            </a:r>
-            <a:r>
-              <a:rPr lang="en-US" sz="2800" dirty="0" smtClean="0">
-                <a:latin typeface="Helvetica" charset="0"/>
-                <a:ea typeface="Helvetica" charset="0"/>
-                <a:cs typeface="Helvetica" charset="0"/>
-              </a:rPr>
-              <a:t>penalty</a:t>
-            </a:r>
-            <a:r>
-              <a:rPr lang="en-US" sz="2800" dirty="0" smtClean="0">
-                <a:latin typeface="Helvetica" charset="0"/>
-                <a:ea typeface="Helvetica" charset="0"/>
-                <a:cs typeface="Helvetica" charset="0"/>
-              </a:rPr>
-              <a:t>. As</a:t>
-            </a:r>
-            <a:endParaRPr lang="en-US" sz="2800" dirty="0" smtClean="0">
-              <a:latin typeface="Helvetica" charset="0"/>
-              <a:ea typeface="Helvetica" charset="0"/>
-              <a:cs typeface="Helvetica" charset="0"/>
-            </a:endParaRPr>
+              <a:t>Sigmoid represents obstacle penalty. As</a:t>
+            </a:r>
           </a:p>
           <a:p>
             <a:pPr algn="just">
@@ -6325,15 +6282,7 @@
                 <a:ea typeface="Helvetica" charset="0"/>
                 <a:cs typeface="Helvetica" charset="0"/>
               </a:rPr>
-              <a:t> </a:t>
-            </a:r>
-            <a:r>
-              <a:rPr lang="en-US" sz="2800" dirty="0" smtClean="0">
-                <a:latin typeface="Helvetica" charset="0"/>
-                <a:ea typeface="Helvetica" charset="0"/>
-                <a:cs typeface="Helvetica" charset="0"/>
-              </a:rPr>
-              <a:t>    gradient descent converges, we send </a:t>
+              <a:t>     gradient descent converges, we send </a:t>
             </a:r>
           </a:p>
           <a:p>
@@ -6343,18 +6292,13 @@
               </a:lnSpc>
             </a:pPr>
             <a:r>
-              <a:rPr lang="en-US" sz="2800" dirty="0" smtClean="0">
+              <a:rPr lang="en-US" sz="2800" dirty="0">
                 <a:latin typeface="Helvetica" charset="0"/>
                 <a:ea typeface="Helvetica" charset="0"/>
                 <a:cs typeface="Helvetica" charset="0"/>
               </a:rPr>
               <a:t>                       hardening the boundary.</a:t>
             </a:r>
-            <a:endParaRPr lang="en-US" sz="2800" dirty="0">
-              <a:latin typeface="Helvetica" charset="0"/>
-              <a:ea typeface="Helvetica" charset="0"/>
-              <a:cs typeface="Helvetica" charset="0"/>
-            </a:endParaRPr>
           </a:p>
         </p:txBody>
       </p:sp>
@@ -6396,8 +6340,8 @@
         </p:nvSpPr>
         <p:spPr>
           <a:xfrm>
-            <a:off x="23545799" y="20726400"/>
-            <a:ext cx="8578829" cy="1015663"/>
+            <a:off x="23427152" y="23417041"/>
+            <a:ext cx="8578829" cy="1631216"/>
           </a:xfrm>
           <a:prstGeom prst="rect">
             <a:avLst/>
@@ -6434,6 +6378,24 @@
                 <a:cs typeface="Helvetica" panose="020B0604020202020204" pitchFamily="34" charset="0"/>
               </a:rPr>
               <a:t>, "Some thoughts on global path optimization", 2017. [Online]. Available: https://guille.site/path-optimization-thoughts.html. [Accessed: 11- Dec- 2017].</a:t>
+            </a:r>
+          </a:p>
+          <a:p>
+            <a:pPr marL="457200" indent="-457200" algn="just">
+              <a:buFont typeface="+mj-lt"/>
+              <a:buAutoNum type="arabicPeriod"/>
+            </a:pPr>
+            <a:r>
+              <a:rPr lang="en-US" sz="2000" dirty="0"/>
+              <a:t>[2]K. Gregory, V. A, V. Pong and P. </a:t>
+            </a:r>
+            <a:r>
+              <a:rPr lang="en-US" sz="2000" dirty="0" err="1"/>
+              <a:t>Abbeel</a:t>
+            </a:r>
+            <a:r>
+              <a:rPr lang="en-US" sz="2000" dirty="0"/>
+              <a:t>, "Uncertainty-Aware Reinforcement Learning for Collision Avoidance", 2017.</a:t>
             </a:r>
             <a:endParaRPr lang="en-US" sz="2000" dirty="0">
               <a:latin typeface="Helvetica" panose="020B0604020202020204" pitchFamily="34" charset="0"/>
@@ -6565,7 +6527,7 @@
           <p:cNvPr id="33" name="TextBox 32">
             <a:extLst>
               <a:ext uri="{FF2B5EF4-FFF2-40B4-BE49-F238E27FC236}">
-                <a16:creationId xmlns:a16="http://schemas.microsoft.com/office/drawing/2014/main" xmlns="" id="{20A35334-65BE-427E-A6B3-FEE9E459E3DE}"/>
+                <a16:creationId xmlns:a16="http://schemas.microsoft.com/office/drawing/2014/main" id="{20A35334-65BE-427E-A6B3-FEE9E459E3DE}"/>
               </a:ext>
             </a:extLst>
           </p:cNvPr>
@@ -6612,39 +6574,11 @@
               <a:buChar char="•"/>
             </a:pPr>
             <a:r>
-              <a:rPr lang="en-US" sz="2800" dirty="0" smtClean="0">
-                <a:latin typeface="Helvetica" panose="020B0604020202020204" pitchFamily="34" charset="0"/>
-                <a:cs typeface="Helvetica" panose="020B0604020202020204" pitchFamily="34" charset="0"/>
-              </a:rPr>
-              <a:t>This t</a:t>
-            </a:r>
-            <a:r>
-              <a:rPr lang="en-US" sz="2800" dirty="0" smtClean="0">
-                <a:latin typeface="Helvetica" panose="020B0604020202020204" pitchFamily="34" charset="0"/>
-                <a:cs typeface="Helvetica" panose="020B0604020202020204" pitchFamily="34" charset="0"/>
-              </a:rPr>
-              <a:t>ask </a:t>
-            </a:r>
-            <a:r>
               <a:rPr lang="en-US" sz="2800" dirty="0">
                 <a:latin typeface="Helvetica" panose="020B0604020202020204" pitchFamily="34" charset="0"/>
                 <a:cs typeface="Helvetica" panose="020B0604020202020204" pitchFamily="34" charset="0"/>
               </a:rPr>
-              <a:t>arises naturally in many vehicle control tasks, </a:t>
-            </a:r>
-            <a:r>
-              <a:rPr lang="en-US" sz="2800" dirty="0" smtClean="0">
-                <a:latin typeface="Helvetica" panose="020B0604020202020204" pitchFamily="34" charset="0"/>
-                <a:cs typeface="Helvetica" panose="020B0604020202020204" pitchFamily="34" charset="0"/>
-              </a:rPr>
-              <a:t>and our approach is modeled after drone </a:t>
-            </a:r>
-            <a:r>
-              <a:rPr lang="en-US" sz="2800" dirty="0">
-                <a:latin typeface="Helvetica" panose="020B0604020202020204" pitchFamily="34" charset="0"/>
-                <a:cs typeface="Helvetica" panose="020B0604020202020204" pitchFamily="34" charset="0"/>
-              </a:rPr>
-              <a:t>navigation</a:t>
+              <a:t>This task arises naturally in many vehicle control tasks, and our approach is modeled after drone navigation</a:t>
             </a:r>
           </a:p>
           <a:p>
@@ -6660,28 +6594,7 @@
                 <a:latin typeface="Helvetica" panose="020B0604020202020204" pitchFamily="34" charset="0"/>
                 <a:cs typeface="Helvetica" panose="020B0604020202020204" pitchFamily="34" charset="0"/>
               </a:rPr>
-              <a:t>Commonly used to </a:t>
-            </a:r>
-            <a:r>
-              <a:rPr lang="en-US" sz="2800" dirty="0" smtClean="0">
-                <a:latin typeface="Helvetica" panose="020B0604020202020204" pitchFamily="34" charset="0"/>
-                <a:cs typeface="Helvetica" panose="020B0604020202020204" pitchFamily="34" charset="0"/>
-              </a:rPr>
-              <a:t>maintain a safe distance  from other </a:t>
-            </a:r>
-            <a:r>
-              <a:rPr lang="en-US" sz="2800" dirty="0">
-                <a:latin typeface="Helvetica" panose="020B0604020202020204" pitchFamily="34" charset="0"/>
-                <a:cs typeface="Helvetica" panose="020B0604020202020204" pitchFamily="34" charset="0"/>
-              </a:rPr>
-              <a:t>aerial </a:t>
-            </a:r>
-            <a:r>
-              <a:rPr lang="en-US" sz="2800" dirty="0" smtClean="0">
-                <a:latin typeface="Helvetica" panose="020B0604020202020204" pitchFamily="34" charset="0"/>
-                <a:cs typeface="Helvetica" panose="020B0604020202020204" pitchFamily="34" charset="0"/>
-              </a:rPr>
-              <a:t>vehicles</a:t>
+              <a:t>Commonly used to maintain a safe distance  from other aerial vehicles</a:t>
             </a:r>
           </a:p>
           <a:p>
@@ -6844,7 +6757,7 @@
           <p:cNvPr id="47" name="Picture 46">
             <a:extLst>
               <a:ext uri="{FF2B5EF4-FFF2-40B4-BE49-F238E27FC236}">
-                <a16:creationId xmlns:a16="http://schemas.microsoft.com/office/drawing/2014/main" xmlns="" id="{BD449CCB-3942-4D83-991F-AA97E1B81955}"/>
+                <a16:creationId xmlns:a16="http://schemas.microsoft.com/office/drawing/2014/main" id="{BD449CCB-3942-4D83-991F-AA97E1B81955}"/>
               </a:ext>
             </a:extLst>
           </p:cNvPr>
@@ -6879,7 +6792,7 @@
           <p:cNvPr id="43" name="TextBox 42">
             <a:extLst>
               <a:ext uri="{FF2B5EF4-FFF2-40B4-BE49-F238E27FC236}">
-                <a16:creationId xmlns:a16="http://schemas.microsoft.com/office/drawing/2014/main" xmlns="" id="{7F9C78A8-1537-4127-9AD4-195CB7F53866}"/>
+                <a16:creationId xmlns:a16="http://schemas.microsoft.com/office/drawing/2014/main" id="{7F9C78A8-1537-4127-9AD4-195CB7F53866}"/>
               </a:ext>
             </a:extLst>
           </p:cNvPr>
@@ -6888,8 +6801,8 @@
         </p:nvSpPr>
         <p:spPr>
           <a:xfrm>
-            <a:off x="23341639" y="13709531"/>
-            <a:ext cx="9028975" cy="954107"/>
+            <a:off x="23341640" y="13190143"/>
+            <a:ext cx="9028975" cy="5293757"/>
           </a:xfrm>
           <a:prstGeom prst="rect">
             <a:avLst/>
@@ -6902,7 +6815,11 @@
           </a:bodyPr>
           <a:lstStyle/>
           <a:p>
-            <a:pPr algn="just"/>
+            <a:pPr algn="just">
+              <a:spcAft>
+                <a:spcPts val="600"/>
+              </a:spcAft>
+            </a:pPr>
             <a:r>
               <a:rPr lang="en-US" sz="2800" dirty="0">
                 <a:latin typeface="Helvetica" charset="0"/>
@@ -6914,6 +6831,9 @@
           </a:p>
           <a:p>
             <a:pPr marL="342900" indent="-342900" algn="just">
+              <a:spcAft>
+                <a:spcPts val="600"/>
+              </a:spcAft>
               <a:buFont typeface="Arial" panose="020B0604020202020204" pitchFamily="34" charset="0"/>
               <a:buChar char="•"/>
             </a:pPr>
@@ -6923,37 +6843,93 @@
                 <a:ea typeface="Helvetica" charset="0"/>
                 <a:cs typeface="Helvetica" charset="0"/>
               </a:rPr>
-              <a:t>Lorem </a:t>
-            </a:r>
-            <a:r>
-              <a:rPr lang="en-US" sz="2800" dirty="0" err="1">
-                <a:latin typeface="Helvetica" charset="0"/>
-                <a:ea typeface="Helvetica" charset="0"/>
-                <a:cs typeface="Helvetica" charset="0"/>
-              </a:rPr>
-              <a:t>impsum</a:t>
-            </a:r>
+              <a:t>We could not train any fitted value iteration model to generate a meaningful model</a:t>
+            </a:r>
+          </a:p>
+          <a:p>
+            <a:pPr marL="342900" indent="-342900" algn="just">
+              <a:spcAft>
+                <a:spcPts val="600"/>
+              </a:spcAft>
+              <a:buFont typeface="Arial" panose="020B0604020202020204" pitchFamily="34" charset="0"/>
+              <a:buChar char="•"/>
+            </a:pPr>
             <a:r>
               <a:rPr lang="en-US" sz="2800" dirty="0">
                 <a:latin typeface="Helvetica" charset="0"/>
                 <a:ea typeface="Helvetica" charset="0"/>
                 <a:cs typeface="Helvetica" charset="0"/>
               </a:rPr>
-              <a:t> </a:t>
-            </a:r>
-            <a:r>
-              <a:rPr lang="en-US" sz="2800" dirty="0" err="1">
+              <a:t>The FPI model achieved surprising success</a:t>
+            </a:r>
+          </a:p>
+          <a:p>
+            <a:pPr marL="2013096" lvl="1" indent="-342900" algn="just">
+              <a:spcAft>
+                <a:spcPts val="600"/>
+              </a:spcAft>
+              <a:buFont typeface="Arial" panose="020B0604020202020204" pitchFamily="34" charset="0"/>
+              <a:buChar char="•"/>
+            </a:pPr>
+            <a:r>
+              <a:rPr lang="en-US" sz="2800" dirty="0">
                 <a:latin typeface="Helvetica" charset="0"/>
                 <a:ea typeface="Helvetica" charset="0"/>
                 <a:cs typeface="Helvetica" charset="0"/>
               </a:rPr>
-              <a:t>dorum</a:t>
-            </a:r>
-            <a:endParaRPr lang="en-US" sz="2800" dirty="0">
-              <a:latin typeface="Helvetica" charset="0"/>
-              <a:ea typeface="Helvetica" charset="0"/>
-              <a:cs typeface="Helvetica" charset="0"/>
-            </a:endParaRPr>
+              <a:t>General models for path planning are possible</a:t>
+            </a:r>
+          </a:p>
+          <a:p>
+            <a:pPr marL="2013096" lvl="1" indent="-342900">
+              <a:spcAft>
+                <a:spcPts val="600"/>
+              </a:spcAft>
+              <a:buFont typeface="Arial" panose="020B0604020202020204" pitchFamily="34" charset="0"/>
+              <a:buChar char="•"/>
+            </a:pPr>
+            <a:r>
+              <a:rPr lang="en-US" sz="2800" dirty="0">
+                <a:latin typeface="Helvetica" charset="0"/>
+                <a:ea typeface="Helvetica" charset="0"/>
+                <a:cs typeface="Helvetica" charset="0"/>
+              </a:rPr>
+              <a:t>Direct policy approximation can replace value approximation in some problems</a:t>
+            </a:r>
+          </a:p>
+          <a:p>
+            <a:pPr marL="342900" indent="-342900" algn="just">
+              <a:spcAft>
+                <a:spcPts val="600"/>
+              </a:spcAft>
+              <a:buFont typeface="Arial" panose="020B0604020202020204" pitchFamily="34" charset="0"/>
+              <a:buChar char="•"/>
+            </a:pPr>
+            <a:r>
+              <a:rPr lang="en-US" sz="2800" dirty="0">
+                <a:latin typeface="Helvetica" charset="0"/>
+                <a:ea typeface="Helvetica" charset="0"/>
+                <a:cs typeface="Helvetica" charset="0"/>
+              </a:rPr>
+              <a:t>The DFPI results underperformed</a:t>
+            </a:r>
+          </a:p>
+          <a:p>
+            <a:pPr marL="2013096" lvl="1" indent="-342900" algn="just">
+              <a:spcAft>
+                <a:spcPts val="600"/>
+              </a:spcAft>
+              <a:buFont typeface="Arial" panose="020B0604020202020204" pitchFamily="34" charset="0"/>
+              <a:buChar char="•"/>
+            </a:pPr>
+            <a:r>
+              <a:rPr lang="en-US" sz="2800" dirty="0">
+                <a:latin typeface="Helvetica" charset="0"/>
+                <a:ea typeface="Helvetica" charset="0"/>
+                <a:cs typeface="Helvetica" charset="0"/>
+              </a:rPr>
+              <a:t>Our neural network architecture failed to capture the feature complexity</a:t>
+            </a:r>
           </a:p>
         </p:txBody>
       </p:sp>
@@ -6962,7 +6938,7 @@
           <p:cNvPr id="5" name="Table 4">
             <a:extLst>
               <a:ext uri="{FF2B5EF4-FFF2-40B4-BE49-F238E27FC236}">
-                <a16:creationId xmlns:a16="http://schemas.microsoft.com/office/drawing/2014/main" xmlns="" id="{9FBBDEDD-B58C-4292-8E0C-3EB95D791C4F}"/>
+                <a16:creationId xmlns:a16="http://schemas.microsoft.com/office/drawing/2014/main" id="{9FBBDEDD-B58C-4292-8E0C-3EB95D791C4F}"/>
               </a:ext>
             </a:extLst>
           </p:cNvPr>
@@ -6972,7 +6948,7 @@
           <p:nvPr>
             <p:extLst>
               <p:ext uri="{D42A27DB-BD31-4B8C-83A1-F6EECF244321}">
-                <p14:modId xmlns:p14="http://schemas.microsoft.com/office/powerpoint/2010/main" val="2335535352"/>
+                <p14:modId xmlns:p14="http://schemas.microsoft.com/office/powerpoint/2010/main" val="937381135"/>
               </p:ext>
             </p:extLst>
           </p:nvPr>
@@ -6991,21 +6967,21 @@
                 <a:gridCol w="2815211">
                   <a:extLst>
                     <a:ext uri="{9D8B030D-6E8A-4147-A177-3AD203B41FA5}">
-                      <a16:colId xmlns:a16="http://schemas.microsoft.com/office/drawing/2014/main" xmlns="" val="7502155"/>
+                      <a16:colId xmlns:a16="http://schemas.microsoft.com/office/drawing/2014/main" val="7502155"/>
                     </a:ext>
                   </a:extLst>
                 </a:gridCol>
                 <a:gridCol w="2815211">
                   <a:extLst>
                     <a:ext uri="{9D8B030D-6E8A-4147-A177-3AD203B41FA5}">
-                      <a16:colId xmlns:a16="http://schemas.microsoft.com/office/drawing/2014/main" xmlns="" val="3360269338"/>
+                      <a16:colId xmlns:a16="http://schemas.microsoft.com/office/drawing/2014/main" val="3360269338"/>
                     </a:ext>
                   </a:extLst>
                 </a:gridCol>
                 <a:gridCol w="2815211">
                   <a:extLst>
                     <a:ext uri="{9D8B030D-6E8A-4147-A177-3AD203B41FA5}">
-                      <a16:colId xmlns:a16="http://schemas.microsoft.com/office/drawing/2014/main" xmlns="" val="3462760015"/>
+                      <a16:colId xmlns:a16="http://schemas.microsoft.com/office/drawing/2014/main" val="3462760015"/>
                     </a:ext>
                   </a:extLst>
                 </a:gridCol>
@@ -7052,7 +7028,7 @@
                 </a:tc>
                 <a:extLst>
                   <a:ext uri="{0D108BD9-81ED-4DB2-BD59-A6C34878D82A}">
-                    <a16:rowId xmlns:a16="http://schemas.microsoft.com/office/drawing/2014/main" xmlns="" val="3802877361"/>
+                    <a16:rowId xmlns:a16="http://schemas.microsoft.com/office/drawing/2014/main" val="3802877361"/>
                   </a:ext>
                 </a:extLst>
               </a:tr>
@@ -7090,7 +7066,7 @@
                     <a:p>
                       <a:r>
                         <a:rPr lang="en-US" sz="2800" dirty="0"/>
-                        <a:t>??</a:t>
+                        <a:t>156.4</a:t>
                       </a:r>
                     </a:p>
                   </a:txBody>
@@ -7098,7 +7074,7 @@
                 </a:tc>
                 <a:extLst>
                   <a:ext uri="{0D108BD9-81ED-4DB2-BD59-A6C34878D82A}">
-                    <a16:rowId xmlns:a16="http://schemas.microsoft.com/office/drawing/2014/main" xmlns="" val="412087516"/>
+                    <a16:rowId xmlns:a16="http://schemas.microsoft.com/office/drawing/2014/main" val="412087516"/>
                   </a:ext>
                 </a:extLst>
               </a:tr>
@@ -7123,7 +7099,7 @@
                     <a:p>
                       <a:r>
                         <a:rPr lang="en-US" sz="2800" dirty="0"/>
-                        <a:t>0.71</a:t>
+                        <a:t>0.88</a:t>
                       </a:r>
                     </a:p>
                   </a:txBody>
@@ -7136,7 +7112,7 @@
                     <a:p>
                       <a:r>
                         <a:rPr lang="en-US" sz="2800" dirty="0"/>
-                        <a:t>340.5</a:t>
+                        <a:t>221.4</a:t>
                       </a:r>
                     </a:p>
                   </a:txBody>
@@ -7144,7 +7120,7 @@
                 </a:tc>
                 <a:extLst>
                   <a:ext uri="{0D108BD9-81ED-4DB2-BD59-A6C34878D82A}">
-                    <a16:rowId xmlns:a16="http://schemas.microsoft.com/office/drawing/2014/main" xmlns="" val="1972306194"/>
+                    <a16:rowId xmlns:a16="http://schemas.microsoft.com/office/drawing/2014/main" val="1972306194"/>
                   </a:ext>
                 </a:extLst>
               </a:tr>
@@ -7167,7 +7143,10 @@
                     <a:bodyPr/>
                     <a:lstStyle/>
                     <a:p>
-                      <a:endParaRPr lang="en-US" sz="2800" dirty="0"/>
+                      <a:r>
+                        <a:rPr lang="en-US" sz="2800" dirty="0"/>
+                        <a:t>??</a:t>
+                      </a:r>
                     </a:p>
                   </a:txBody>
                   <a:tcPr marL="85820" marR="85820" marT="42910" marB="42910"/>
@@ -7177,14 +7156,17 @@
                     <a:bodyPr/>
                     <a:lstStyle/>
                     <a:p>
-                      <a:endParaRPr lang="en-US" sz="2800" dirty="0"/>
+                      <a:r>
+                        <a:rPr lang="en-US" sz="2800" dirty="0"/>
+                        <a:t>??</a:t>
+                      </a:r>
                     </a:p>
                   </a:txBody>
                   <a:tcPr marL="85820" marR="85820" marT="42910" marB="42910"/>
                 </a:tc>
                 <a:extLst>
                   <a:ext uri="{0D108BD9-81ED-4DB2-BD59-A6C34878D82A}">
-                    <a16:rowId xmlns:a16="http://schemas.microsoft.com/office/drawing/2014/main" xmlns="" val="458128511"/>
+                    <a16:rowId xmlns:a16="http://schemas.microsoft.com/office/drawing/2014/main" val="458128511"/>
                   </a:ext>
                 </a:extLst>
               </a:tr>
@@ -7197,7 +7179,7 @@
           <p:cNvPr id="46" name="Rounded Rectangle 24">
             <a:extLst>
               <a:ext uri="{FF2B5EF4-FFF2-40B4-BE49-F238E27FC236}">
-                <a16:creationId xmlns:a16="http://schemas.microsoft.com/office/drawing/2014/main" xmlns="" id="{5410958B-05C5-4126-B86A-88D07603E881}"/>
+                <a16:creationId xmlns:a16="http://schemas.microsoft.com/office/drawing/2014/main" id="{5410958B-05C5-4126-B86A-88D07603E881}"/>
               </a:ext>
             </a:extLst>
           </p:cNvPr>
@@ -7207,7 +7189,7 @@
         <p:spPr>
           <a:xfrm>
             <a:off x="23118546" y="12649917"/>
-            <a:ext cx="9444849" cy="6584379"/>
+            <a:ext cx="9444849" cy="6019083"/>
           </a:xfrm>
           <a:prstGeom prst="roundRect">
             <a:avLst>
@@ -7258,7 +7240,7 @@
           <p:cNvPr id="48" name="TextBox 113">
             <a:extLst>
               <a:ext uri="{FF2B5EF4-FFF2-40B4-BE49-F238E27FC236}">
-                <a16:creationId xmlns:a16="http://schemas.microsoft.com/office/drawing/2014/main" xmlns="" id="{D5EA85A8-438C-4A60-8F4E-04F5DAAFA7D0}"/>
+                <a16:creationId xmlns:a16="http://schemas.microsoft.com/office/drawing/2014/main" id="{D5EA85A8-438C-4A60-8F4E-04F5DAAFA7D0}"/>
               </a:ext>
             </a:extLst>
           </p:cNvPr>
@@ -7435,7 +7417,7 @@
           <p:nvPr/>
         </p:nvPicPr>
         <p:blipFill rotWithShape="1">
-          <a:blip r:embed="rId12">
+          <a:blip r:embed="rId12" cstate="print">
             <a:extLst>
               <a:ext uri="{28A0092B-C50C-407E-A947-70E740481C1C}">
                 <a14:useLocalDpi xmlns:a14="http://schemas.microsoft.com/office/drawing/2010/main" val="0"/>
@@ -7463,7 +7445,7 @@
           </p:cNvPicPr>
           <p:nvPr/>
         </p:nvPicPr>
-        <p:blipFill>
+        <p:blipFill rotWithShape="1">
           <a:blip r:embed="rId13">
             <a:extLst>
               <a:ext uri="{28A0092B-C50C-407E-A947-70E740481C1C}">
@@ -7471,20 +7453,454 @@
               </a:ext>
             </a:extLst>
           </a:blip>
+          <a:srcRect l="8010" t="8287" r="4005" b="7096"/>
+          <a:stretch/>
+        </p:blipFill>
+        <p:spPr>
+          <a:xfrm>
+            <a:off x="33570644" y="4021207"/>
+            <a:ext cx="5571119" cy="5357806"/>
+          </a:xfrm>
+          <a:prstGeom prst="rect">
+            <a:avLst/>
+          </a:prstGeom>
+        </p:spPr>
+      </p:pic>
+      <p:pic>
+        <p:nvPicPr>
+          <p:cNvPr id="13" name="Picture 12">
+            <a:extLst>
+              <a:ext uri="{FF2B5EF4-FFF2-40B4-BE49-F238E27FC236}">
+                <a16:creationId xmlns:a16="http://schemas.microsoft.com/office/drawing/2014/main" id="{13B8AE90-0DB1-4B63-92D4-DD298C0E6DB0}"/>
+              </a:ext>
+            </a:extLst>
+          </p:cNvPr>
+          <p:cNvPicPr>
+            <a:picLocks noChangeAspect="1"/>
+          </p:cNvPicPr>
+          <p:nvPr/>
+        </p:nvPicPr>
+        <p:blipFill>
+          <a:blip r:embed="rId14"/>
           <a:stretch>
             <a:fillRect/>
           </a:stretch>
         </p:blipFill>
         <p:spPr>
           <a:xfrm>
-            <a:off x="25002602" y="7488101"/>
-            <a:ext cx="6400800" cy="6400800"/>
+            <a:off x="33603302" y="9874994"/>
+            <a:ext cx="5538462" cy="5271701"/>
           </a:xfrm>
           <a:prstGeom prst="rect">
             <a:avLst/>
           </a:prstGeom>
         </p:spPr>
       </p:pic>
+      <p:pic>
+        <p:nvPicPr>
+          <p:cNvPr id="16" name="Picture 2" descr="https://lh3.googleusercontent.com/qj9h7itORLotO9Nz2Ju-dUs3G0zrUWbFmypi5ALbQPTmjgWxYBo-mtp4O85lQpZtuMQf7UJmZcgEb9HVPCF42iNtq7DjFGS_wFw0HSsKQAaHo383mJYkEA2Uve8Z__98gVgsEHZ0">
+            <a:extLst>
+              <a:ext uri="{FF2B5EF4-FFF2-40B4-BE49-F238E27FC236}">
+                <a16:creationId xmlns:a16="http://schemas.microsoft.com/office/drawing/2014/main" id="{1401D215-AEE6-43BA-AD02-355BD043BDF3}"/>
+              </a:ext>
+            </a:extLst>
+          </p:cNvPr>
+          <p:cNvPicPr>
+            <a:picLocks noChangeAspect="1" noChangeArrowheads="1"/>
+          </p:cNvPicPr>
+          <p:nvPr/>
+        </p:nvPicPr>
+        <p:blipFill>
+          <a:blip r:embed="rId15">
+            <a:extLst>
+              <a:ext uri="{28A0092B-C50C-407E-A947-70E740481C1C}">
+                <a14:useLocalDpi xmlns:a14="http://schemas.microsoft.com/office/drawing/2010/main" val="0"/>
+              </a:ext>
+            </a:extLst>
+          </a:blip>
+          <a:srcRect/>
+          <a:stretch>
+            <a:fillRect/>
+          </a:stretch>
+        </p:blipFill>
+        <p:spPr bwMode="auto">
+          <a:xfrm>
+            <a:off x="17558812" y="14789394"/>
+            <a:ext cx="4962051" cy="5364380"/>
+          </a:xfrm>
+          <a:prstGeom prst="rect">
+            <a:avLst/>
+          </a:prstGeom>
+          <a:noFill/>
+          <a:extLst>
+            <a:ext uri="{909E8E84-426E-40DD-AFC4-6F175D3DCCD1}">
+              <a14:hiddenFill xmlns:a14="http://schemas.microsoft.com/office/drawing/2010/main">
+                <a:solidFill>
+                  <a:srgbClr val="FFFFFF"/>
+                </a:solidFill>
+              </a14:hiddenFill>
+            </a:ext>
+          </a:extLst>
+        </p:spPr>
+      </p:pic>
+      <p:sp>
+        <p:nvSpPr>
+          <p:cNvPr id="42" name="TextBox 41">
+            <a:extLst>
+              <a:ext uri="{FF2B5EF4-FFF2-40B4-BE49-F238E27FC236}">
+                <a16:creationId xmlns:a16="http://schemas.microsoft.com/office/drawing/2014/main" id="{981E9FF8-7464-4626-8C9F-334767BAA16C}"/>
+              </a:ext>
+            </a:extLst>
+          </p:cNvPr>
+          <p:cNvSpPr txBox="1"/>
+          <p:nvPr/>
+        </p:nvSpPr>
+        <p:spPr>
+          <a:xfrm>
+            <a:off x="18123397" y="20315878"/>
+            <a:ext cx="4037051" cy="523220"/>
+          </a:xfrm>
+          <a:prstGeom prst="rect">
+            <a:avLst/>
+          </a:prstGeom>
+          <a:noFill/>
+        </p:spPr>
+        <p:txBody>
+          <a:bodyPr wrap="square" rtlCol="0">
+            <a:spAutoFit/>
+          </a:bodyPr>
+          <a:lstStyle/>
+          <a:p>
+            <a:pPr algn="just">
+              <a:spcAft>
+                <a:spcPts val="600"/>
+              </a:spcAft>
+            </a:pPr>
+            <a:r>
+              <a:rPr lang="en-US" sz="2800" i="1" dirty="0">
+                <a:latin typeface="Helvetica" charset="0"/>
+                <a:ea typeface="Helvetica" charset="0"/>
+                <a:cs typeface="Helvetica" charset="0"/>
+              </a:rPr>
+              <a:t>Neural Net Architecture</a:t>
+            </a:r>
+          </a:p>
+        </p:txBody>
+      </p:sp>
+      <p:sp>
+        <p:nvSpPr>
+          <p:cNvPr id="44" name="TextBox 43">
+            <a:extLst>
+              <a:ext uri="{FF2B5EF4-FFF2-40B4-BE49-F238E27FC236}">
+                <a16:creationId xmlns:a16="http://schemas.microsoft.com/office/drawing/2014/main" id="{7658E10F-DE12-457F-BAC4-B9E785FF079C}"/>
+              </a:ext>
+            </a:extLst>
+          </p:cNvPr>
+          <p:cNvSpPr txBox="1"/>
+          <p:nvPr/>
+        </p:nvSpPr>
+        <p:spPr>
+          <a:xfrm>
+            <a:off x="23392516" y="19767372"/>
+            <a:ext cx="8822800" cy="2400657"/>
+          </a:xfrm>
+          <a:prstGeom prst="rect">
+            <a:avLst/>
+          </a:prstGeom>
+          <a:noFill/>
+        </p:spPr>
+        <p:txBody>
+          <a:bodyPr wrap="square" rtlCol="0">
+            <a:spAutoFit/>
+          </a:bodyPr>
+          <a:lstStyle/>
+          <a:p>
+            <a:pPr marL="457200" indent="-457200" algn="just">
+              <a:spcAft>
+                <a:spcPts val="600"/>
+              </a:spcAft>
+              <a:buFont typeface="Arial" panose="020B0604020202020204" pitchFamily="34" charset="0"/>
+              <a:buChar char="•"/>
+            </a:pPr>
+            <a:r>
+              <a:rPr lang="en-US" sz="2800" dirty="0">
+                <a:latin typeface="Helvetica" charset="0"/>
+                <a:ea typeface="Helvetica" charset="0"/>
+                <a:cs typeface="Helvetica" charset="0"/>
+              </a:rPr>
+              <a:t>Improve NN architecture to capture problem</a:t>
+            </a:r>
+          </a:p>
+          <a:p>
+            <a:pPr marL="457200" indent="-457200">
+              <a:spcAft>
+                <a:spcPts val="600"/>
+              </a:spcAft>
+              <a:buFont typeface="Arial" panose="020B0604020202020204" pitchFamily="34" charset="0"/>
+              <a:buChar char="•"/>
+            </a:pPr>
+            <a:r>
+              <a:rPr lang="en-US" sz="2800" dirty="0">
+                <a:latin typeface="Helvetica" charset="0"/>
+                <a:ea typeface="Helvetica" charset="0"/>
+                <a:cs typeface="Helvetica" charset="0"/>
+              </a:rPr>
+              <a:t>Address more complex problems (moving obstacles, path smoothness constraints, etc.)</a:t>
+            </a:r>
+          </a:p>
+          <a:p>
+            <a:pPr marL="457200" indent="-457200">
+              <a:spcAft>
+                <a:spcPts val="600"/>
+              </a:spcAft>
+              <a:buFont typeface="Arial" panose="020B0604020202020204" pitchFamily="34" charset="0"/>
+              <a:buChar char="•"/>
+            </a:pPr>
+            <a:r>
+              <a:rPr lang="en-US" sz="2800" dirty="0">
+                <a:latin typeface="Helvetica" charset="0"/>
+                <a:ea typeface="Helvetica" charset="0"/>
+                <a:cs typeface="Helvetica" charset="0"/>
+              </a:rPr>
+              <a:t>Explore fitted policy iteration further, comparing it to fitted value iteration on known problems</a:t>
+            </a:r>
+          </a:p>
+        </p:txBody>
+      </p:sp>
+      <p:sp>
+        <p:nvSpPr>
+          <p:cNvPr id="45" name="Rounded Rectangle 24">
+            <a:extLst>
+              <a:ext uri="{FF2B5EF4-FFF2-40B4-BE49-F238E27FC236}">
+                <a16:creationId xmlns:a16="http://schemas.microsoft.com/office/drawing/2014/main" id="{9BEC0311-BF87-4E88-8DCC-07914F44CBF6}"/>
+              </a:ext>
+            </a:extLst>
+          </p:cNvPr>
+          <p:cNvSpPr/>
+          <p:nvPr/>
+        </p:nvSpPr>
+        <p:spPr>
+          <a:xfrm>
+            <a:off x="23111123" y="18868620"/>
+            <a:ext cx="9444848" cy="3679576"/>
+          </a:xfrm>
+          <a:prstGeom prst="roundRect">
+            <a:avLst>
+              <a:gd name="adj" fmla="val 3786"/>
+            </a:avLst>
+          </a:prstGeom>
+          <a:noFill/>
+          <a:ln w="57150">
+            <a:solidFill>
+              <a:srgbClr val="C00000"/>
+            </a:solidFill>
+          </a:ln>
+        </p:spPr>
+        <p:style>
+          <a:lnRef idx="2">
+            <a:schemeClr val="accent1">
+              <a:shade val="50000"/>
+            </a:schemeClr>
+          </a:lnRef>
+          <a:fillRef idx="1">
+            <a:schemeClr val="accent1"/>
+          </a:fillRef>
+          <a:effectRef idx="0">
+            <a:schemeClr val="accent1"/>
+          </a:effectRef>
+          <a:fontRef idx="minor">
+            <a:schemeClr val="lt1"/>
+          </a:fontRef>
+        </p:style>
+        <p:txBody>
+          <a:bodyPr lIns="78373" tIns="39187" rIns="78373" bIns="39187" anchor="ctr"/>
+          <a:lstStyle/>
+          <a:p>
+            <a:pPr algn="ctr" defTabSz="3134677" eaLnBrk="1" hangingPunct="1">
+              <a:defRPr/>
+            </a:pPr>
+            <a:endParaRPr kumimoji="0" lang="zh-TW" altLang="en-US" sz="5166">
+              <a:solidFill>
+                <a:srgbClr val="FFFFFF"/>
+              </a:solidFill>
+              <a:latin typeface="Helvetica" pitchFamily="34" charset="0"/>
+            </a:endParaRPr>
+          </a:p>
+        </p:txBody>
+      </p:sp>
+      <p:sp>
+        <p:nvSpPr>
+          <p:cNvPr id="49" name="TextBox 113">
+            <a:extLst>
+              <a:ext uri="{FF2B5EF4-FFF2-40B4-BE49-F238E27FC236}">
+                <a16:creationId xmlns:a16="http://schemas.microsoft.com/office/drawing/2014/main" id="{53905A34-984A-4694-A44D-9E5B1292A34D}"/>
+              </a:ext>
+            </a:extLst>
+          </p:cNvPr>
+          <p:cNvSpPr txBox="1">
+            <a:spLocks noChangeArrowheads="1"/>
+          </p:cNvSpPr>
+          <p:nvPr/>
+        </p:nvSpPr>
+        <p:spPr bwMode="auto">
+          <a:xfrm>
+            <a:off x="23334216" y="19020303"/>
+            <a:ext cx="8793178" cy="756248"/>
+          </a:xfrm>
+          <a:prstGeom prst="rect">
+            <a:avLst/>
+          </a:prstGeom>
+          <a:noFill/>
+          <a:ln>
+            <a:noFill/>
+          </a:ln>
+          <a:extLst>
+            <a:ext uri="{909E8E84-426E-40DD-AFC4-6F175D3DCCD1}">
+              <a14:hiddenFill xmlns:a14="http://schemas.microsoft.com/office/drawing/2010/main">
+                <a:solidFill>
+                  <a:srgbClr val="FFFFFF"/>
+                </a:solidFill>
+              </a14:hiddenFill>
+            </a:ext>
+            <a:ext uri="{91240B29-F687-4F45-9708-019B960494DF}">
+              <a14:hiddenLine xmlns:a14="http://schemas.microsoft.com/office/drawing/2010/main" w="9525">
+                <a:solidFill>
+                  <a:srgbClr val="000000"/>
+                </a:solidFill>
+                <a:miter lim="800000"/>
+                <a:headEnd/>
+                <a:tailEnd/>
+              </a14:hiddenLine>
+            </a:ext>
+          </a:extLst>
+        </p:spPr>
+        <p:txBody>
+          <a:bodyPr wrap="square" lIns="78373" tIns="39187" rIns="78373" bIns="39187">
+            <a:spAutoFit/>
+          </a:bodyPr>
+          <a:lstStyle>
+            <a:lvl1pPr eaLnBrk="0" hangingPunct="0">
+              <a:defRPr kumimoji="1" sz="6200">
+                <a:solidFill>
+                  <a:schemeClr val="tx1"/>
+                </a:solidFill>
+                <a:latin typeface="Arial" panose="020B0604020202020204" pitchFamily="34" charset="0"/>
+                <a:ea typeface="PMingLiU" panose="02020500000000000000" pitchFamily="18" charset="-120"/>
+              </a:defRPr>
+            </a:lvl1pPr>
+            <a:lvl2pPr marL="742950" indent="-285750" eaLnBrk="0" hangingPunct="0">
+              <a:defRPr kumimoji="1" sz="6200">
+                <a:solidFill>
+                  <a:schemeClr val="tx1"/>
+                </a:solidFill>
+                <a:latin typeface="Arial" panose="020B0604020202020204" pitchFamily="34" charset="0"/>
+                <a:ea typeface="PMingLiU" panose="02020500000000000000" pitchFamily="18" charset="-120"/>
+              </a:defRPr>
+            </a:lvl2pPr>
+            <a:lvl3pPr marL="1143000" indent="-228600" eaLnBrk="0" hangingPunct="0">
+              <a:defRPr kumimoji="1" sz="6200">
+                <a:solidFill>
+                  <a:schemeClr val="tx1"/>
+                </a:solidFill>
+                <a:latin typeface="Arial" panose="020B0604020202020204" pitchFamily="34" charset="0"/>
+                <a:ea typeface="PMingLiU" panose="02020500000000000000" pitchFamily="18" charset="-120"/>
+              </a:defRPr>
+            </a:lvl3pPr>
+            <a:lvl4pPr marL="1600200" indent="-228600" eaLnBrk="0" hangingPunct="0">
+              <a:defRPr kumimoji="1" sz="6200">
+                <a:solidFill>
+                  <a:schemeClr val="tx1"/>
+                </a:solidFill>
+                <a:latin typeface="Arial" panose="020B0604020202020204" pitchFamily="34" charset="0"/>
+                <a:ea typeface="PMingLiU" panose="02020500000000000000" pitchFamily="18" charset="-120"/>
+              </a:defRPr>
+            </a:lvl4pPr>
+            <a:lvl5pPr marL="2057400" indent="-228600" eaLnBrk="0" hangingPunct="0">
+              <a:defRPr kumimoji="1" sz="6200">
+                <a:solidFill>
+                  <a:schemeClr val="tx1"/>
+                </a:solidFill>
+                <a:latin typeface="Arial" panose="020B0604020202020204" pitchFamily="34" charset="0"/>
+                <a:ea typeface="PMingLiU" panose="02020500000000000000" pitchFamily="18" charset="-120"/>
+              </a:defRPr>
+            </a:lvl5pPr>
+            <a:lvl6pPr marL="2514600" indent="-228600" defTabSz="3133725" eaLnBrk="0" fontAlgn="base" hangingPunct="0">
+              <a:spcBef>
+                <a:spcPct val="0"/>
+              </a:spcBef>
+              <a:spcAft>
+                <a:spcPct val="0"/>
+              </a:spcAft>
+              <a:defRPr kumimoji="1" sz="6200">
+                <a:solidFill>
+                  <a:schemeClr val="tx1"/>
+                </a:solidFill>
+                <a:latin typeface="Arial" panose="020B0604020202020204" pitchFamily="34" charset="0"/>
+                <a:ea typeface="PMingLiU" panose="02020500000000000000" pitchFamily="18" charset="-120"/>
+              </a:defRPr>
+            </a:lvl6pPr>
+            <a:lvl7pPr marL="2971800" indent="-228600" defTabSz="3133725" eaLnBrk="0" fontAlgn="base" hangingPunct="0">
+              <a:spcBef>
+                <a:spcPct val="0"/>
+              </a:spcBef>
+              <a:spcAft>
+                <a:spcPct val="0"/>
+              </a:spcAft>
+              <a:defRPr kumimoji="1" sz="6200">
+                <a:solidFill>
+                  <a:schemeClr val="tx1"/>
+                </a:solidFill>
+                <a:latin typeface="Arial" panose="020B0604020202020204" pitchFamily="34" charset="0"/>
+                <a:ea typeface="PMingLiU" panose="02020500000000000000" pitchFamily="18" charset="-120"/>
+              </a:defRPr>
+            </a:lvl7pPr>
+            <a:lvl8pPr marL="3429000" indent="-228600" defTabSz="3133725" eaLnBrk="0" fontAlgn="base" hangingPunct="0">
+              <a:spcBef>
+                <a:spcPct val="0"/>
+              </a:spcBef>
+              <a:spcAft>
+                <a:spcPct val="0"/>
+              </a:spcAft>
+              <a:defRPr kumimoji="1" sz="6200">
+                <a:solidFill>
+                  <a:schemeClr val="tx1"/>
+                </a:solidFill>
+                <a:latin typeface="Arial" panose="020B0604020202020204" pitchFamily="34" charset="0"/>
+                <a:ea typeface="PMingLiU" panose="02020500000000000000" pitchFamily="18" charset="-120"/>
+              </a:defRPr>
+            </a:lvl8pPr>
+            <a:lvl9pPr marL="3886200" indent="-228600" defTabSz="3133725" eaLnBrk="0" fontAlgn="base" hangingPunct="0">
+              <a:spcBef>
+                <a:spcPct val="0"/>
+              </a:spcBef>
+              <a:spcAft>
+                <a:spcPct val="0"/>
+              </a:spcAft>
+              <a:defRPr kumimoji="1" sz="6200">
+                <a:solidFill>
+                  <a:schemeClr val="tx1"/>
+                </a:solidFill>
+                <a:latin typeface="Arial" panose="020B0604020202020204" pitchFamily="34" charset="0"/>
+                <a:ea typeface="PMingLiU" panose="02020500000000000000" pitchFamily="18" charset="-120"/>
+              </a:defRPr>
+            </a:lvl9pPr>
+          </a:lstStyle>
+          <a:p>
+            <a:pPr algn="ctr" defTabSz="3133475" eaLnBrk="1" hangingPunct="1">
+              <a:defRPr/>
+            </a:pPr>
+            <a:r>
+              <a:rPr kumimoji="0" lang="en-US" altLang="zh-TW" sz="4400" b="1" dirty="0">
+                <a:latin typeface="Helvetica" panose="020B0604020202020204" pitchFamily="34" charset="0"/>
+              </a:rPr>
+              <a:t>Future Work</a:t>
+            </a:r>
+            <a:endParaRPr kumimoji="0" lang="zh-TW" altLang="en-US" sz="4400" b="1" dirty="0">
+              <a:latin typeface="Helvetica" panose="020B0604020202020204" pitchFamily="34" charset="0"/>
+            </a:endParaRPr>
+          </a:p>
+        </p:txBody>
+      </p:sp>
     </p:spTree>
   </p:cSld>
   <p:clrMapOvr>

--- a/poster.pptx
+++ b/poster.pptx
@@ -4388,7 +4388,7 @@
         </p:nvGrpSpPr>
         <p:grpSpPr>
           <a:xfrm>
-            <a:off x="9285514" y="14144250"/>
+            <a:off x="9285514" y="13018801"/>
             <a:ext cx="8304095" cy="6978539"/>
             <a:chOff x="9285514" y="14144250"/>
             <a:chExt cx="8304095" cy="6978539"/>
@@ -4409,7 +4409,7 @@
           <p:spPr>
             <a:xfrm>
               <a:off x="9285514" y="14144250"/>
-              <a:ext cx="8304095" cy="4139595"/>
+              <a:ext cx="8304095" cy="5001369"/>
             </a:xfrm>
             <a:prstGeom prst="rect">
               <a:avLst/>
@@ -6668,7 +6668,7 @@
         </p:nvGrpSpPr>
         <p:grpSpPr>
           <a:xfrm>
-            <a:off x="16967024" y="10737010"/>
+            <a:off x="17287079" y="10737010"/>
             <a:ext cx="4281890" cy="2711912"/>
             <a:chOff x="14097000" y="11277600"/>
             <a:chExt cx="4800600" cy="3124200"/>
@@ -6801,7 +6801,7 @@
         </p:nvSpPr>
         <p:spPr>
           <a:xfrm>
-            <a:off x="23341640" y="13190143"/>
+            <a:off x="23341640" y="13091469"/>
             <a:ext cx="9028975" cy="5293757"/>
           </a:xfrm>
           <a:prstGeom prst="rect">
@@ -7458,38 +7458,8 @@
         </p:blipFill>
         <p:spPr>
           <a:xfrm>
-            <a:off x="33570644" y="4021207"/>
+            <a:off x="34108225" y="3725258"/>
             <a:ext cx="5571119" cy="5357806"/>
-          </a:xfrm>
-          <a:prstGeom prst="rect">
-            <a:avLst/>
-          </a:prstGeom>
-        </p:spPr>
-      </p:pic>
-      <p:pic>
-        <p:nvPicPr>
-          <p:cNvPr id="13" name="Picture 12">
-            <a:extLst>
-              <a:ext uri="{FF2B5EF4-FFF2-40B4-BE49-F238E27FC236}">
-                <a16:creationId xmlns:a16="http://schemas.microsoft.com/office/drawing/2014/main" id="{13B8AE90-0DB1-4B63-92D4-DD298C0E6DB0}"/>
-              </a:ext>
-            </a:extLst>
-          </p:cNvPr>
-          <p:cNvPicPr>
-            <a:picLocks noChangeAspect="1"/>
-          </p:cNvPicPr>
-          <p:nvPr/>
-        </p:nvPicPr>
-        <p:blipFill>
-          <a:blip r:embed="rId14"/>
-          <a:stretch>
-            <a:fillRect/>
-          </a:stretch>
-        </p:blipFill>
-        <p:spPr>
-          <a:xfrm>
-            <a:off x="33603302" y="9874994"/>
-            <a:ext cx="5538462" cy="5271701"/>
           </a:xfrm>
           <a:prstGeom prst="rect">
             <a:avLst/>
@@ -7511,7 +7481,7 @@
           <p:nvPr/>
         </p:nvPicPr>
         <p:blipFill>
-          <a:blip r:embed="rId15">
+          <a:blip r:embed="rId14">
             <a:extLst>
               <a:ext uri="{28A0092B-C50C-407E-A947-70E740481C1C}">
                 <a14:useLocalDpi xmlns:a14="http://schemas.microsoft.com/office/drawing/2010/main" val="0"/>
@@ -7525,7 +7495,7 @@
         </p:blipFill>
         <p:spPr bwMode="auto">
           <a:xfrm>
-            <a:off x="17558812" y="14789394"/>
+            <a:off x="17544491" y="14237198"/>
             <a:ext cx="4962051" cy="5364380"/>
           </a:xfrm>
           <a:prstGeom prst="rect">
@@ -7557,7 +7527,7 @@
         </p:nvSpPr>
         <p:spPr>
           <a:xfrm>
-            <a:off x="18123397" y="20315878"/>
+            <a:off x="18109076" y="19763682"/>
             <a:ext cx="4037051" cy="523220"/>
           </a:xfrm>
           <a:prstGeom prst="rect">
@@ -7898,6 +7868,374 @@
             <a:endParaRPr kumimoji="0" lang="zh-TW" altLang="en-US" sz="4400" b="1" dirty="0">
               <a:latin typeface="Helvetica" panose="020B0604020202020204" pitchFamily="34" charset="0"/>
             </a:endParaRPr>
+          </a:p>
+        </p:txBody>
+      </p:sp>
+      <p:pic>
+        <p:nvPicPr>
+          <p:cNvPr id="21" name="Picture 20">
+            <a:extLst>
+              <a:ext uri="{FF2B5EF4-FFF2-40B4-BE49-F238E27FC236}">
+                <a16:creationId xmlns:a16="http://schemas.microsoft.com/office/drawing/2014/main" id="{81852556-2CB5-4A80-ABA5-15933703430E}"/>
+              </a:ext>
+            </a:extLst>
+          </p:cNvPr>
+          <p:cNvPicPr>
+            <a:picLocks noChangeAspect="1"/>
+          </p:cNvPicPr>
+          <p:nvPr/>
+        </p:nvPicPr>
+        <p:blipFill>
+          <a:blip r:embed="rId15"/>
+          <a:stretch>
+            <a:fillRect/>
+          </a:stretch>
+        </p:blipFill>
+        <p:spPr>
+          <a:xfrm>
+            <a:off x="34137600" y="9874096"/>
+            <a:ext cx="5541744" cy="5273497"/>
+          </a:xfrm>
+          <a:prstGeom prst="rect">
+            <a:avLst/>
+          </a:prstGeom>
+        </p:spPr>
+      </p:pic>
+      <p:grpSp>
+        <p:nvGrpSpPr>
+          <p:cNvPr id="24" name="Group 23">
+            <a:extLst>
+              <a:ext uri="{FF2B5EF4-FFF2-40B4-BE49-F238E27FC236}">
+                <a16:creationId xmlns:a16="http://schemas.microsoft.com/office/drawing/2014/main" id="{4DDDA098-BCA2-4DC3-B9C8-E4AA4FB5CD91}"/>
+              </a:ext>
+            </a:extLst>
+          </p:cNvPr>
+          <p:cNvGrpSpPr/>
+          <p:nvPr/>
+        </p:nvGrpSpPr>
+        <p:grpSpPr>
+          <a:xfrm>
+            <a:off x="10133824" y="21494246"/>
+            <a:ext cx="3027082" cy="3535974"/>
+            <a:chOff x="10237516" y="21491815"/>
+            <a:chExt cx="3027082" cy="3535974"/>
+          </a:xfrm>
+        </p:grpSpPr>
+        <p:pic>
+          <p:nvPicPr>
+            <p:cNvPr id="50" name="Picture 49">
+              <a:extLst>
+                <a:ext uri="{FF2B5EF4-FFF2-40B4-BE49-F238E27FC236}">
+                  <a16:creationId xmlns:a16="http://schemas.microsoft.com/office/drawing/2014/main" id="{85002124-0D21-477C-B9FB-502BD091C806}"/>
+                </a:ext>
+              </a:extLst>
+            </p:cNvPr>
+            <p:cNvPicPr>
+              <a:picLocks noChangeAspect="1"/>
+            </p:cNvPicPr>
+            <p:nvPr/>
+          </p:nvPicPr>
+          <p:blipFill rotWithShape="1">
+            <a:blip r:embed="rId13">
+              <a:extLst>
+                <a:ext uri="{28A0092B-C50C-407E-A947-70E740481C1C}">
+                  <a14:useLocalDpi xmlns:a14="http://schemas.microsoft.com/office/drawing/2010/main" val="0"/>
+                </a:ext>
+              </a:extLst>
+            </a:blip>
+            <a:srcRect l="11380" t="11227" r="69490" b="70018"/>
+            <a:stretch/>
+          </p:blipFill>
+          <p:spPr>
+            <a:xfrm>
+              <a:off x="10237516" y="21491815"/>
+              <a:ext cx="3027082" cy="2967727"/>
+            </a:xfrm>
+            <a:prstGeom prst="rect">
+              <a:avLst/>
+            </a:prstGeom>
+          </p:spPr>
+        </p:pic>
+        <p:sp>
+          <p:nvSpPr>
+            <p:cNvPr id="51" name="TextBox 50">
+              <a:extLst>
+                <a:ext uri="{FF2B5EF4-FFF2-40B4-BE49-F238E27FC236}">
+                  <a16:creationId xmlns:a16="http://schemas.microsoft.com/office/drawing/2014/main" id="{4A8FF56F-E457-44D3-A689-EE2D7FBFDB26}"/>
+                </a:ext>
+              </a:extLst>
+            </p:cNvPr>
+            <p:cNvSpPr txBox="1"/>
+            <p:nvPr/>
+          </p:nvSpPr>
+          <p:spPr>
+            <a:xfrm>
+              <a:off x="10559973" y="24504569"/>
+              <a:ext cx="2218565" cy="523220"/>
+            </a:xfrm>
+            <a:prstGeom prst="rect">
+              <a:avLst/>
+            </a:prstGeom>
+            <a:noFill/>
+          </p:spPr>
+          <p:txBody>
+            <a:bodyPr wrap="square" rtlCol="0">
+              <a:spAutoFit/>
+            </a:bodyPr>
+            <a:lstStyle/>
+            <a:p>
+              <a:pPr algn="ctr">
+                <a:spcAft>
+                  <a:spcPts val="600"/>
+                </a:spcAft>
+              </a:pPr>
+              <a:r>
+                <a:rPr lang="en-US" sz="2800" i="1" dirty="0">
+                  <a:latin typeface="Helvetica" charset="0"/>
+                  <a:ea typeface="Helvetica" charset="0"/>
+                  <a:cs typeface="Helvetica" charset="0"/>
+                </a:rPr>
+                <a:t>Optimization</a:t>
+              </a:r>
+            </a:p>
+          </p:txBody>
+        </p:sp>
+      </p:grpSp>
+      <p:grpSp>
+        <p:nvGrpSpPr>
+          <p:cNvPr id="26" name="Group 25">
+            <a:extLst>
+              <a:ext uri="{FF2B5EF4-FFF2-40B4-BE49-F238E27FC236}">
+                <a16:creationId xmlns:a16="http://schemas.microsoft.com/office/drawing/2014/main" id="{29675C06-454B-4217-A8ED-E4EC1502C53C}"/>
+              </a:ext>
+            </a:extLst>
+          </p:cNvPr>
+          <p:cNvGrpSpPr/>
+          <p:nvPr/>
+        </p:nvGrpSpPr>
+        <p:grpSpPr>
+          <a:xfrm>
+            <a:off x="14116478" y="21481252"/>
+            <a:ext cx="3027082" cy="3548968"/>
+            <a:chOff x="14220170" y="21429426"/>
+            <a:chExt cx="3027082" cy="3548968"/>
+          </a:xfrm>
+        </p:grpSpPr>
+        <p:pic>
+          <p:nvPicPr>
+            <p:cNvPr id="13" name="Picture 12">
+              <a:extLst>
+                <a:ext uri="{FF2B5EF4-FFF2-40B4-BE49-F238E27FC236}">
+                  <a16:creationId xmlns:a16="http://schemas.microsoft.com/office/drawing/2014/main" id="{13B8AE90-0DB1-4B63-92D4-DD298C0E6DB0}"/>
+                </a:ext>
+              </a:extLst>
+            </p:cNvPr>
+            <p:cNvPicPr>
+              <a:picLocks noChangeAspect="1"/>
+            </p:cNvPicPr>
+            <p:nvPr/>
+          </p:nvPicPr>
+          <p:blipFill rotWithShape="1">
+            <a:blip r:embed="rId16"/>
+            <a:srcRect l="6729" t="1295" r="70992" b="75758"/>
+            <a:stretch/>
+          </p:blipFill>
+          <p:spPr>
+            <a:xfrm>
+              <a:off x="14220170" y="21429426"/>
+              <a:ext cx="3027082" cy="2967621"/>
+            </a:xfrm>
+            <a:prstGeom prst="rect">
+              <a:avLst/>
+            </a:prstGeom>
+          </p:spPr>
+        </p:pic>
+        <p:sp>
+          <p:nvSpPr>
+            <p:cNvPr id="52" name="TextBox 51">
+              <a:extLst>
+                <a:ext uri="{FF2B5EF4-FFF2-40B4-BE49-F238E27FC236}">
+                  <a16:creationId xmlns:a16="http://schemas.microsoft.com/office/drawing/2014/main" id="{418D0DDE-180D-4798-8C20-3190B2C24A69}"/>
+                </a:ext>
+              </a:extLst>
+            </p:cNvPr>
+            <p:cNvSpPr txBox="1"/>
+            <p:nvPr/>
+          </p:nvSpPr>
+          <p:spPr>
+            <a:xfrm>
+              <a:off x="15292917" y="24455174"/>
+              <a:ext cx="881587" cy="523220"/>
+            </a:xfrm>
+            <a:prstGeom prst="rect">
+              <a:avLst/>
+            </a:prstGeom>
+            <a:noFill/>
+          </p:spPr>
+          <p:txBody>
+            <a:bodyPr wrap="square" rtlCol="0">
+              <a:spAutoFit/>
+            </a:bodyPr>
+            <a:lstStyle/>
+            <a:p>
+              <a:pPr algn="ctr">
+                <a:spcAft>
+                  <a:spcPts val="600"/>
+                </a:spcAft>
+              </a:pPr>
+              <a:r>
+                <a:rPr lang="en-US" sz="2800" i="1" dirty="0">
+                  <a:latin typeface="Helvetica" charset="0"/>
+                  <a:ea typeface="Helvetica" charset="0"/>
+                  <a:cs typeface="Helvetica" charset="0"/>
+                </a:rPr>
+                <a:t>FPI</a:t>
+              </a:r>
+            </a:p>
+          </p:txBody>
+        </p:sp>
+      </p:grpSp>
+      <p:grpSp>
+        <p:nvGrpSpPr>
+          <p:cNvPr id="27" name="Group 26">
+            <a:extLst>
+              <a:ext uri="{FF2B5EF4-FFF2-40B4-BE49-F238E27FC236}">
+                <a16:creationId xmlns:a16="http://schemas.microsoft.com/office/drawing/2014/main" id="{84CF14C4-7DB5-429C-8B81-211A3962B302}"/>
+              </a:ext>
+            </a:extLst>
+          </p:cNvPr>
+          <p:cNvGrpSpPr/>
+          <p:nvPr/>
+        </p:nvGrpSpPr>
+        <p:grpSpPr>
+          <a:xfrm>
+            <a:off x="18099132" y="21428173"/>
+            <a:ext cx="2990155" cy="3665294"/>
+            <a:chOff x="18202824" y="21344565"/>
+            <a:chExt cx="2990155" cy="3665294"/>
+          </a:xfrm>
+        </p:grpSpPr>
+        <p:sp>
+          <p:nvSpPr>
+            <p:cNvPr id="53" name="TextBox 52">
+              <a:extLst>
+                <a:ext uri="{FF2B5EF4-FFF2-40B4-BE49-F238E27FC236}">
+                  <a16:creationId xmlns:a16="http://schemas.microsoft.com/office/drawing/2014/main" id="{037265A0-4954-40E0-BA8C-2977C477F16C}"/>
+                </a:ext>
+              </a:extLst>
+            </p:cNvPr>
+            <p:cNvSpPr txBox="1"/>
+            <p:nvPr/>
+          </p:nvSpPr>
+          <p:spPr>
+            <a:xfrm>
+              <a:off x="18730439" y="24486639"/>
+              <a:ext cx="2146882" cy="523220"/>
+            </a:xfrm>
+            <a:prstGeom prst="rect">
+              <a:avLst/>
+            </a:prstGeom>
+            <a:noFill/>
+          </p:spPr>
+          <p:txBody>
+            <a:bodyPr wrap="square" rtlCol="0">
+              <a:spAutoFit/>
+            </a:bodyPr>
+            <a:lstStyle/>
+            <a:p>
+              <a:pPr algn="ctr">
+                <a:spcAft>
+                  <a:spcPts val="600"/>
+                </a:spcAft>
+              </a:pPr>
+              <a:r>
+                <a:rPr lang="en-US" sz="2800" i="1" dirty="0">
+                  <a:latin typeface="Helvetica" charset="0"/>
+                  <a:ea typeface="Helvetica" charset="0"/>
+                  <a:cs typeface="Helvetica" charset="0"/>
+                </a:rPr>
+                <a:t>Deep FPI</a:t>
+              </a:r>
+            </a:p>
+          </p:txBody>
+        </p:sp>
+        <p:pic>
+          <p:nvPicPr>
+            <p:cNvPr id="23" name="Picture 22">
+              <a:extLst>
+                <a:ext uri="{FF2B5EF4-FFF2-40B4-BE49-F238E27FC236}">
+                  <a16:creationId xmlns:a16="http://schemas.microsoft.com/office/drawing/2014/main" id="{AEF02A23-F689-47A8-A0C5-013DB156B032}"/>
+                </a:ext>
+              </a:extLst>
+            </p:cNvPr>
+            <p:cNvPicPr>
+              <a:picLocks noChangeAspect="1"/>
+            </p:cNvPicPr>
+            <p:nvPr/>
+          </p:nvPicPr>
+          <p:blipFill rotWithShape="1">
+            <a:blip r:embed="rId17">
+              <a:extLst>
+                <a:ext uri="{28A0092B-C50C-407E-A947-70E740481C1C}">
+                  <a14:useLocalDpi xmlns:a14="http://schemas.microsoft.com/office/drawing/2010/main" val="0"/>
+                </a:ext>
+              </a:extLst>
+            </a:blip>
+            <a:srcRect l="6682" t="375" r="71353" b="76067"/>
+            <a:stretch/>
+          </p:blipFill>
+          <p:spPr>
+            <a:xfrm>
+              <a:off x="18202824" y="21344565"/>
+              <a:ext cx="2990155" cy="3052482"/>
+            </a:xfrm>
+            <a:prstGeom prst="rect">
+              <a:avLst/>
+            </a:prstGeom>
+          </p:spPr>
+        </p:pic>
+      </p:grpSp>
+      <p:sp>
+        <p:nvSpPr>
+          <p:cNvPr id="58" name="TextBox 57">
+            <a:extLst>
+              <a:ext uri="{FF2B5EF4-FFF2-40B4-BE49-F238E27FC236}">
+                <a16:creationId xmlns:a16="http://schemas.microsoft.com/office/drawing/2014/main" id="{E65F6DB4-6947-4E6D-98E4-3950E9013BA5}"/>
+              </a:ext>
+            </a:extLst>
+          </p:cNvPr>
+          <p:cNvSpPr txBox="1"/>
+          <p:nvPr/>
+        </p:nvSpPr>
+        <p:spPr>
+          <a:xfrm>
+            <a:off x="11567112" y="20924419"/>
+            <a:ext cx="7966430" cy="523220"/>
+          </a:xfrm>
+          <a:prstGeom prst="rect">
+            <a:avLst/>
+          </a:prstGeom>
+          <a:noFill/>
+        </p:spPr>
+        <p:txBody>
+          <a:bodyPr wrap="square" rtlCol="0">
+            <a:spAutoFit/>
+          </a:bodyPr>
+          <a:lstStyle/>
+          <a:p>
+            <a:pPr algn="ctr">
+              <a:spcAft>
+                <a:spcPts val="600"/>
+              </a:spcAft>
+            </a:pPr>
+            <a:r>
+              <a:rPr lang="en-US" sz="2800" i="1" dirty="0">
+                <a:latin typeface="Helvetica" charset="0"/>
+                <a:ea typeface="Helvetica" charset="0"/>
+                <a:cs typeface="Helvetica" charset="0"/>
+              </a:rPr>
+              <a:t>Paths generated on one test map (DFPI fails)</a:t>
+            </a:r>
           </a:p>
         </p:txBody>
       </p:sp>

--- a/poster.pptx
+++ b/poster.pptx
@@ -4389,9 +4389,9 @@
         <p:grpSpPr>
           <a:xfrm>
             <a:off x="9285514" y="13018801"/>
-            <a:ext cx="8304095" cy="6978539"/>
+            <a:ext cx="8304095" cy="7115655"/>
             <a:chOff x="9285514" y="14144250"/>
-            <a:chExt cx="8304095" cy="6978539"/>
+            <a:chExt cx="8304095" cy="7115655"/>
           </a:xfrm>
         </p:grpSpPr>
         <p:sp>
@@ -4639,7 +4639,7 @@
           </p:blipFill>
           <p:spPr bwMode="auto">
             <a:xfrm>
-              <a:off x="9973435" y="18465923"/>
+              <a:off x="9942001" y="18598994"/>
               <a:ext cx="6993589" cy="1020803"/>
             </a:xfrm>
             <a:prstGeom prst="rect">
@@ -4671,7 +4671,7 @@
           </p:nvSpPr>
           <p:spPr>
             <a:xfrm>
-              <a:off x="9285514" y="19522351"/>
+              <a:off x="9285514" y="19659467"/>
               <a:ext cx="8293209" cy="1600438"/>
             </a:xfrm>
             <a:prstGeom prst="rect">
@@ -6426,7 +6426,7 @@
         </p:blipFill>
         <p:spPr>
           <a:xfrm>
-            <a:off x="1905000" y="20185707"/>
+            <a:off x="1906571" y="19837278"/>
             <a:ext cx="4758110" cy="4738651"/>
           </a:xfrm>
           <a:prstGeom prst="rect">
@@ -6514,7 +6514,7 @@
         </p:blipFill>
         <p:spPr>
           <a:xfrm>
-            <a:off x="2914904" y="18482447"/>
+            <a:off x="2916475" y="18134018"/>
             <a:ext cx="2672467" cy="1469203"/>
           </a:xfrm>
           <a:prstGeom prst="rect">
@@ -6801,8 +6801,8 @@
         </p:nvSpPr>
         <p:spPr>
           <a:xfrm>
-            <a:off x="23341640" y="13091469"/>
-            <a:ext cx="9028975" cy="5293757"/>
+            <a:off x="23341640" y="13365824"/>
+            <a:ext cx="9028975" cy="4862870"/>
           </a:xfrm>
           <a:prstGeom prst="rect">
             <a:avLst/>
@@ -6864,7 +6864,7 @@
             </a:r>
           </a:p>
           <a:p>
-            <a:pPr marL="2013096" lvl="1" indent="-342900" algn="just">
+            <a:pPr marL="1422400" lvl="1" indent="-406400" algn="just">
               <a:spcAft>
                 <a:spcPts val="600"/>
               </a:spcAft>
@@ -6881,7 +6881,7 @@
             </a:r>
           </a:p>
           <a:p>
-            <a:pPr marL="2013096" lvl="1" indent="-342900">
+            <a:pPr marL="1422400" lvl="1" indent="-406400" algn="just">
               <a:spcAft>
                 <a:spcPts val="600"/>
               </a:spcAft>
@@ -6911,7 +6911,7 @@
                 <a:ea typeface="Helvetica" charset="0"/>
                 <a:cs typeface="Helvetica" charset="0"/>
               </a:rPr>
-              <a:t>The DFPI results underperformed</a:t>
+              <a:t>The DFPI model underperformed significantly</a:t>
             </a:r>
           </a:p>
           <a:p>
@@ -6948,7 +6948,7 @@
           <p:nvPr>
             <p:extLst>
               <p:ext uri="{D42A27DB-BD31-4B8C-83A1-F6EECF244321}">
-                <p14:modId xmlns:p14="http://schemas.microsoft.com/office/powerpoint/2010/main" val="937381135"/>
+                <p14:modId xmlns:p14="http://schemas.microsoft.com/office/powerpoint/2010/main" val="2491631660"/>
               </p:ext>
             </p:extLst>
           </p:nvPr>
@@ -7145,7 +7145,7 @@
                     <a:p>
                       <a:r>
                         <a:rPr lang="en-US" sz="2800" dirty="0"/>
-                        <a:t>??</a:t>
+                        <a:t>0.31</a:t>
                       </a:r>
                     </a:p>
                   </a:txBody>
@@ -7158,7 +7158,7 @@
                     <a:p>
                       <a:r>
                         <a:rPr lang="en-US" sz="2800" dirty="0"/>
-                        <a:t>??</a:t>
+                        <a:t>861.7</a:t>
                       </a:r>
                     </a:p>
                   </a:txBody>
@@ -7439,35 +7439,6 @@
       </p:pic>
       <p:pic>
         <p:nvPicPr>
-          <p:cNvPr id="9" name="Picture 8"/>
-          <p:cNvPicPr>
-            <a:picLocks noChangeAspect="1"/>
-          </p:cNvPicPr>
-          <p:nvPr/>
-        </p:nvPicPr>
-        <p:blipFill rotWithShape="1">
-          <a:blip r:embed="rId13">
-            <a:extLst>
-              <a:ext uri="{28A0092B-C50C-407E-A947-70E740481C1C}">
-                <a14:useLocalDpi xmlns:a14="http://schemas.microsoft.com/office/drawing/2010/main" val="0"/>
-              </a:ext>
-            </a:extLst>
-          </a:blip>
-          <a:srcRect l="8010" t="8287" r="4005" b="7096"/>
-          <a:stretch/>
-        </p:blipFill>
-        <p:spPr>
-          <a:xfrm>
-            <a:off x="34108225" y="3725258"/>
-            <a:ext cx="5571119" cy="5357806"/>
-          </a:xfrm>
-          <a:prstGeom prst="rect">
-            <a:avLst/>
-          </a:prstGeom>
-        </p:spPr>
-      </p:pic>
-      <p:pic>
-        <p:nvPicPr>
           <p:cNvPr id="16" name="Picture 2" descr="https://lh3.googleusercontent.com/qj9h7itORLotO9Nz2Ju-dUs3G0zrUWbFmypi5ALbQPTmjgWxYBo-mtp4O85lQpZtuMQf7UJmZcgEb9HVPCF42iNtq7DjFGS_wFw0HSsKQAaHo383mJYkEA2Uve8Z__98gVgsEHZ0">
             <a:extLst>
               <a:ext uri="{FF2B5EF4-FFF2-40B4-BE49-F238E27FC236}">
@@ -7481,7 +7452,7 @@
           <p:nvPr/>
         </p:nvPicPr>
         <p:blipFill>
-          <a:blip r:embed="rId14">
+          <a:blip r:embed="rId13">
             <a:extLst>
               <a:ext uri="{28A0092B-C50C-407E-A947-70E740481C1C}">
                 <a14:useLocalDpi xmlns:a14="http://schemas.microsoft.com/office/drawing/2010/main" val="0"/>
@@ -7871,36 +7842,6 @@
           </a:p>
         </p:txBody>
       </p:sp>
-      <p:pic>
-        <p:nvPicPr>
-          <p:cNvPr id="21" name="Picture 20">
-            <a:extLst>
-              <a:ext uri="{FF2B5EF4-FFF2-40B4-BE49-F238E27FC236}">
-                <a16:creationId xmlns:a16="http://schemas.microsoft.com/office/drawing/2014/main" id="{81852556-2CB5-4A80-ABA5-15933703430E}"/>
-              </a:ext>
-            </a:extLst>
-          </p:cNvPr>
-          <p:cNvPicPr>
-            <a:picLocks noChangeAspect="1"/>
-          </p:cNvPicPr>
-          <p:nvPr/>
-        </p:nvPicPr>
-        <p:blipFill>
-          <a:blip r:embed="rId15"/>
-          <a:stretch>
-            <a:fillRect/>
-          </a:stretch>
-        </p:blipFill>
-        <p:spPr>
-          <a:xfrm>
-            <a:off x="34137600" y="9874096"/>
-            <a:ext cx="5541744" cy="5273497"/>
-          </a:xfrm>
-          <a:prstGeom prst="rect">
-            <a:avLst/>
-          </a:prstGeom>
-        </p:spPr>
-      </p:pic>
       <p:grpSp>
         <p:nvGrpSpPr>
           <p:cNvPr id="24" name="Group 23">
@@ -7936,7 +7877,7 @@
             <p:nvPr/>
           </p:nvPicPr>
           <p:blipFill rotWithShape="1">
-            <a:blip r:embed="rId13">
+            <a:blip r:embed="rId14">
               <a:extLst>
                 <a:ext uri="{28A0092B-C50C-407E-A947-70E740481C1C}">
                   <a14:useLocalDpi xmlns:a14="http://schemas.microsoft.com/office/drawing/2010/main" val="0"/>
@@ -8036,7 +7977,7 @@
             <p:nvPr/>
           </p:nvPicPr>
           <p:blipFill rotWithShape="1">
-            <a:blip r:embed="rId16"/>
+            <a:blip r:embed="rId15"/>
             <a:srcRect l="6729" t="1295" r="70992" b="75758"/>
             <a:stretch/>
           </p:blipFill>
@@ -8110,9 +8051,9 @@
         <p:grpSpPr>
           <a:xfrm>
             <a:off x="18099132" y="21428173"/>
-            <a:ext cx="2990155" cy="3665294"/>
+            <a:ext cx="2990155" cy="3597102"/>
             <a:chOff x="18202824" y="21344565"/>
-            <a:chExt cx="2990155" cy="3665294"/>
+            <a:chExt cx="2990155" cy="3597102"/>
           </a:xfrm>
         </p:grpSpPr>
         <p:sp>
@@ -8129,7 +8070,7 @@
           </p:nvSpPr>
           <p:spPr>
             <a:xfrm>
-              <a:off x="18730439" y="24486639"/>
+              <a:off x="18723177" y="24418447"/>
               <a:ext cx="2146882" cy="523220"/>
             </a:xfrm>
             <a:prstGeom prst="rect">
@@ -8174,7 +8115,7 @@
             <p:nvPr/>
           </p:nvPicPr>
           <p:blipFill rotWithShape="1">
-            <a:blip r:embed="rId17">
+            <a:blip r:embed="rId16">
               <a:extLst>
                 <a:ext uri="{28A0092B-C50C-407E-A947-70E740481C1C}">
                   <a14:useLocalDpi xmlns:a14="http://schemas.microsoft.com/office/drawing/2010/main" val="0"/>

--- a/poster.pptx
+++ b/poster.pptx
@@ -4379,7 +4379,7 @@
           <p:cNvPr id="8" name="Group 7">
             <a:extLst>
               <a:ext uri="{FF2B5EF4-FFF2-40B4-BE49-F238E27FC236}">
-                <a16:creationId xmlns:a16="http://schemas.microsoft.com/office/drawing/2014/main" id="{2985542E-0337-42E4-9DE0-784157E9AC30}"/>
+                <a16:creationId xmlns:a16="http://schemas.microsoft.com/office/drawing/2014/main" xmlns="" id="{2985542E-0337-42E4-9DE0-784157E9AC30}"/>
               </a:ext>
             </a:extLst>
           </p:cNvPr>
@@ -4389,9 +4389,9 @@
         <p:grpSpPr>
           <a:xfrm>
             <a:off x="9285514" y="13018801"/>
-            <a:ext cx="8304095" cy="7115655"/>
+            <a:ext cx="8304095" cy="7346488"/>
             <a:chOff x="9285514" y="14144250"/>
-            <a:chExt cx="8304095" cy="7115655"/>
+            <a:chExt cx="8304095" cy="7346488"/>
           </a:xfrm>
         </p:grpSpPr>
         <p:sp>
@@ -4399,7 +4399,7 @@
             <p:cNvPr id="36" name="TextBox 35">
               <a:extLst>
                 <a:ext uri="{FF2B5EF4-FFF2-40B4-BE49-F238E27FC236}">
-                  <a16:creationId xmlns:a16="http://schemas.microsoft.com/office/drawing/2014/main" id="{A1529AC7-8E1C-4CB5-B8DC-53E9D5C05110}"/>
+                  <a16:creationId xmlns:a16="http://schemas.microsoft.com/office/drawing/2014/main" xmlns="" id="{A1529AC7-8E1C-4CB5-B8DC-53E9D5C05110}"/>
                 </a:ext>
               </a:extLst>
             </p:cNvPr>
@@ -4567,7 +4567,7 @@
               <a:hlinkClick r:id="" action="ppaction://noaction"/>
               <a:extLst>
                 <a:ext uri="{FF2B5EF4-FFF2-40B4-BE49-F238E27FC236}">
-                  <a16:creationId xmlns:a16="http://schemas.microsoft.com/office/drawing/2014/main" id="{484DA3AD-435B-4BE1-9E8D-C5AC66FA885B}"/>
+                  <a16:creationId xmlns:a16="http://schemas.microsoft.com/office/drawing/2014/main" xmlns="" id="{484DA3AD-435B-4BE1-9E8D-C5AC66FA885B}"/>
                 </a:ext>
               </a:extLst>
             </p:cNvPr>
@@ -4615,7 +4615,7 @@
               <a:hlinkClick r:id="rId4"/>
               <a:extLst>
                 <a:ext uri="{FF2B5EF4-FFF2-40B4-BE49-F238E27FC236}">
-                  <a16:creationId xmlns:a16="http://schemas.microsoft.com/office/drawing/2014/main" id="{9E46EC36-E68A-4DF3-ACAE-673C7C7CC2ED}"/>
+                  <a16:creationId xmlns:a16="http://schemas.microsoft.com/office/drawing/2014/main" xmlns="" id="{9E46EC36-E68A-4DF3-ACAE-673C7C7CC2ED}"/>
                 </a:ext>
               </a:extLst>
             </p:cNvPr>
@@ -4639,7 +4639,7 @@
           </p:blipFill>
           <p:spPr bwMode="auto">
             <a:xfrm>
-              <a:off x="9942001" y="18598994"/>
+              <a:off x="9945918" y="18506450"/>
               <a:ext cx="6993589" cy="1020803"/>
             </a:xfrm>
             <a:prstGeom prst="rect">
@@ -4662,7 +4662,7 @@
             <p:cNvPr id="39" name="TextBox 38">
               <a:extLst>
                 <a:ext uri="{FF2B5EF4-FFF2-40B4-BE49-F238E27FC236}">
-                  <a16:creationId xmlns:a16="http://schemas.microsoft.com/office/drawing/2014/main" id="{A34C754B-4136-4C59-B0A0-0EEB6301249C}"/>
+                  <a16:creationId xmlns:a16="http://schemas.microsoft.com/office/drawing/2014/main" xmlns="" id="{A34C754B-4136-4C59-B0A0-0EEB6301249C}"/>
                 </a:ext>
               </a:extLst>
             </p:cNvPr>
@@ -4672,7 +4672,7 @@
           <p:spPr>
             <a:xfrm>
               <a:off x="9285514" y="19659467"/>
-              <a:ext cx="8293209" cy="1600438"/>
+              <a:ext cx="8293209" cy="1831271"/>
             </a:xfrm>
             <a:prstGeom prst="rect">
               <a:avLst/>
@@ -4690,13 +4690,33 @@
                   <a:spcPct val="150000"/>
                 </a:lnSpc>
               </a:pPr>
+              <a:endParaRPr lang="en-US" sz="1000" b="1" dirty="0" smtClean="0">
+                <a:latin typeface="Helvetica" charset="0"/>
+                <a:ea typeface="Helvetica" charset="0"/>
+                <a:cs typeface="Helvetica" charset="0"/>
+              </a:endParaRPr>
+            </a:p>
+            <a:p>
+              <a:pPr algn="just">
+                <a:lnSpc>
+                  <a:spcPct val="150000"/>
+                </a:lnSpc>
+              </a:pPr>
+              <a:r>
+                <a:rPr lang="en-US" sz="2800" b="1" dirty="0" smtClean="0">
+                  <a:latin typeface="Helvetica" charset="0"/>
+                  <a:ea typeface="Helvetica" charset="0"/>
+                  <a:cs typeface="Helvetica" charset="0"/>
+                </a:rPr>
+                <a:t>Deep </a:t>
+              </a:r>
               <a:r>
                 <a:rPr lang="en-US" sz="2800" b="1" dirty="0">
                   <a:latin typeface="Helvetica" charset="0"/>
                   <a:ea typeface="Helvetica" charset="0"/>
                   <a:cs typeface="Helvetica" charset="0"/>
                 </a:rPr>
-                <a:t>Deep Fitted Policy Iteration (DFPI)</a:t>
+                <a:t>Fitted Policy Iteration (DFPI)</a:t>
               </a:r>
             </a:p>
             <a:p>
@@ -4783,7 +4803,7 @@
         <p:spPr>
           <a:xfrm>
             <a:off x="23111122" y="3615870"/>
-            <a:ext cx="9444849" cy="8728530"/>
+            <a:ext cx="9444849" cy="8464088"/>
           </a:xfrm>
           <a:prstGeom prst="roundRect">
             <a:avLst>
@@ -5188,7 +5208,7 @@
           <p:cNvPr id="35" name="Rounded Rectangle 654">
             <a:extLst>
               <a:ext uri="{FF2B5EF4-FFF2-40B4-BE49-F238E27FC236}">
-                <a16:creationId xmlns:a16="http://schemas.microsoft.com/office/drawing/2014/main" id="{E749ACD6-E9F9-4429-AB23-DDA49C3E06EA}"/>
+                <a16:creationId xmlns:a16="http://schemas.microsoft.com/office/drawing/2014/main" xmlns="" id="{E749ACD6-E9F9-4429-AB23-DDA49C3E06EA}"/>
               </a:ext>
             </a:extLst>
           </p:cNvPr>
@@ -5249,7 +5269,7 @@
           <p:cNvPr id="114" name="Rounded Rectangle 24">
             <a:extLst>
               <a:ext uri="{FF2B5EF4-FFF2-40B4-BE49-F238E27FC236}">
-                <a16:creationId xmlns:a16="http://schemas.microsoft.com/office/drawing/2014/main" id="{8CCF5CB2-8AD1-4F04-8EAA-EF03AD901465}"/>
+                <a16:creationId xmlns:a16="http://schemas.microsoft.com/office/drawing/2014/main" xmlns="" id="{8CCF5CB2-8AD1-4F04-8EAA-EF03AD901465}"/>
               </a:ext>
             </a:extLst>
           </p:cNvPr>
@@ -5310,7 +5330,7 @@
           <p:cNvPr id="115" name="TextBox 113">
             <a:extLst>
               <a:ext uri="{FF2B5EF4-FFF2-40B4-BE49-F238E27FC236}">
-                <a16:creationId xmlns:a16="http://schemas.microsoft.com/office/drawing/2014/main" id="{F02AE63F-7CE3-48DD-8696-389C9282E694}"/>
+                <a16:creationId xmlns:a16="http://schemas.microsoft.com/office/drawing/2014/main" xmlns="" id="{F02AE63F-7CE3-48DD-8696-389C9282E694}"/>
               </a:ext>
             </a:extLst>
           </p:cNvPr>
@@ -5483,7 +5503,7 @@
           <p:cNvPr id="116" name="TextBox 113">
             <a:extLst>
               <a:ext uri="{FF2B5EF4-FFF2-40B4-BE49-F238E27FC236}">
-                <a16:creationId xmlns:a16="http://schemas.microsoft.com/office/drawing/2014/main" id="{31E3D9EC-D379-4B01-AFF3-4F2B190B3937}"/>
+                <a16:creationId xmlns:a16="http://schemas.microsoft.com/office/drawing/2014/main" xmlns="" id="{31E3D9EC-D379-4B01-AFF3-4F2B190B3937}"/>
               </a:ext>
             </a:extLst>
           </p:cNvPr>
@@ -5656,7 +5676,7 @@
           <p:cNvPr id="126" name="TextBox 113">
             <a:extLst>
               <a:ext uri="{FF2B5EF4-FFF2-40B4-BE49-F238E27FC236}">
-                <a16:creationId xmlns:a16="http://schemas.microsoft.com/office/drawing/2014/main" id="{10C3C321-8435-499D-83BD-CE46DFE8C3A3}"/>
+                <a16:creationId xmlns:a16="http://schemas.microsoft.com/office/drawing/2014/main" xmlns="" id="{10C3C321-8435-499D-83BD-CE46DFE8C3A3}"/>
               </a:ext>
             </a:extLst>
           </p:cNvPr>
@@ -5829,7 +5849,7 @@
           <p:cNvPr id="128" name="TextBox 113">
             <a:extLst>
               <a:ext uri="{FF2B5EF4-FFF2-40B4-BE49-F238E27FC236}">
-                <a16:creationId xmlns:a16="http://schemas.microsoft.com/office/drawing/2014/main" id="{35E67E23-ADED-4EB5-AD59-399A47CA488A}"/>
+                <a16:creationId xmlns:a16="http://schemas.microsoft.com/office/drawing/2014/main" xmlns="" id="{35E67E23-ADED-4EB5-AD59-399A47CA488A}"/>
               </a:ext>
             </a:extLst>
           </p:cNvPr>
@@ -5840,7 +5860,7 @@
         </p:nvSpPr>
         <p:spPr bwMode="auto">
           <a:xfrm>
-            <a:off x="697239" y="13831022"/>
+            <a:off x="697239" y="13906833"/>
             <a:ext cx="7246599" cy="756248"/>
           </a:xfrm>
           <a:prstGeom prst="rect">
@@ -6005,8 +6025,8 @@
         </p:nvSpPr>
         <p:spPr>
           <a:xfrm>
-            <a:off x="604131" y="14616456"/>
-            <a:ext cx="7294012" cy="3170099"/>
+            <a:off x="605702" y="14719872"/>
+            <a:ext cx="7294012" cy="2677656"/>
           </a:xfrm>
           <a:prstGeom prst="rect">
             <a:avLst/>
@@ -6019,7 +6039,7 @@
           </a:bodyPr>
           <a:lstStyle/>
           <a:p>
-            <a:pPr marL="342900" indent="-342900" algn="just">
+            <a:pPr marL="342900" indent="-342900">
               <a:buFont typeface="Arial" panose="020B0604020202020204" pitchFamily="34" charset="0"/>
               <a:buChar char="•"/>
             </a:pPr>
@@ -6029,14 +6049,32 @@
                 <a:ea typeface="Helvetica" charset="0"/>
                 <a:cs typeface="Helvetica" charset="0"/>
               </a:rPr>
-              <a:t>Randomly generated with 1-8 circular obstacles</a:t>
-            </a:r>
-          </a:p>
-          <a:p>
-            <a:pPr marL="342900" indent="-342900" algn="just">
-              <a:buFont typeface="Arial" panose="020B0604020202020204" pitchFamily="34" charset="0"/>
-              <a:buChar char="•"/>
-            </a:pPr>
+              <a:t>Randomly generated with </a:t>
+            </a:r>
+            <a:r>
+              <a:rPr lang="en-US" sz="2800" dirty="0" smtClean="0">
+                <a:latin typeface="Helvetica" charset="0"/>
+                <a:ea typeface="Helvetica" charset="0"/>
+                <a:cs typeface="Helvetica" charset="0"/>
+              </a:rPr>
+              <a:t>1-8 </a:t>
+            </a:r>
+            <a:r>
+              <a:rPr lang="en-US" sz="2800" dirty="0">
+                <a:latin typeface="Helvetica" charset="0"/>
+                <a:ea typeface="Helvetica" charset="0"/>
+                <a:cs typeface="Helvetica" charset="0"/>
+              </a:rPr>
+              <a:t>circular </a:t>
+            </a:r>
+            <a:r>
+              <a:rPr lang="en-US" sz="2800" dirty="0" smtClean="0">
+                <a:latin typeface="Helvetica" charset="0"/>
+                <a:ea typeface="Helvetica" charset="0"/>
+                <a:cs typeface="Helvetica" charset="0"/>
+              </a:rPr>
+              <a:t>obstacles</a:t>
+            </a:r>
             <a:endParaRPr lang="en-US" sz="1600" dirty="0">
               <a:latin typeface="Helvetica" charset="0"/>
               <a:ea typeface="Helvetica" charset="0"/>
@@ -6056,8 +6094,6 @@
               </a:rPr>
               <a:t>Rejected obstacles covering endpoints. </a:t>
             </a:r>
-          </a:p>
-          <a:p>
             <a:endParaRPr lang="en-US" sz="1600" dirty="0">
               <a:latin typeface="Helvetica" charset="0"/>
               <a:ea typeface="Helvetica" charset="0"/>
@@ -6097,7 +6133,7 @@
         <p:spPr>
           <a:xfrm>
             <a:off x="9296400" y="4877986"/>
-            <a:ext cx="12877800" cy="7632859"/>
+            <a:ext cx="12877800" cy="7201972"/>
           </a:xfrm>
           <a:prstGeom prst="rect">
             <a:avLst/>
@@ -6235,7 +6271,11 @@
             </a:r>
           </a:p>
           <a:p>
-            <a:pPr algn="just"/>
+            <a:pPr algn="just">
+              <a:lnSpc>
+                <a:spcPct val="150000"/>
+              </a:lnSpc>
+            </a:pPr>
             <a:endParaRPr lang="en-US" sz="2800" dirty="0">
               <a:latin typeface="Helvetica" charset="0"/>
               <a:ea typeface="Helvetica" charset="0"/>
@@ -6255,9 +6295,6 @@
           </a:p>
           <a:p>
             <a:pPr marL="457200" indent="-457200">
-              <a:lnSpc>
-                <a:spcPct val="150000"/>
-              </a:lnSpc>
               <a:buFont typeface="Arial" panose="020B0604020202020204" pitchFamily="34" charset="0"/>
               <a:buChar char="•"/>
             </a:pPr>
@@ -6271,11 +6308,7 @@
             </a:r>
           </a:p>
           <a:p>
-            <a:pPr algn="just">
-              <a:lnSpc>
-                <a:spcPct val="150000"/>
-              </a:lnSpc>
-            </a:pPr>
+            <a:pPr algn="just"/>
             <a:r>
               <a:rPr lang="en-US" sz="2800" dirty="0">
                 <a:latin typeface="Helvetica" charset="0"/>
@@ -6286,11 +6319,7 @@
             </a:r>
           </a:p>
           <a:p>
-            <a:pPr algn="just">
-              <a:lnSpc>
-                <a:spcPct val="150000"/>
-              </a:lnSpc>
-            </a:pPr>
+            <a:pPr algn="just"/>
             <a:r>
               <a:rPr lang="en-US" sz="2800" dirty="0">
                 <a:latin typeface="Helvetica" charset="0"/>
@@ -6363,7 +6392,21 @@
                 <a:latin typeface="Helvetica" panose="020B0604020202020204" pitchFamily="34" charset="0"/>
                 <a:cs typeface="Helvetica" panose="020B0604020202020204" pitchFamily="34" charset="0"/>
               </a:rPr>
-              <a:t>[1]G. </a:t>
+              <a:t>[1</a:t>
+            </a:r>
+            <a:r>
+              <a:rPr lang="en-US" sz="2000" dirty="0" smtClean="0">
+                <a:latin typeface="Helvetica" panose="020B0604020202020204" pitchFamily="34" charset="0"/>
+                <a:cs typeface="Helvetica" panose="020B0604020202020204" pitchFamily="34" charset="0"/>
+              </a:rPr>
+              <a:t>] G</a:t>
+            </a:r>
+            <a:r>
+              <a:rPr lang="en-US" sz="2000" dirty="0">
+                <a:latin typeface="Helvetica" panose="020B0604020202020204" pitchFamily="34" charset="0"/>
+                <a:cs typeface="Helvetica" panose="020B0604020202020204" pitchFamily="34" charset="0"/>
+              </a:rPr>
+              <a:t>. </a:t>
             </a:r>
             <a:r>
               <a:rPr lang="en-US" sz="2000" dirty="0" err="1">
@@ -6387,7 +6430,15 @@
             </a:pPr>
             <a:r>
               <a:rPr lang="en-US" sz="2000" dirty="0"/>
-              <a:t>[2]K. Gregory, V. A, V. Pong and P. </a:t>
+              <a:t>[2</a:t>
+            </a:r>
+            <a:r>
+              <a:rPr lang="en-US" sz="2000" dirty="0" smtClean="0"/>
+              <a:t>] K</a:t>
+            </a:r>
+            <a:r>
+              <a:rPr lang="en-US" sz="2000" dirty="0"/>
+              <a:t>. Gregory, V. A, V. Pong and P. </a:t>
             </a:r>
             <a:r>
               <a:rPr lang="en-US" sz="2000" dirty="0" err="1"/>
@@ -6426,8 +6477,8 @@
         </p:blipFill>
         <p:spPr>
           <a:xfrm>
-            <a:off x="1906571" y="19837278"/>
-            <a:ext cx="4758110" cy="4738651"/>
+            <a:off x="1810693" y="19776551"/>
+            <a:ext cx="5094003" cy="5073170"/>
           </a:xfrm>
           <a:prstGeom prst="rect">
             <a:avLst/>
@@ -6514,8 +6565,8 @@
         </p:blipFill>
         <p:spPr>
           <a:xfrm>
-            <a:off x="2916475" y="18134018"/>
-            <a:ext cx="2672467" cy="1469203"/>
+            <a:off x="2889629" y="17777656"/>
+            <a:ext cx="2936132" cy="1614154"/>
           </a:xfrm>
           <a:prstGeom prst="rect">
             <a:avLst/>
@@ -6527,7 +6578,7 @@
           <p:cNvPr id="33" name="TextBox 32">
             <a:extLst>
               <a:ext uri="{FF2B5EF4-FFF2-40B4-BE49-F238E27FC236}">
-                <a16:creationId xmlns:a16="http://schemas.microsoft.com/office/drawing/2014/main" id="{20A35334-65BE-427E-A6B3-FEE9E459E3DE}"/>
+                <a16:creationId xmlns:a16="http://schemas.microsoft.com/office/drawing/2014/main" xmlns="" id="{20A35334-65BE-427E-A6B3-FEE9E459E3DE}"/>
               </a:ext>
             </a:extLst>
           </p:cNvPr>
@@ -6537,7 +6588,7 @@
         <p:spPr>
           <a:xfrm>
             <a:off x="704012" y="4705621"/>
-            <a:ext cx="7294012" cy="8309967"/>
+            <a:ext cx="7294012" cy="8663910"/>
           </a:xfrm>
           <a:prstGeom prst="rect">
             <a:avLst/>
@@ -6578,8 +6629,33 @@
                 <a:latin typeface="Helvetica" panose="020B0604020202020204" pitchFamily="34" charset="0"/>
                 <a:cs typeface="Helvetica" panose="020B0604020202020204" pitchFamily="34" charset="0"/>
               </a:rPr>
-              <a:t>This task arises naturally in many vehicle control tasks, and our approach is modeled after drone navigation</a:t>
-            </a:r>
+              <a:t>This task arises naturally in many vehicle control </a:t>
+            </a:r>
+            <a:r>
+              <a:rPr lang="en-US" sz="2800" dirty="0" smtClean="0">
+                <a:latin typeface="Helvetica" panose="020B0604020202020204" pitchFamily="34" charset="0"/>
+                <a:cs typeface="Helvetica" panose="020B0604020202020204" pitchFamily="34" charset="0"/>
+              </a:rPr>
+              <a:t>tasks. Our approach </a:t>
+            </a:r>
+            <a:r>
+              <a:rPr lang="en-US" sz="2800" dirty="0">
+                <a:latin typeface="Helvetica" panose="020B0604020202020204" pitchFamily="34" charset="0"/>
+                <a:cs typeface="Helvetica" panose="020B0604020202020204" pitchFamily="34" charset="0"/>
+              </a:rPr>
+              <a:t>is modeled after drone </a:t>
+            </a:r>
+            <a:r>
+              <a:rPr lang="en-US" sz="2800" dirty="0" smtClean="0">
+                <a:latin typeface="Helvetica" panose="020B0604020202020204" pitchFamily="34" charset="0"/>
+                <a:cs typeface="Helvetica" panose="020B0604020202020204" pitchFamily="34" charset="0"/>
+              </a:rPr>
+              <a:t>navigation, where the goal is to find a shortest path.</a:t>
+            </a:r>
+            <a:endParaRPr lang="en-US" sz="2800" dirty="0">
+              <a:latin typeface="Helvetica" panose="020B0604020202020204" pitchFamily="34" charset="0"/>
+              <a:cs typeface="Helvetica" panose="020B0604020202020204" pitchFamily="34" charset="0"/>
+            </a:endParaRPr>
           </a:p>
           <a:p>
             <a:pPr marL="342900" indent="-342900">
@@ -6589,13 +6665,10 @@
               <a:buFont typeface="Arial" panose="020B0604020202020204" pitchFamily="34" charset="0"/>
               <a:buChar char="•"/>
             </a:pPr>
-            <a:r>
-              <a:rPr lang="en-US" sz="2800" dirty="0">
-                <a:latin typeface="Helvetica" panose="020B0604020202020204" pitchFamily="34" charset="0"/>
-                <a:cs typeface="Helvetica" panose="020B0604020202020204" pitchFamily="34" charset="0"/>
-              </a:rPr>
-              <a:t>Commonly used to maintain a safe distance  from other aerial vehicles</a:t>
-            </a:r>
+            <a:endParaRPr lang="en-US" sz="2800" dirty="0">
+              <a:latin typeface="Helvetica" panose="020B0604020202020204" pitchFamily="34" charset="0"/>
+              <a:cs typeface="Helvetica" panose="020B0604020202020204" pitchFamily="34" charset="0"/>
+            </a:endParaRPr>
           </a:p>
           <a:p>
             <a:pPr marL="342900" indent="-342900">
@@ -6605,10 +6678,13 @@
               <a:buFont typeface="Arial" panose="020B0604020202020204" pitchFamily="34" charset="0"/>
               <a:buChar char="•"/>
             </a:pPr>
-            <a:endParaRPr lang="en-US" sz="2800" dirty="0">
-              <a:latin typeface="Helvetica" panose="020B0604020202020204" pitchFamily="34" charset="0"/>
-              <a:cs typeface="Helvetica" panose="020B0604020202020204" pitchFamily="34" charset="0"/>
-            </a:endParaRPr>
+            <a:r>
+              <a:rPr lang="en-US" sz="2800" dirty="0">
+                <a:latin typeface="Helvetica" panose="020B0604020202020204" pitchFamily="34" charset="0"/>
+                <a:cs typeface="Helvetica" panose="020B0604020202020204" pitchFamily="34" charset="0"/>
+              </a:rPr>
+              <a:t>Classical techniques often rely on simplifying assumptions and require a new solution each time the environment changes</a:t>
+            </a:r>
           </a:p>
           <a:p>
             <a:pPr marL="342900" indent="-342900">
@@ -6619,12 +6695,30 @@
               <a:buChar char="•"/>
             </a:pPr>
             <a:r>
+              <a:rPr lang="en-US" sz="2800" dirty="0" smtClean="0">
+                <a:latin typeface="Helvetica" panose="020B0604020202020204" pitchFamily="34" charset="0"/>
+                <a:cs typeface="Helvetica" panose="020B0604020202020204" pitchFamily="34" charset="0"/>
+              </a:rPr>
+              <a:t>A solution </a:t>
+            </a:r>
+            <a:r>
               <a:rPr lang="en-US" sz="2800" dirty="0">
                 <a:latin typeface="Helvetica" panose="020B0604020202020204" pitchFamily="34" charset="0"/>
                 <a:cs typeface="Helvetica" panose="020B0604020202020204" pitchFamily="34" charset="0"/>
               </a:rPr>
-              <a:t>Classical techniques often rely on simplifying assumptions and require a new solution each time the environment changes</a:t>
-            </a:r>
+              <a:t>that makes fewer assumptions and generalizes well over different </a:t>
+            </a:r>
+            <a:r>
+              <a:rPr lang="en-US" sz="2800" dirty="0" smtClean="0">
+                <a:latin typeface="Helvetica" panose="020B0604020202020204" pitchFamily="34" charset="0"/>
+                <a:cs typeface="Helvetica" panose="020B0604020202020204" pitchFamily="34" charset="0"/>
+              </a:rPr>
+              <a:t>environments is preferable</a:t>
+            </a:r>
+            <a:endParaRPr lang="en-US" sz="2800" dirty="0">
+              <a:latin typeface="Helvetica" panose="020B0604020202020204" pitchFamily="34" charset="0"/>
+              <a:cs typeface="Helvetica" panose="020B0604020202020204" pitchFamily="34" charset="0"/>
+            </a:endParaRPr>
           </a:p>
           <a:p>
             <a:pPr marL="342900" indent="-342900">
@@ -6639,24 +6733,19 @@
                 <a:latin typeface="Helvetica" panose="020B0604020202020204" pitchFamily="34" charset="0"/>
                 <a:cs typeface="Helvetica" panose="020B0604020202020204" pitchFamily="34" charset="0"/>
               </a:rPr>
-              <a:t>Prefer a solution that makes fewer assumptions and generalizes well over different environments</a:t>
-            </a:r>
-          </a:p>
-          <a:p>
-            <a:pPr marL="342900" indent="-342900">
-              <a:spcAft>
-                <a:spcPts val="600"/>
-              </a:spcAft>
-              <a:buFont typeface="Arial" panose="020B0604020202020204" pitchFamily="34" charset="0"/>
-              <a:buChar char="•"/>
-            </a:pPr>
-            <a:r>
-              <a:rPr lang="en-US" sz="2800" dirty="0">
+              <a:t>Reinforcement learning techniques can implicitly learn a general </a:t>
+            </a:r>
+            <a:r>
+              <a:rPr lang="en-US" sz="2800" dirty="0" smtClean="0">
                 <a:latin typeface="Helvetica" panose="020B0604020202020204" pitchFamily="34" charset="0"/>
                 <a:cs typeface="Helvetica" panose="020B0604020202020204" pitchFamily="34" charset="0"/>
               </a:rPr>
-              <a:t>Reinforcement learning techniques can implicitly learn a general solution</a:t>
-            </a:r>
+              <a:t>solution, and have more potential for extension to dynamic environments</a:t>
+            </a:r>
+            <a:endParaRPr lang="en-US" sz="2800" dirty="0">
+              <a:latin typeface="Helvetica" panose="020B0604020202020204" pitchFamily="34" charset="0"/>
+              <a:cs typeface="Helvetica" panose="020B0604020202020204" pitchFamily="34" charset="0"/>
+            </a:endParaRPr>
           </a:p>
         </p:txBody>
       </p:sp>
@@ -6668,8 +6757,8 @@
         </p:nvGrpSpPr>
         <p:grpSpPr>
           <a:xfrm>
-            <a:off x="17287079" y="10737010"/>
-            <a:ext cx="4281890" cy="2711912"/>
+            <a:off x="16902931" y="10748157"/>
+            <a:ext cx="4125121" cy="2484219"/>
             <a:chOff x="14097000" y="11277600"/>
             <a:chExt cx="4800600" cy="3124200"/>
           </a:xfrm>
@@ -6757,7 +6846,7 @@
           <p:cNvPr id="47" name="Picture 46">
             <a:extLst>
               <a:ext uri="{FF2B5EF4-FFF2-40B4-BE49-F238E27FC236}">
-                <a16:creationId xmlns:a16="http://schemas.microsoft.com/office/drawing/2014/main" id="{BD449CCB-3942-4D83-991F-AA97E1B81955}"/>
+                <a16:creationId xmlns:a16="http://schemas.microsoft.com/office/drawing/2014/main" xmlns="" id="{BD449CCB-3942-4D83-991F-AA97E1B81955}"/>
               </a:ext>
             </a:extLst>
           </p:cNvPr>
@@ -6787,158 +6876,12 @@
           </a:prstGeom>
         </p:spPr>
       </p:pic>
-      <p:sp>
-        <p:nvSpPr>
-          <p:cNvPr id="43" name="TextBox 42">
-            <a:extLst>
-              <a:ext uri="{FF2B5EF4-FFF2-40B4-BE49-F238E27FC236}">
-                <a16:creationId xmlns:a16="http://schemas.microsoft.com/office/drawing/2014/main" id="{7F9C78A8-1537-4127-9AD4-195CB7F53866}"/>
-              </a:ext>
-            </a:extLst>
-          </p:cNvPr>
-          <p:cNvSpPr txBox="1"/>
-          <p:nvPr/>
-        </p:nvSpPr>
-        <p:spPr>
-          <a:xfrm>
-            <a:off x="23341640" y="13365824"/>
-            <a:ext cx="9028975" cy="4862870"/>
-          </a:xfrm>
-          <a:prstGeom prst="rect">
-            <a:avLst/>
-          </a:prstGeom>
-          <a:noFill/>
-        </p:spPr>
-        <p:txBody>
-          <a:bodyPr wrap="square" rtlCol="0">
-            <a:spAutoFit/>
-          </a:bodyPr>
-          <a:lstStyle/>
-          <a:p>
-            <a:pPr algn="just">
-              <a:spcAft>
-                <a:spcPts val="600"/>
-              </a:spcAft>
-            </a:pPr>
-            <a:r>
-              <a:rPr lang="en-US" sz="2800" dirty="0">
-                <a:latin typeface="Helvetica" charset="0"/>
-                <a:ea typeface="Helvetica" charset="0"/>
-                <a:cs typeface="Helvetica" charset="0"/>
-              </a:rPr>
-              <a:t>. </a:t>
-            </a:r>
-          </a:p>
-          <a:p>
-            <a:pPr marL="342900" indent="-342900" algn="just">
-              <a:spcAft>
-                <a:spcPts val="600"/>
-              </a:spcAft>
-              <a:buFont typeface="Arial" panose="020B0604020202020204" pitchFamily="34" charset="0"/>
-              <a:buChar char="•"/>
-            </a:pPr>
-            <a:r>
-              <a:rPr lang="en-US" sz="2800" dirty="0">
-                <a:latin typeface="Helvetica" charset="0"/>
-                <a:ea typeface="Helvetica" charset="0"/>
-                <a:cs typeface="Helvetica" charset="0"/>
-              </a:rPr>
-              <a:t>We could not train any fitted value iteration model to generate a meaningful model</a:t>
-            </a:r>
-          </a:p>
-          <a:p>
-            <a:pPr marL="342900" indent="-342900" algn="just">
-              <a:spcAft>
-                <a:spcPts val="600"/>
-              </a:spcAft>
-              <a:buFont typeface="Arial" panose="020B0604020202020204" pitchFamily="34" charset="0"/>
-              <a:buChar char="•"/>
-            </a:pPr>
-            <a:r>
-              <a:rPr lang="en-US" sz="2800" dirty="0">
-                <a:latin typeface="Helvetica" charset="0"/>
-                <a:ea typeface="Helvetica" charset="0"/>
-                <a:cs typeface="Helvetica" charset="0"/>
-              </a:rPr>
-              <a:t>The FPI model achieved surprising success</a:t>
-            </a:r>
-          </a:p>
-          <a:p>
-            <a:pPr marL="1422400" lvl="1" indent="-406400" algn="just">
-              <a:spcAft>
-                <a:spcPts val="600"/>
-              </a:spcAft>
-              <a:buFont typeface="Arial" panose="020B0604020202020204" pitchFamily="34" charset="0"/>
-              <a:buChar char="•"/>
-            </a:pPr>
-            <a:r>
-              <a:rPr lang="en-US" sz="2800" dirty="0">
-                <a:latin typeface="Helvetica" charset="0"/>
-                <a:ea typeface="Helvetica" charset="0"/>
-                <a:cs typeface="Helvetica" charset="0"/>
-              </a:rPr>
-              <a:t>General models for path planning are possible</a:t>
-            </a:r>
-          </a:p>
-          <a:p>
-            <a:pPr marL="1422400" lvl="1" indent="-406400" algn="just">
-              <a:spcAft>
-                <a:spcPts val="600"/>
-              </a:spcAft>
-              <a:buFont typeface="Arial" panose="020B0604020202020204" pitchFamily="34" charset="0"/>
-              <a:buChar char="•"/>
-            </a:pPr>
-            <a:r>
-              <a:rPr lang="en-US" sz="2800" dirty="0">
-                <a:latin typeface="Helvetica" charset="0"/>
-                <a:ea typeface="Helvetica" charset="0"/>
-                <a:cs typeface="Helvetica" charset="0"/>
-              </a:rPr>
-              <a:t>Direct policy approximation can replace value approximation in some problems</a:t>
-            </a:r>
-          </a:p>
-          <a:p>
-            <a:pPr marL="342900" indent="-342900" algn="just">
-              <a:spcAft>
-                <a:spcPts val="600"/>
-              </a:spcAft>
-              <a:buFont typeface="Arial" panose="020B0604020202020204" pitchFamily="34" charset="0"/>
-              <a:buChar char="•"/>
-            </a:pPr>
-            <a:r>
-              <a:rPr lang="en-US" sz="2800" dirty="0">
-                <a:latin typeface="Helvetica" charset="0"/>
-                <a:ea typeface="Helvetica" charset="0"/>
-                <a:cs typeface="Helvetica" charset="0"/>
-              </a:rPr>
-              <a:t>The DFPI model underperformed significantly</a:t>
-            </a:r>
-          </a:p>
-          <a:p>
-            <a:pPr marL="2013096" lvl="1" indent="-342900" algn="just">
-              <a:spcAft>
-                <a:spcPts val="600"/>
-              </a:spcAft>
-              <a:buFont typeface="Arial" panose="020B0604020202020204" pitchFamily="34" charset="0"/>
-              <a:buChar char="•"/>
-            </a:pPr>
-            <a:r>
-              <a:rPr lang="en-US" sz="2800" dirty="0">
-                <a:latin typeface="Helvetica" charset="0"/>
-                <a:ea typeface="Helvetica" charset="0"/>
-                <a:cs typeface="Helvetica" charset="0"/>
-              </a:rPr>
-              <a:t>Our neural network architecture failed to capture the feature complexity</a:t>
-            </a:r>
-          </a:p>
-        </p:txBody>
-      </p:sp>
       <p:graphicFrame>
         <p:nvGraphicFramePr>
           <p:cNvPr id="5" name="Table 4">
             <a:extLst>
               <a:ext uri="{FF2B5EF4-FFF2-40B4-BE49-F238E27FC236}">
-                <a16:creationId xmlns:a16="http://schemas.microsoft.com/office/drawing/2014/main" id="{9FBBDEDD-B58C-4292-8E0C-3EB95D791C4F}"/>
+                <a16:creationId xmlns:a16="http://schemas.microsoft.com/office/drawing/2014/main" xmlns="" id="{9FBBDEDD-B58C-4292-8E0C-3EB95D791C4F}"/>
               </a:ext>
             </a:extLst>
           </p:cNvPr>
@@ -6967,21 +6910,21 @@
                 <a:gridCol w="2815211">
                   <a:extLst>
                     <a:ext uri="{9D8B030D-6E8A-4147-A177-3AD203B41FA5}">
-                      <a16:colId xmlns:a16="http://schemas.microsoft.com/office/drawing/2014/main" val="7502155"/>
+                      <a16:colId xmlns:a16="http://schemas.microsoft.com/office/drawing/2014/main" xmlns="" val="7502155"/>
                     </a:ext>
                   </a:extLst>
                 </a:gridCol>
                 <a:gridCol w="2815211">
                   <a:extLst>
                     <a:ext uri="{9D8B030D-6E8A-4147-A177-3AD203B41FA5}">
-                      <a16:colId xmlns:a16="http://schemas.microsoft.com/office/drawing/2014/main" val="3360269338"/>
+                      <a16:colId xmlns:a16="http://schemas.microsoft.com/office/drawing/2014/main" xmlns="" val="3360269338"/>
                     </a:ext>
                   </a:extLst>
                 </a:gridCol>
                 <a:gridCol w="2815211">
                   <a:extLst>
                     <a:ext uri="{9D8B030D-6E8A-4147-A177-3AD203B41FA5}">
-                      <a16:colId xmlns:a16="http://schemas.microsoft.com/office/drawing/2014/main" val="3462760015"/>
+                      <a16:colId xmlns:a16="http://schemas.microsoft.com/office/drawing/2014/main" xmlns="" val="3462760015"/>
                     </a:ext>
                   </a:extLst>
                 </a:gridCol>
@@ -7028,7 +6971,7 @@
                 </a:tc>
                 <a:extLst>
                   <a:ext uri="{0D108BD9-81ED-4DB2-BD59-A6C34878D82A}">
-                    <a16:rowId xmlns:a16="http://schemas.microsoft.com/office/drawing/2014/main" val="3802877361"/>
+                    <a16:rowId xmlns:a16="http://schemas.microsoft.com/office/drawing/2014/main" xmlns="" val="3802877361"/>
                   </a:ext>
                 </a:extLst>
               </a:tr>
@@ -7074,7 +7017,7 @@
                 </a:tc>
                 <a:extLst>
                   <a:ext uri="{0D108BD9-81ED-4DB2-BD59-A6C34878D82A}">
-                    <a16:rowId xmlns:a16="http://schemas.microsoft.com/office/drawing/2014/main" val="412087516"/>
+                    <a16:rowId xmlns:a16="http://schemas.microsoft.com/office/drawing/2014/main" xmlns="" val="412087516"/>
                   </a:ext>
                 </a:extLst>
               </a:tr>
@@ -7120,7 +7063,7 @@
                 </a:tc>
                 <a:extLst>
                   <a:ext uri="{0D108BD9-81ED-4DB2-BD59-A6C34878D82A}">
-                    <a16:rowId xmlns:a16="http://schemas.microsoft.com/office/drawing/2014/main" val="1972306194"/>
+                    <a16:rowId xmlns:a16="http://schemas.microsoft.com/office/drawing/2014/main" xmlns="" val="1972306194"/>
                   </a:ext>
                 </a:extLst>
               </a:tr>
@@ -7166,7 +7109,7 @@
                 </a:tc>
                 <a:extLst>
                   <a:ext uri="{0D108BD9-81ED-4DB2-BD59-A6C34878D82A}">
-                    <a16:rowId xmlns:a16="http://schemas.microsoft.com/office/drawing/2014/main" val="458128511"/>
+                    <a16:rowId xmlns:a16="http://schemas.microsoft.com/office/drawing/2014/main" xmlns="" val="458128511"/>
                   </a:ext>
                 </a:extLst>
               </a:tr>
@@ -7179,7 +7122,7 @@
           <p:cNvPr id="46" name="Rounded Rectangle 24">
             <a:extLst>
               <a:ext uri="{FF2B5EF4-FFF2-40B4-BE49-F238E27FC236}">
-                <a16:creationId xmlns:a16="http://schemas.microsoft.com/office/drawing/2014/main" id="{5410958B-05C5-4126-B86A-88D07603E881}"/>
+                <a16:creationId xmlns:a16="http://schemas.microsoft.com/office/drawing/2014/main" xmlns="" id="{5410958B-05C5-4126-B86A-88D07603E881}"/>
               </a:ext>
             </a:extLst>
           </p:cNvPr>
@@ -7188,8 +7131,8 @@
         </p:nvSpPr>
         <p:spPr>
           <a:xfrm>
-            <a:off x="23118546" y="12649917"/>
-            <a:ext cx="9444849" cy="6019083"/>
+            <a:off x="23118546" y="12264465"/>
+            <a:ext cx="9444849" cy="6404536"/>
           </a:xfrm>
           <a:prstGeom prst="roundRect">
             <a:avLst>
@@ -7240,7 +7183,7 @@
           <p:cNvPr id="48" name="TextBox 113">
             <a:extLst>
               <a:ext uri="{FF2B5EF4-FFF2-40B4-BE49-F238E27FC236}">
-                <a16:creationId xmlns:a16="http://schemas.microsoft.com/office/drawing/2014/main" id="{D5EA85A8-438C-4A60-8F4E-04F5DAAFA7D0}"/>
+                <a16:creationId xmlns:a16="http://schemas.microsoft.com/office/drawing/2014/main" xmlns="" id="{D5EA85A8-438C-4A60-8F4E-04F5DAAFA7D0}"/>
               </a:ext>
             </a:extLst>
           </p:cNvPr>
@@ -7251,7 +7194,7 @@
         </p:nvSpPr>
         <p:spPr bwMode="auto">
           <a:xfrm>
-            <a:off x="23341640" y="12801600"/>
+            <a:off x="23341640" y="12621831"/>
             <a:ext cx="8998660" cy="756248"/>
           </a:xfrm>
           <a:prstGeom prst="rect">
@@ -7429,8 +7372,8 @@
         </p:blipFill>
         <p:spPr>
           <a:xfrm>
-            <a:off x="9796213" y="11888327"/>
-            <a:ext cx="1608962" cy="409278"/>
+            <a:off x="9945918" y="11602716"/>
+            <a:ext cx="1412759" cy="359369"/>
           </a:xfrm>
           <a:prstGeom prst="rect">
             <a:avLst/>
@@ -7442,7 +7385,7 @@
           <p:cNvPr id="16" name="Picture 2" descr="https://lh3.googleusercontent.com/qj9h7itORLotO9Nz2Ju-dUs3G0zrUWbFmypi5ALbQPTmjgWxYBo-mtp4O85lQpZtuMQf7UJmZcgEb9HVPCF42iNtq7DjFGS_wFw0HSsKQAaHo383mJYkEA2Uve8Z__98gVgsEHZ0">
             <a:extLst>
               <a:ext uri="{FF2B5EF4-FFF2-40B4-BE49-F238E27FC236}">
-                <a16:creationId xmlns:a16="http://schemas.microsoft.com/office/drawing/2014/main" id="{1401D215-AEE6-43BA-AD02-355BD043BDF3}"/>
+                <a16:creationId xmlns:a16="http://schemas.microsoft.com/office/drawing/2014/main" xmlns="" id="{1401D215-AEE6-43BA-AD02-355BD043BDF3}"/>
               </a:ext>
             </a:extLst>
           </p:cNvPr>
@@ -7489,7 +7432,7 @@
           <p:cNvPr id="42" name="TextBox 41">
             <a:extLst>
               <a:ext uri="{FF2B5EF4-FFF2-40B4-BE49-F238E27FC236}">
-                <a16:creationId xmlns:a16="http://schemas.microsoft.com/office/drawing/2014/main" id="{981E9FF8-7464-4626-8C9F-334767BAA16C}"/>
+                <a16:creationId xmlns:a16="http://schemas.microsoft.com/office/drawing/2014/main" xmlns="" id="{981E9FF8-7464-4626-8C9F-334767BAA16C}"/>
               </a:ext>
             </a:extLst>
           </p:cNvPr>
@@ -7533,7 +7476,7 @@
           <p:cNvPr id="44" name="TextBox 43">
             <a:extLst>
               <a:ext uri="{FF2B5EF4-FFF2-40B4-BE49-F238E27FC236}">
-                <a16:creationId xmlns:a16="http://schemas.microsoft.com/office/drawing/2014/main" id="{7658E10F-DE12-457F-BAC4-B9E785FF079C}"/>
+                <a16:creationId xmlns:a16="http://schemas.microsoft.com/office/drawing/2014/main" xmlns="" id="{7658E10F-DE12-457F-BAC4-B9E785FF079C}"/>
               </a:ext>
             </a:extLst>
           </p:cNvPr>
@@ -7542,8 +7485,8 @@
         </p:nvSpPr>
         <p:spPr>
           <a:xfrm>
-            <a:off x="23392516" y="19767372"/>
-            <a:ext cx="8822800" cy="2400657"/>
+            <a:off x="23392515" y="19767372"/>
+            <a:ext cx="8957971" cy="2400657"/>
           </a:xfrm>
           <a:prstGeom prst="rect">
             <a:avLst/>
@@ -7569,8 +7512,21 @@
                 <a:ea typeface="Helvetica" charset="0"/>
                 <a:cs typeface="Helvetica" charset="0"/>
               </a:rPr>
-              <a:t>Improve NN architecture to capture problem</a:t>
-            </a:r>
+              <a:t>Improve NN architecture to capture </a:t>
+            </a:r>
+            <a:r>
+              <a:rPr lang="en-US" sz="2800" dirty="0" smtClean="0">
+                <a:latin typeface="Helvetica" charset="0"/>
+                <a:ea typeface="Helvetica" charset="0"/>
+                <a:cs typeface="Helvetica" charset="0"/>
+              </a:rPr>
+              <a:t>relevant features</a:t>
+            </a:r>
+            <a:endParaRPr lang="en-US" sz="2800" dirty="0">
+              <a:latin typeface="Helvetica" charset="0"/>
+              <a:ea typeface="Helvetica" charset="0"/>
+              <a:cs typeface="Helvetica" charset="0"/>
+            </a:endParaRPr>
           </a:p>
           <a:p>
             <a:pPr marL="457200" indent="-457200">
@@ -7613,7 +7569,7 @@
           <p:cNvPr id="45" name="Rounded Rectangle 24">
             <a:extLst>
               <a:ext uri="{FF2B5EF4-FFF2-40B4-BE49-F238E27FC236}">
-                <a16:creationId xmlns:a16="http://schemas.microsoft.com/office/drawing/2014/main" id="{9BEC0311-BF87-4E88-8DCC-07914F44CBF6}"/>
+                <a16:creationId xmlns:a16="http://schemas.microsoft.com/office/drawing/2014/main" xmlns="" id="{9BEC0311-BF87-4E88-8DCC-07914F44CBF6}"/>
               </a:ext>
             </a:extLst>
           </p:cNvPr>
@@ -7674,7 +7630,7 @@
           <p:cNvPr id="49" name="TextBox 113">
             <a:extLst>
               <a:ext uri="{FF2B5EF4-FFF2-40B4-BE49-F238E27FC236}">
-                <a16:creationId xmlns:a16="http://schemas.microsoft.com/office/drawing/2014/main" id="{53905A34-984A-4694-A44D-9E5B1292A34D}"/>
+                <a16:creationId xmlns:a16="http://schemas.microsoft.com/office/drawing/2014/main" xmlns="" id="{53905A34-984A-4694-A44D-9E5B1292A34D}"/>
               </a:ext>
             </a:extLst>
           </p:cNvPr>
@@ -7847,7 +7803,7 @@
           <p:cNvPr id="24" name="Group 23">
             <a:extLst>
               <a:ext uri="{FF2B5EF4-FFF2-40B4-BE49-F238E27FC236}">
-                <a16:creationId xmlns:a16="http://schemas.microsoft.com/office/drawing/2014/main" id="{4DDDA098-BCA2-4DC3-B9C8-E4AA4FB5CD91}"/>
+                <a16:creationId xmlns:a16="http://schemas.microsoft.com/office/drawing/2014/main" xmlns="" id="{4DDDA098-BCA2-4DC3-B9C8-E4AA4FB5CD91}"/>
               </a:ext>
             </a:extLst>
           </p:cNvPr>
@@ -7867,7 +7823,7 @@
             <p:cNvPr id="50" name="Picture 49">
               <a:extLst>
                 <a:ext uri="{FF2B5EF4-FFF2-40B4-BE49-F238E27FC236}">
-                  <a16:creationId xmlns:a16="http://schemas.microsoft.com/office/drawing/2014/main" id="{85002124-0D21-477C-B9FB-502BD091C806}"/>
+                  <a16:creationId xmlns:a16="http://schemas.microsoft.com/office/drawing/2014/main" xmlns="" id="{85002124-0D21-477C-B9FB-502BD091C806}"/>
                 </a:ext>
               </a:extLst>
             </p:cNvPr>
@@ -7902,7 +7858,7 @@
             <p:cNvPr id="51" name="TextBox 50">
               <a:extLst>
                 <a:ext uri="{FF2B5EF4-FFF2-40B4-BE49-F238E27FC236}">
-                  <a16:creationId xmlns:a16="http://schemas.microsoft.com/office/drawing/2014/main" id="{4A8FF56F-E457-44D3-A689-EE2D7FBFDB26}"/>
+                  <a16:creationId xmlns:a16="http://schemas.microsoft.com/office/drawing/2014/main" xmlns="" id="{4A8FF56F-E457-44D3-A689-EE2D7FBFDB26}"/>
                 </a:ext>
               </a:extLst>
             </p:cNvPr>
@@ -7947,7 +7903,7 @@
           <p:cNvPr id="26" name="Group 25">
             <a:extLst>
               <a:ext uri="{FF2B5EF4-FFF2-40B4-BE49-F238E27FC236}">
-                <a16:creationId xmlns:a16="http://schemas.microsoft.com/office/drawing/2014/main" id="{29675C06-454B-4217-A8ED-E4EC1502C53C}"/>
+                <a16:creationId xmlns:a16="http://schemas.microsoft.com/office/drawing/2014/main" xmlns="" id="{29675C06-454B-4217-A8ED-E4EC1502C53C}"/>
               </a:ext>
             </a:extLst>
           </p:cNvPr>
@@ -7967,7 +7923,7 @@
             <p:cNvPr id="13" name="Picture 12">
               <a:extLst>
                 <a:ext uri="{FF2B5EF4-FFF2-40B4-BE49-F238E27FC236}">
-                  <a16:creationId xmlns:a16="http://schemas.microsoft.com/office/drawing/2014/main" id="{13B8AE90-0DB1-4B63-92D4-DD298C0E6DB0}"/>
+                  <a16:creationId xmlns:a16="http://schemas.microsoft.com/office/drawing/2014/main" xmlns="" id="{13B8AE90-0DB1-4B63-92D4-DD298C0E6DB0}"/>
                 </a:ext>
               </a:extLst>
             </p:cNvPr>
@@ -7996,7 +7952,7 @@
             <p:cNvPr id="52" name="TextBox 51">
               <a:extLst>
                 <a:ext uri="{FF2B5EF4-FFF2-40B4-BE49-F238E27FC236}">
-                  <a16:creationId xmlns:a16="http://schemas.microsoft.com/office/drawing/2014/main" id="{418D0DDE-180D-4798-8C20-3190B2C24A69}"/>
+                  <a16:creationId xmlns:a16="http://schemas.microsoft.com/office/drawing/2014/main" xmlns="" id="{418D0DDE-180D-4798-8C20-3190B2C24A69}"/>
                 </a:ext>
               </a:extLst>
             </p:cNvPr>
@@ -8041,7 +7997,7 @@
           <p:cNvPr id="27" name="Group 26">
             <a:extLst>
               <a:ext uri="{FF2B5EF4-FFF2-40B4-BE49-F238E27FC236}">
-                <a16:creationId xmlns:a16="http://schemas.microsoft.com/office/drawing/2014/main" id="{84CF14C4-7DB5-429C-8B81-211A3962B302}"/>
+                <a16:creationId xmlns:a16="http://schemas.microsoft.com/office/drawing/2014/main" xmlns="" id="{84CF14C4-7DB5-429C-8B81-211A3962B302}"/>
               </a:ext>
             </a:extLst>
           </p:cNvPr>
@@ -8061,7 +8017,7 @@
             <p:cNvPr id="53" name="TextBox 52">
               <a:extLst>
                 <a:ext uri="{FF2B5EF4-FFF2-40B4-BE49-F238E27FC236}">
-                  <a16:creationId xmlns:a16="http://schemas.microsoft.com/office/drawing/2014/main" id="{037265A0-4954-40E0-BA8C-2977C477F16C}"/>
+                  <a16:creationId xmlns:a16="http://schemas.microsoft.com/office/drawing/2014/main" xmlns="" id="{037265A0-4954-40E0-BA8C-2977C477F16C}"/>
                 </a:ext>
               </a:extLst>
             </p:cNvPr>
@@ -8105,7 +8061,7 @@
             <p:cNvPr id="23" name="Picture 22">
               <a:extLst>
                 <a:ext uri="{FF2B5EF4-FFF2-40B4-BE49-F238E27FC236}">
-                  <a16:creationId xmlns:a16="http://schemas.microsoft.com/office/drawing/2014/main" id="{AEF02A23-F689-47A8-A0C5-013DB156B032}"/>
+                  <a16:creationId xmlns:a16="http://schemas.microsoft.com/office/drawing/2014/main" xmlns="" id="{AEF02A23-F689-47A8-A0C5-013DB156B032}"/>
                 </a:ext>
               </a:extLst>
             </p:cNvPr>
@@ -8141,7 +8097,7 @@
           <p:cNvPr id="58" name="TextBox 57">
             <a:extLst>
               <a:ext uri="{FF2B5EF4-FFF2-40B4-BE49-F238E27FC236}">
-                <a16:creationId xmlns:a16="http://schemas.microsoft.com/office/drawing/2014/main" id="{E65F6DB4-6947-4E6D-98E4-3950E9013BA5}"/>
+                <a16:creationId xmlns:a16="http://schemas.microsoft.com/office/drawing/2014/main" xmlns="" id="{E65F6DB4-6947-4E6D-98E4-3950E9013BA5}"/>
               </a:ext>
             </a:extLst>
           </p:cNvPr>
@@ -8177,6 +8133,240 @@
               </a:rPr>
               <a:t>Paths generated on one test map (DFPI fails)</a:t>
             </a:r>
+          </a:p>
+        </p:txBody>
+      </p:sp>
+      <p:sp>
+        <p:nvSpPr>
+          <p:cNvPr id="54" name="TextBox 53">
+            <a:extLst>
+              <a:ext uri="{FF2B5EF4-FFF2-40B4-BE49-F238E27FC236}">
+                <a16:creationId xmlns:a16="http://schemas.microsoft.com/office/drawing/2014/main" xmlns="" id="{7F9C78A8-1537-4127-9AD4-195CB7F53866}"/>
+              </a:ext>
+            </a:extLst>
+          </p:cNvPr>
+          <p:cNvSpPr txBox="1"/>
+          <p:nvPr/>
+        </p:nvSpPr>
+        <p:spPr>
+          <a:xfrm>
+            <a:off x="23275274" y="13001829"/>
+            <a:ext cx="9028975" cy="5370701"/>
+          </a:xfrm>
+          <a:prstGeom prst="rect">
+            <a:avLst/>
+          </a:prstGeom>
+          <a:noFill/>
+        </p:spPr>
+        <p:txBody>
+          <a:bodyPr wrap="square" rtlCol="0">
+            <a:spAutoFit/>
+          </a:bodyPr>
+          <a:lstStyle/>
+          <a:p>
+            <a:pPr algn="just">
+              <a:spcAft>
+                <a:spcPts val="600"/>
+              </a:spcAft>
+            </a:pPr>
+            <a:r>
+              <a:rPr lang="en-US" sz="2800" dirty="0" smtClean="0">
+                <a:latin typeface="Helvetica" charset="0"/>
+                <a:ea typeface="Helvetica" charset="0"/>
+                <a:cs typeface="Helvetica" charset="0"/>
+              </a:rPr>
+              <a:t>. </a:t>
+            </a:r>
+          </a:p>
+          <a:p>
+            <a:pPr marL="342900" indent="-342900" algn="just">
+              <a:spcAft>
+                <a:spcPts val="600"/>
+              </a:spcAft>
+              <a:buFont typeface="Arial" panose="020B0604020202020204" pitchFamily="34" charset="0"/>
+              <a:buChar char="•"/>
+            </a:pPr>
+            <a:r>
+              <a:rPr lang="en-US" sz="2800" dirty="0" smtClean="0">
+                <a:latin typeface="Helvetica" charset="0"/>
+                <a:ea typeface="Helvetica" charset="0"/>
+                <a:cs typeface="Helvetica" charset="0"/>
+              </a:rPr>
+              <a:t>We could not train any fitted value iteration model to generate a </a:t>
+            </a:r>
+            <a:r>
+              <a:rPr lang="en-US" sz="2800" dirty="0">
+                <a:latin typeface="Helvetica" charset="0"/>
+                <a:ea typeface="Helvetica" charset="0"/>
+                <a:cs typeface="Helvetica" charset="0"/>
+              </a:rPr>
+              <a:t>meaningful </a:t>
+            </a:r>
+            <a:r>
+              <a:rPr lang="en-US" sz="2800" dirty="0" smtClean="0">
+                <a:latin typeface="Helvetica" charset="0"/>
+                <a:ea typeface="Helvetica" charset="0"/>
+                <a:cs typeface="Helvetica" charset="0"/>
+              </a:rPr>
+              <a:t>model</a:t>
+            </a:r>
+            <a:endParaRPr lang="en-US" sz="2800" dirty="0">
+              <a:latin typeface="Helvetica" charset="0"/>
+              <a:ea typeface="Helvetica" charset="0"/>
+              <a:cs typeface="Helvetica" charset="0"/>
+            </a:endParaRPr>
+          </a:p>
+          <a:p>
+            <a:pPr marL="1422400" lvl="1" indent="-406400" algn="just">
+              <a:spcAft>
+                <a:spcPts val="600"/>
+              </a:spcAft>
+              <a:buFont typeface="Arial" panose="020B0604020202020204" pitchFamily="34" charset="0"/>
+              <a:buChar char="•"/>
+            </a:pPr>
+            <a:r>
+              <a:rPr lang="en-US" sz="2800" dirty="0" smtClean="0">
+                <a:latin typeface="Helvetica" charset="0"/>
+                <a:ea typeface="Helvetica" charset="0"/>
+                <a:cs typeface="Helvetica" charset="0"/>
+              </a:rPr>
+              <a:t>WHY</a:t>
+            </a:r>
+            <a:endParaRPr lang="en-US" sz="2800" dirty="0" smtClean="0">
+              <a:latin typeface="Helvetica" charset="0"/>
+              <a:ea typeface="Helvetica" charset="0"/>
+              <a:cs typeface="Helvetica" charset="0"/>
+            </a:endParaRPr>
+          </a:p>
+          <a:p>
+            <a:pPr marL="342900" indent="-342900" algn="just">
+              <a:spcAft>
+                <a:spcPts val="600"/>
+              </a:spcAft>
+              <a:buFont typeface="Arial" panose="020B0604020202020204" pitchFamily="34" charset="0"/>
+              <a:buChar char="•"/>
+            </a:pPr>
+            <a:r>
+              <a:rPr lang="en-US" sz="2800" dirty="0" smtClean="0">
+                <a:latin typeface="Helvetica" charset="0"/>
+                <a:ea typeface="Helvetica" charset="0"/>
+                <a:cs typeface="Helvetica" charset="0"/>
+              </a:rPr>
+              <a:t>The </a:t>
+            </a:r>
+            <a:r>
+              <a:rPr lang="en-US" sz="2800" dirty="0">
+                <a:latin typeface="Helvetica" charset="0"/>
+                <a:ea typeface="Helvetica" charset="0"/>
+                <a:cs typeface="Helvetica" charset="0"/>
+              </a:rPr>
+              <a:t>FPI model achieved surprising </a:t>
+            </a:r>
+            <a:r>
+              <a:rPr lang="en-US" sz="2800" dirty="0" smtClean="0">
+                <a:latin typeface="Helvetica" charset="0"/>
+                <a:ea typeface="Helvetica" charset="0"/>
+                <a:cs typeface="Helvetica" charset="0"/>
+              </a:rPr>
+              <a:t>success</a:t>
+            </a:r>
+          </a:p>
+          <a:p>
+            <a:pPr marL="1422400" lvl="1" indent="-406400" algn="just">
+              <a:spcAft>
+                <a:spcPts val="600"/>
+              </a:spcAft>
+              <a:buFont typeface="Arial" panose="020B0604020202020204" pitchFamily="34" charset="0"/>
+              <a:buChar char="•"/>
+            </a:pPr>
+            <a:r>
+              <a:rPr lang="en-US" sz="2800" dirty="0" smtClean="0">
+                <a:latin typeface="Helvetica" charset="0"/>
+                <a:ea typeface="Helvetica" charset="0"/>
+                <a:cs typeface="Helvetica" charset="0"/>
+              </a:rPr>
+              <a:t>General models for path planning are possible</a:t>
+            </a:r>
+          </a:p>
+          <a:p>
+            <a:pPr marL="1422400" lvl="1" indent="-406400" algn="just">
+              <a:spcAft>
+                <a:spcPts val="600"/>
+              </a:spcAft>
+              <a:buFont typeface="Arial" panose="020B0604020202020204" pitchFamily="34" charset="0"/>
+              <a:buChar char="•"/>
+            </a:pPr>
+            <a:r>
+              <a:rPr lang="en-US" sz="2800" dirty="0" smtClean="0">
+                <a:latin typeface="Helvetica" charset="0"/>
+                <a:ea typeface="Helvetica" charset="0"/>
+                <a:cs typeface="Helvetica" charset="0"/>
+              </a:rPr>
+              <a:t>Direct </a:t>
+            </a:r>
+            <a:r>
+              <a:rPr lang="en-US" sz="2800" dirty="0">
+                <a:latin typeface="Helvetica" charset="0"/>
+                <a:ea typeface="Helvetica" charset="0"/>
+                <a:cs typeface="Helvetica" charset="0"/>
+              </a:rPr>
+              <a:t>policy approximation can replace value approximation in some </a:t>
+            </a:r>
+            <a:r>
+              <a:rPr lang="en-US" sz="2800" dirty="0" smtClean="0">
+                <a:latin typeface="Helvetica" charset="0"/>
+                <a:ea typeface="Helvetica" charset="0"/>
+                <a:cs typeface="Helvetica" charset="0"/>
+              </a:rPr>
+              <a:t>problems</a:t>
+            </a:r>
+          </a:p>
+          <a:p>
+            <a:pPr marL="342900" indent="-342900" algn="just">
+              <a:spcAft>
+                <a:spcPts val="600"/>
+              </a:spcAft>
+              <a:buFont typeface="Arial" panose="020B0604020202020204" pitchFamily="34" charset="0"/>
+              <a:buChar char="•"/>
+            </a:pPr>
+            <a:r>
+              <a:rPr lang="en-US" sz="2800" dirty="0">
+                <a:latin typeface="Helvetica" charset="0"/>
+                <a:ea typeface="Helvetica" charset="0"/>
+                <a:cs typeface="Helvetica" charset="0"/>
+              </a:rPr>
+              <a:t>The DFPI model underperformed significantly</a:t>
+            </a:r>
+          </a:p>
+          <a:p>
+            <a:pPr marL="1422400" lvl="1" indent="-406400" algn="just">
+              <a:spcAft>
+                <a:spcPts val="600"/>
+              </a:spcAft>
+              <a:buFont typeface="Arial" panose="020B0604020202020204" pitchFamily="34" charset="0"/>
+              <a:buChar char="•"/>
+            </a:pPr>
+            <a:r>
+              <a:rPr lang="en-US" sz="2800" dirty="0">
+                <a:latin typeface="Helvetica" charset="0"/>
+                <a:ea typeface="Helvetica" charset="0"/>
+                <a:cs typeface="Helvetica" charset="0"/>
+              </a:rPr>
+              <a:t>Our neural network architecture failed to capture the feature </a:t>
+            </a:r>
+            <a:r>
+              <a:rPr lang="en-US" sz="2800" dirty="0" smtClean="0">
+                <a:latin typeface="Helvetica" charset="0"/>
+                <a:ea typeface="Helvetica" charset="0"/>
+                <a:cs typeface="Helvetica" charset="0"/>
+              </a:rPr>
+              <a:t>complexity</a:t>
+            </a:r>
+            <a:endParaRPr lang="en-US" sz="2800" dirty="0">
+              <a:latin typeface="Helvetica" charset="0"/>
+              <a:ea typeface="Helvetica" charset="0"/>
+              <a:cs typeface="Helvetica" charset="0"/>
+            </a:endParaRPr>
           </a:p>
         </p:txBody>
       </p:sp>

--- a/poster.pptx
+++ b/poster.pptx
@@ -4379,7 +4379,7 @@
           <p:cNvPr id="8" name="Group 7">
             <a:extLst>
               <a:ext uri="{FF2B5EF4-FFF2-40B4-BE49-F238E27FC236}">
-                <a16:creationId xmlns:a16="http://schemas.microsoft.com/office/drawing/2014/main" xmlns="" id="{2985542E-0337-42E4-9DE0-784157E9AC30}"/>
+                <a16:creationId xmlns:a16="http://schemas.microsoft.com/office/drawing/2014/main" id="{2985542E-0337-42E4-9DE0-784157E9AC30}"/>
               </a:ext>
             </a:extLst>
           </p:cNvPr>
@@ -4399,7 +4399,7 @@
             <p:cNvPr id="36" name="TextBox 35">
               <a:extLst>
                 <a:ext uri="{FF2B5EF4-FFF2-40B4-BE49-F238E27FC236}">
-                  <a16:creationId xmlns:a16="http://schemas.microsoft.com/office/drawing/2014/main" xmlns="" id="{A1529AC7-8E1C-4CB5-B8DC-53E9D5C05110}"/>
+                  <a16:creationId xmlns:a16="http://schemas.microsoft.com/office/drawing/2014/main" id="{A1529AC7-8E1C-4CB5-B8DC-53E9D5C05110}"/>
                 </a:ext>
               </a:extLst>
             </p:cNvPr>
@@ -4567,7 +4567,7 @@
               <a:hlinkClick r:id="" action="ppaction://noaction"/>
               <a:extLst>
                 <a:ext uri="{FF2B5EF4-FFF2-40B4-BE49-F238E27FC236}">
-                  <a16:creationId xmlns:a16="http://schemas.microsoft.com/office/drawing/2014/main" xmlns="" id="{484DA3AD-435B-4BE1-9E8D-C5AC66FA885B}"/>
+                  <a16:creationId xmlns:a16="http://schemas.microsoft.com/office/drawing/2014/main" id="{484DA3AD-435B-4BE1-9E8D-C5AC66FA885B}"/>
                 </a:ext>
               </a:extLst>
             </p:cNvPr>
@@ -4615,7 +4615,7 @@
               <a:hlinkClick r:id="rId4"/>
               <a:extLst>
                 <a:ext uri="{FF2B5EF4-FFF2-40B4-BE49-F238E27FC236}">
-                  <a16:creationId xmlns:a16="http://schemas.microsoft.com/office/drawing/2014/main" xmlns="" id="{9E46EC36-E68A-4DF3-ACAE-673C7C7CC2ED}"/>
+                  <a16:creationId xmlns:a16="http://schemas.microsoft.com/office/drawing/2014/main" id="{9E46EC36-E68A-4DF3-ACAE-673C7C7CC2ED}"/>
                 </a:ext>
               </a:extLst>
             </p:cNvPr>
@@ -4662,7 +4662,7 @@
             <p:cNvPr id="39" name="TextBox 38">
               <a:extLst>
                 <a:ext uri="{FF2B5EF4-FFF2-40B4-BE49-F238E27FC236}">
-                  <a16:creationId xmlns:a16="http://schemas.microsoft.com/office/drawing/2014/main" xmlns="" id="{A34C754B-4136-4C59-B0A0-0EEB6301249C}"/>
+                  <a16:creationId xmlns:a16="http://schemas.microsoft.com/office/drawing/2014/main" id="{A34C754B-4136-4C59-B0A0-0EEB6301249C}"/>
                 </a:ext>
               </a:extLst>
             </p:cNvPr>
@@ -4690,7 +4690,7 @@
                   <a:spcPct val="150000"/>
                 </a:lnSpc>
               </a:pPr>
-              <a:endParaRPr lang="en-US" sz="1000" b="1" dirty="0" smtClean="0">
+              <a:endParaRPr lang="en-US" sz="1000" b="1" dirty="0">
                 <a:latin typeface="Helvetica" charset="0"/>
                 <a:ea typeface="Helvetica" charset="0"/>
                 <a:cs typeface="Helvetica" charset="0"/>
@@ -4703,20 +4703,12 @@
                 </a:lnSpc>
               </a:pPr>
               <a:r>
-                <a:rPr lang="en-US" sz="2800" b="1" dirty="0" smtClean="0">
-                  <a:latin typeface="Helvetica" charset="0"/>
-                  <a:ea typeface="Helvetica" charset="0"/>
-                  <a:cs typeface="Helvetica" charset="0"/>
-                </a:rPr>
-                <a:t>Deep </a:t>
-              </a:r>
-              <a:r>
                 <a:rPr lang="en-US" sz="2800" b="1" dirty="0">
                   <a:latin typeface="Helvetica" charset="0"/>
                   <a:ea typeface="Helvetica" charset="0"/>
                   <a:cs typeface="Helvetica" charset="0"/>
                 </a:rPr>
-                <a:t>Fitted Policy Iteration (DFPI)</a:t>
+                <a:t>Deep Fitted Policy Iteration (DFPI)</a:t>
               </a:r>
             </a:p>
             <a:p>
@@ -5208,7 +5200,7 @@
           <p:cNvPr id="35" name="Rounded Rectangle 654">
             <a:extLst>
               <a:ext uri="{FF2B5EF4-FFF2-40B4-BE49-F238E27FC236}">
-                <a16:creationId xmlns:a16="http://schemas.microsoft.com/office/drawing/2014/main" xmlns="" id="{E749ACD6-E9F9-4429-AB23-DDA49C3E06EA}"/>
+                <a16:creationId xmlns:a16="http://schemas.microsoft.com/office/drawing/2014/main" id="{E749ACD6-E9F9-4429-AB23-DDA49C3E06EA}"/>
               </a:ext>
             </a:extLst>
           </p:cNvPr>
@@ -5269,7 +5261,7 @@
           <p:cNvPr id="114" name="Rounded Rectangle 24">
             <a:extLst>
               <a:ext uri="{FF2B5EF4-FFF2-40B4-BE49-F238E27FC236}">
-                <a16:creationId xmlns:a16="http://schemas.microsoft.com/office/drawing/2014/main" xmlns="" id="{8CCF5CB2-8AD1-4F04-8EAA-EF03AD901465}"/>
+                <a16:creationId xmlns:a16="http://schemas.microsoft.com/office/drawing/2014/main" id="{8CCF5CB2-8AD1-4F04-8EAA-EF03AD901465}"/>
               </a:ext>
             </a:extLst>
           </p:cNvPr>
@@ -5330,7 +5322,7 @@
           <p:cNvPr id="115" name="TextBox 113">
             <a:extLst>
               <a:ext uri="{FF2B5EF4-FFF2-40B4-BE49-F238E27FC236}">
-                <a16:creationId xmlns:a16="http://schemas.microsoft.com/office/drawing/2014/main" xmlns="" id="{F02AE63F-7CE3-48DD-8696-389C9282E694}"/>
+                <a16:creationId xmlns:a16="http://schemas.microsoft.com/office/drawing/2014/main" id="{F02AE63F-7CE3-48DD-8696-389C9282E694}"/>
               </a:ext>
             </a:extLst>
           </p:cNvPr>
@@ -5503,7 +5495,7 @@
           <p:cNvPr id="116" name="TextBox 113">
             <a:extLst>
               <a:ext uri="{FF2B5EF4-FFF2-40B4-BE49-F238E27FC236}">
-                <a16:creationId xmlns:a16="http://schemas.microsoft.com/office/drawing/2014/main" xmlns="" id="{31E3D9EC-D379-4B01-AFF3-4F2B190B3937}"/>
+                <a16:creationId xmlns:a16="http://schemas.microsoft.com/office/drawing/2014/main" id="{31E3D9EC-D379-4B01-AFF3-4F2B190B3937}"/>
               </a:ext>
             </a:extLst>
           </p:cNvPr>
@@ -5676,7 +5668,7 @@
           <p:cNvPr id="126" name="TextBox 113">
             <a:extLst>
               <a:ext uri="{FF2B5EF4-FFF2-40B4-BE49-F238E27FC236}">
-                <a16:creationId xmlns:a16="http://schemas.microsoft.com/office/drawing/2014/main" xmlns="" id="{10C3C321-8435-499D-83BD-CE46DFE8C3A3}"/>
+                <a16:creationId xmlns:a16="http://schemas.microsoft.com/office/drawing/2014/main" id="{10C3C321-8435-499D-83BD-CE46DFE8C3A3}"/>
               </a:ext>
             </a:extLst>
           </p:cNvPr>
@@ -5849,7 +5841,7 @@
           <p:cNvPr id="128" name="TextBox 113">
             <a:extLst>
               <a:ext uri="{FF2B5EF4-FFF2-40B4-BE49-F238E27FC236}">
-                <a16:creationId xmlns:a16="http://schemas.microsoft.com/office/drawing/2014/main" xmlns="" id="{35E67E23-ADED-4EB5-AD59-399A47CA488A}"/>
+                <a16:creationId xmlns:a16="http://schemas.microsoft.com/office/drawing/2014/main" id="{35E67E23-ADED-4EB5-AD59-399A47CA488A}"/>
               </a:ext>
             </a:extLst>
           </p:cNvPr>
@@ -6049,31 +6041,7 @@
                 <a:ea typeface="Helvetica" charset="0"/>
                 <a:cs typeface="Helvetica" charset="0"/>
               </a:rPr>
-              <a:t>Randomly generated with </a:t>
-            </a:r>
-            <a:r>
-              <a:rPr lang="en-US" sz="2800" dirty="0" smtClean="0">
-                <a:latin typeface="Helvetica" charset="0"/>
-                <a:ea typeface="Helvetica" charset="0"/>
-                <a:cs typeface="Helvetica" charset="0"/>
-              </a:rPr>
-              <a:t>1-8 </a:t>
-            </a:r>
-            <a:r>
-              <a:rPr lang="en-US" sz="2800" dirty="0">
-                <a:latin typeface="Helvetica" charset="0"/>
-                <a:ea typeface="Helvetica" charset="0"/>
-                <a:cs typeface="Helvetica" charset="0"/>
-              </a:rPr>
-              <a:t>circular </a:t>
-            </a:r>
-            <a:r>
-              <a:rPr lang="en-US" sz="2800" dirty="0" smtClean="0">
-                <a:latin typeface="Helvetica" charset="0"/>
-                <a:ea typeface="Helvetica" charset="0"/>
-                <a:cs typeface="Helvetica" charset="0"/>
-              </a:rPr>
-              <a:t>obstacles</a:t>
+              <a:t>Randomly generated with 1-8 circular obstacles</a:t>
             </a:r>
             <a:endParaRPr lang="en-US" sz="1600" dirty="0">
               <a:latin typeface="Helvetica" charset="0"/>
@@ -6392,21 +6360,7 @@
                 <a:latin typeface="Helvetica" panose="020B0604020202020204" pitchFamily="34" charset="0"/>
                 <a:cs typeface="Helvetica" panose="020B0604020202020204" pitchFamily="34" charset="0"/>
               </a:rPr>
-              <a:t>[1</a:t>
-            </a:r>
-            <a:r>
-              <a:rPr lang="en-US" sz="2000" dirty="0" smtClean="0">
-                <a:latin typeface="Helvetica" panose="020B0604020202020204" pitchFamily="34" charset="0"/>
-                <a:cs typeface="Helvetica" panose="020B0604020202020204" pitchFamily="34" charset="0"/>
-              </a:rPr>
-              <a:t>] G</a:t>
-            </a:r>
-            <a:r>
-              <a:rPr lang="en-US" sz="2000" dirty="0">
-                <a:latin typeface="Helvetica" panose="020B0604020202020204" pitchFamily="34" charset="0"/>
-                <a:cs typeface="Helvetica" panose="020B0604020202020204" pitchFamily="34" charset="0"/>
-              </a:rPr>
-              <a:t>. </a:t>
+              <a:t>[1] G. </a:t>
             </a:r>
             <a:r>
               <a:rPr lang="en-US" sz="2000" dirty="0" err="1">
@@ -6430,15 +6384,7 @@
             </a:pPr>
             <a:r>
               <a:rPr lang="en-US" sz="2000" dirty="0"/>
-              <a:t>[2</a:t>
-            </a:r>
-            <a:r>
-              <a:rPr lang="en-US" sz="2000" dirty="0" smtClean="0"/>
-              <a:t>] K</a:t>
-            </a:r>
-            <a:r>
-              <a:rPr lang="en-US" sz="2000" dirty="0"/>
-              <a:t>. Gregory, V. A, V. Pong and P. </a:t>
+              <a:t>[2] K. Gregory, V. A, V. Pong and P. </a:t>
             </a:r>
             <a:r>
               <a:rPr lang="en-US" sz="2000" dirty="0" err="1"/>
@@ -6578,7 +6524,7 @@
           <p:cNvPr id="33" name="TextBox 32">
             <a:extLst>
               <a:ext uri="{FF2B5EF4-FFF2-40B4-BE49-F238E27FC236}">
-                <a16:creationId xmlns:a16="http://schemas.microsoft.com/office/drawing/2014/main" xmlns="" id="{20A35334-65BE-427E-A6B3-FEE9E459E3DE}"/>
+                <a16:creationId xmlns:a16="http://schemas.microsoft.com/office/drawing/2014/main" id="{20A35334-65BE-427E-A6B3-FEE9E459E3DE}"/>
               </a:ext>
             </a:extLst>
           </p:cNvPr>
@@ -6629,33 +6575,8 @@
                 <a:latin typeface="Helvetica" panose="020B0604020202020204" pitchFamily="34" charset="0"/>
                 <a:cs typeface="Helvetica" panose="020B0604020202020204" pitchFamily="34" charset="0"/>
               </a:rPr>
-              <a:t>This task arises naturally in many vehicle control </a:t>
-            </a:r>
-            <a:r>
-              <a:rPr lang="en-US" sz="2800" dirty="0" smtClean="0">
-                <a:latin typeface="Helvetica" panose="020B0604020202020204" pitchFamily="34" charset="0"/>
-                <a:cs typeface="Helvetica" panose="020B0604020202020204" pitchFamily="34" charset="0"/>
-              </a:rPr>
-              <a:t>tasks. Our approach </a:t>
-            </a:r>
-            <a:r>
-              <a:rPr lang="en-US" sz="2800" dirty="0">
-                <a:latin typeface="Helvetica" panose="020B0604020202020204" pitchFamily="34" charset="0"/>
-                <a:cs typeface="Helvetica" panose="020B0604020202020204" pitchFamily="34" charset="0"/>
-              </a:rPr>
-              <a:t>is modeled after drone </a:t>
-            </a:r>
-            <a:r>
-              <a:rPr lang="en-US" sz="2800" dirty="0" smtClean="0">
-                <a:latin typeface="Helvetica" panose="020B0604020202020204" pitchFamily="34" charset="0"/>
-                <a:cs typeface="Helvetica" panose="020B0604020202020204" pitchFamily="34" charset="0"/>
-              </a:rPr>
-              <a:t>navigation, where the goal is to find a shortest path.</a:t>
-            </a:r>
-            <a:endParaRPr lang="en-US" sz="2800" dirty="0">
-              <a:latin typeface="Helvetica" panose="020B0604020202020204" pitchFamily="34" charset="0"/>
-              <a:cs typeface="Helvetica" panose="020B0604020202020204" pitchFamily="34" charset="0"/>
-            </a:endParaRPr>
+              <a:t>This task arises naturally in many vehicle control tasks. Our approach is modeled after drone navigation, where the goal is to find a shortest path.</a:t>
+            </a:r>
           </a:p>
           <a:p>
             <a:pPr marL="342900" indent="-342900">
@@ -6695,30 +6616,12 @@
               <a:buChar char="•"/>
             </a:pPr>
             <a:r>
-              <a:rPr lang="en-US" sz="2800" dirty="0" smtClean="0">
-                <a:latin typeface="Helvetica" panose="020B0604020202020204" pitchFamily="34" charset="0"/>
-                <a:cs typeface="Helvetica" panose="020B0604020202020204" pitchFamily="34" charset="0"/>
-              </a:rPr>
-              <a:t>A solution </a:t>
-            </a:r>
-            <a:r>
               <a:rPr lang="en-US" sz="2800" dirty="0">
                 <a:latin typeface="Helvetica" panose="020B0604020202020204" pitchFamily="34" charset="0"/>
                 <a:cs typeface="Helvetica" panose="020B0604020202020204" pitchFamily="34" charset="0"/>
               </a:rPr>
-              <a:t>that makes fewer assumptions and generalizes well over different </a:t>
-            </a:r>
-            <a:r>
-              <a:rPr lang="en-US" sz="2800" dirty="0" smtClean="0">
-                <a:latin typeface="Helvetica" panose="020B0604020202020204" pitchFamily="34" charset="0"/>
-                <a:cs typeface="Helvetica" panose="020B0604020202020204" pitchFamily="34" charset="0"/>
-              </a:rPr>
-              <a:t>environments is preferable</a:t>
-            </a:r>
-            <a:endParaRPr lang="en-US" sz="2800" dirty="0">
-              <a:latin typeface="Helvetica" panose="020B0604020202020204" pitchFamily="34" charset="0"/>
-              <a:cs typeface="Helvetica" panose="020B0604020202020204" pitchFamily="34" charset="0"/>
-            </a:endParaRPr>
+              <a:t>A solution that makes fewer assumptions and generalizes well over different environments is preferable</a:t>
+            </a:r>
           </a:p>
           <a:p>
             <a:pPr marL="342900" indent="-342900">
@@ -6733,19 +6636,8 @@
                 <a:latin typeface="Helvetica" panose="020B0604020202020204" pitchFamily="34" charset="0"/>
                 <a:cs typeface="Helvetica" panose="020B0604020202020204" pitchFamily="34" charset="0"/>
               </a:rPr>
-              <a:t>Reinforcement learning techniques can implicitly learn a general </a:t>
-            </a:r>
-            <a:r>
-              <a:rPr lang="en-US" sz="2800" dirty="0" smtClean="0">
-                <a:latin typeface="Helvetica" panose="020B0604020202020204" pitchFamily="34" charset="0"/>
-                <a:cs typeface="Helvetica" panose="020B0604020202020204" pitchFamily="34" charset="0"/>
-              </a:rPr>
-              <a:t>solution, and have more potential for extension to dynamic environments</a:t>
-            </a:r>
-            <a:endParaRPr lang="en-US" sz="2800" dirty="0">
-              <a:latin typeface="Helvetica" panose="020B0604020202020204" pitchFamily="34" charset="0"/>
-              <a:cs typeface="Helvetica" panose="020B0604020202020204" pitchFamily="34" charset="0"/>
-            </a:endParaRPr>
+              <a:t>Reinforcement learning techniques can implicitly learn a general solution, and have more potential for extension to dynamic environments</a:t>
+            </a:r>
           </a:p>
         </p:txBody>
       </p:sp>
@@ -6846,7 +6738,7 @@
           <p:cNvPr id="47" name="Picture 46">
             <a:extLst>
               <a:ext uri="{FF2B5EF4-FFF2-40B4-BE49-F238E27FC236}">
-                <a16:creationId xmlns:a16="http://schemas.microsoft.com/office/drawing/2014/main" xmlns="" id="{BD449CCB-3942-4D83-991F-AA97E1B81955}"/>
+                <a16:creationId xmlns:a16="http://schemas.microsoft.com/office/drawing/2014/main" id="{BD449CCB-3942-4D83-991F-AA97E1B81955}"/>
               </a:ext>
             </a:extLst>
           </p:cNvPr>
@@ -6881,7 +6773,7 @@
           <p:cNvPr id="5" name="Table 4">
             <a:extLst>
               <a:ext uri="{FF2B5EF4-FFF2-40B4-BE49-F238E27FC236}">
-                <a16:creationId xmlns:a16="http://schemas.microsoft.com/office/drawing/2014/main" xmlns="" id="{9FBBDEDD-B58C-4292-8E0C-3EB95D791C4F}"/>
+                <a16:creationId xmlns:a16="http://schemas.microsoft.com/office/drawing/2014/main" id="{9FBBDEDD-B58C-4292-8E0C-3EB95D791C4F}"/>
               </a:ext>
             </a:extLst>
           </p:cNvPr>
@@ -6910,21 +6802,21 @@
                 <a:gridCol w="2815211">
                   <a:extLst>
                     <a:ext uri="{9D8B030D-6E8A-4147-A177-3AD203B41FA5}">
-                      <a16:colId xmlns:a16="http://schemas.microsoft.com/office/drawing/2014/main" xmlns="" val="7502155"/>
+                      <a16:colId xmlns:a16="http://schemas.microsoft.com/office/drawing/2014/main" val="7502155"/>
                     </a:ext>
                   </a:extLst>
                 </a:gridCol>
                 <a:gridCol w="2815211">
                   <a:extLst>
                     <a:ext uri="{9D8B030D-6E8A-4147-A177-3AD203B41FA5}">
-                      <a16:colId xmlns:a16="http://schemas.microsoft.com/office/drawing/2014/main" xmlns="" val="3360269338"/>
+                      <a16:colId xmlns:a16="http://schemas.microsoft.com/office/drawing/2014/main" val="3360269338"/>
                     </a:ext>
                   </a:extLst>
                 </a:gridCol>
                 <a:gridCol w="2815211">
                   <a:extLst>
                     <a:ext uri="{9D8B030D-6E8A-4147-A177-3AD203B41FA5}">
-                      <a16:colId xmlns:a16="http://schemas.microsoft.com/office/drawing/2014/main" xmlns="" val="3462760015"/>
+                      <a16:colId xmlns:a16="http://schemas.microsoft.com/office/drawing/2014/main" val="3462760015"/>
                     </a:ext>
                   </a:extLst>
                 </a:gridCol>
@@ -6971,7 +6863,7 @@
                 </a:tc>
                 <a:extLst>
                   <a:ext uri="{0D108BD9-81ED-4DB2-BD59-A6C34878D82A}">
-                    <a16:rowId xmlns:a16="http://schemas.microsoft.com/office/drawing/2014/main" xmlns="" val="3802877361"/>
+                    <a16:rowId xmlns:a16="http://schemas.microsoft.com/office/drawing/2014/main" val="3802877361"/>
                   </a:ext>
                 </a:extLst>
               </a:tr>
@@ -7017,7 +6909,7 @@
                 </a:tc>
                 <a:extLst>
                   <a:ext uri="{0D108BD9-81ED-4DB2-BD59-A6C34878D82A}">
-                    <a16:rowId xmlns:a16="http://schemas.microsoft.com/office/drawing/2014/main" xmlns="" val="412087516"/>
+                    <a16:rowId xmlns:a16="http://schemas.microsoft.com/office/drawing/2014/main" val="412087516"/>
                   </a:ext>
                 </a:extLst>
               </a:tr>
@@ -7063,7 +6955,7 @@
                 </a:tc>
                 <a:extLst>
                   <a:ext uri="{0D108BD9-81ED-4DB2-BD59-A6C34878D82A}">
-                    <a16:rowId xmlns:a16="http://schemas.microsoft.com/office/drawing/2014/main" xmlns="" val="1972306194"/>
+                    <a16:rowId xmlns:a16="http://schemas.microsoft.com/office/drawing/2014/main" val="1972306194"/>
                   </a:ext>
                 </a:extLst>
               </a:tr>
@@ -7109,7 +7001,7 @@
                 </a:tc>
                 <a:extLst>
                   <a:ext uri="{0D108BD9-81ED-4DB2-BD59-A6C34878D82A}">
-                    <a16:rowId xmlns:a16="http://schemas.microsoft.com/office/drawing/2014/main" xmlns="" val="458128511"/>
+                    <a16:rowId xmlns:a16="http://schemas.microsoft.com/office/drawing/2014/main" val="458128511"/>
                   </a:ext>
                 </a:extLst>
               </a:tr>
@@ -7122,7 +7014,7 @@
           <p:cNvPr id="46" name="Rounded Rectangle 24">
             <a:extLst>
               <a:ext uri="{FF2B5EF4-FFF2-40B4-BE49-F238E27FC236}">
-                <a16:creationId xmlns:a16="http://schemas.microsoft.com/office/drawing/2014/main" xmlns="" id="{5410958B-05C5-4126-B86A-88D07603E881}"/>
+                <a16:creationId xmlns:a16="http://schemas.microsoft.com/office/drawing/2014/main" id="{5410958B-05C5-4126-B86A-88D07603E881}"/>
               </a:ext>
             </a:extLst>
           </p:cNvPr>
@@ -7183,7 +7075,7 @@
           <p:cNvPr id="48" name="TextBox 113">
             <a:extLst>
               <a:ext uri="{FF2B5EF4-FFF2-40B4-BE49-F238E27FC236}">
-                <a16:creationId xmlns:a16="http://schemas.microsoft.com/office/drawing/2014/main" xmlns="" id="{D5EA85A8-438C-4A60-8F4E-04F5DAAFA7D0}"/>
+                <a16:creationId xmlns:a16="http://schemas.microsoft.com/office/drawing/2014/main" id="{D5EA85A8-438C-4A60-8F4E-04F5DAAFA7D0}"/>
               </a:ext>
             </a:extLst>
           </p:cNvPr>
@@ -7385,7 +7277,7 @@
           <p:cNvPr id="16" name="Picture 2" descr="https://lh3.googleusercontent.com/qj9h7itORLotO9Nz2Ju-dUs3G0zrUWbFmypi5ALbQPTmjgWxYBo-mtp4O85lQpZtuMQf7UJmZcgEb9HVPCF42iNtq7DjFGS_wFw0HSsKQAaHo383mJYkEA2Uve8Z__98gVgsEHZ0">
             <a:extLst>
               <a:ext uri="{FF2B5EF4-FFF2-40B4-BE49-F238E27FC236}">
-                <a16:creationId xmlns:a16="http://schemas.microsoft.com/office/drawing/2014/main" xmlns="" id="{1401D215-AEE6-43BA-AD02-355BD043BDF3}"/>
+                <a16:creationId xmlns:a16="http://schemas.microsoft.com/office/drawing/2014/main" id="{1401D215-AEE6-43BA-AD02-355BD043BDF3}"/>
               </a:ext>
             </a:extLst>
           </p:cNvPr>
@@ -7432,7 +7324,7 @@
           <p:cNvPr id="42" name="TextBox 41">
             <a:extLst>
               <a:ext uri="{FF2B5EF4-FFF2-40B4-BE49-F238E27FC236}">
-                <a16:creationId xmlns:a16="http://schemas.microsoft.com/office/drawing/2014/main" xmlns="" id="{981E9FF8-7464-4626-8C9F-334767BAA16C}"/>
+                <a16:creationId xmlns:a16="http://schemas.microsoft.com/office/drawing/2014/main" id="{981E9FF8-7464-4626-8C9F-334767BAA16C}"/>
               </a:ext>
             </a:extLst>
           </p:cNvPr>
@@ -7476,7 +7368,7 @@
           <p:cNvPr id="44" name="TextBox 43">
             <a:extLst>
               <a:ext uri="{FF2B5EF4-FFF2-40B4-BE49-F238E27FC236}">
-                <a16:creationId xmlns:a16="http://schemas.microsoft.com/office/drawing/2014/main" xmlns="" id="{7658E10F-DE12-457F-BAC4-B9E785FF079C}"/>
+                <a16:creationId xmlns:a16="http://schemas.microsoft.com/office/drawing/2014/main" id="{7658E10F-DE12-457F-BAC4-B9E785FF079C}"/>
               </a:ext>
             </a:extLst>
           </p:cNvPr>
@@ -7512,21 +7404,8 @@
                 <a:ea typeface="Helvetica" charset="0"/>
                 <a:cs typeface="Helvetica" charset="0"/>
               </a:rPr>
-              <a:t>Improve NN architecture to capture </a:t>
-            </a:r>
-            <a:r>
-              <a:rPr lang="en-US" sz="2800" dirty="0" smtClean="0">
-                <a:latin typeface="Helvetica" charset="0"/>
-                <a:ea typeface="Helvetica" charset="0"/>
-                <a:cs typeface="Helvetica" charset="0"/>
-              </a:rPr>
-              <a:t>relevant features</a:t>
-            </a:r>
-            <a:endParaRPr lang="en-US" sz="2800" dirty="0">
-              <a:latin typeface="Helvetica" charset="0"/>
-              <a:ea typeface="Helvetica" charset="0"/>
-              <a:cs typeface="Helvetica" charset="0"/>
-            </a:endParaRPr>
+              <a:t>Improve NN architecture to capture relevant features</a:t>
+            </a:r>
           </a:p>
           <a:p>
             <a:pPr marL="457200" indent="-457200">
@@ -7569,7 +7448,7 @@
           <p:cNvPr id="45" name="Rounded Rectangle 24">
             <a:extLst>
               <a:ext uri="{FF2B5EF4-FFF2-40B4-BE49-F238E27FC236}">
-                <a16:creationId xmlns:a16="http://schemas.microsoft.com/office/drawing/2014/main" xmlns="" id="{9BEC0311-BF87-4E88-8DCC-07914F44CBF6}"/>
+                <a16:creationId xmlns:a16="http://schemas.microsoft.com/office/drawing/2014/main" id="{9BEC0311-BF87-4E88-8DCC-07914F44CBF6}"/>
               </a:ext>
             </a:extLst>
           </p:cNvPr>
@@ -7630,7 +7509,7 @@
           <p:cNvPr id="49" name="TextBox 113">
             <a:extLst>
               <a:ext uri="{FF2B5EF4-FFF2-40B4-BE49-F238E27FC236}">
-                <a16:creationId xmlns:a16="http://schemas.microsoft.com/office/drawing/2014/main" xmlns="" id="{53905A34-984A-4694-A44D-9E5B1292A34D}"/>
+                <a16:creationId xmlns:a16="http://schemas.microsoft.com/office/drawing/2014/main" id="{53905A34-984A-4694-A44D-9E5B1292A34D}"/>
               </a:ext>
             </a:extLst>
           </p:cNvPr>
@@ -7803,7 +7682,7 @@
           <p:cNvPr id="24" name="Group 23">
             <a:extLst>
               <a:ext uri="{FF2B5EF4-FFF2-40B4-BE49-F238E27FC236}">
-                <a16:creationId xmlns:a16="http://schemas.microsoft.com/office/drawing/2014/main" xmlns="" id="{4DDDA098-BCA2-4DC3-B9C8-E4AA4FB5CD91}"/>
+                <a16:creationId xmlns:a16="http://schemas.microsoft.com/office/drawing/2014/main" id="{4DDDA098-BCA2-4DC3-B9C8-E4AA4FB5CD91}"/>
               </a:ext>
             </a:extLst>
           </p:cNvPr>
@@ -7823,7 +7702,7 @@
             <p:cNvPr id="50" name="Picture 49">
               <a:extLst>
                 <a:ext uri="{FF2B5EF4-FFF2-40B4-BE49-F238E27FC236}">
-                  <a16:creationId xmlns:a16="http://schemas.microsoft.com/office/drawing/2014/main" xmlns="" id="{85002124-0D21-477C-B9FB-502BD091C806}"/>
+                  <a16:creationId xmlns:a16="http://schemas.microsoft.com/office/drawing/2014/main" id="{85002124-0D21-477C-B9FB-502BD091C806}"/>
                 </a:ext>
               </a:extLst>
             </p:cNvPr>
@@ -7858,7 +7737,7 @@
             <p:cNvPr id="51" name="TextBox 50">
               <a:extLst>
                 <a:ext uri="{FF2B5EF4-FFF2-40B4-BE49-F238E27FC236}">
-                  <a16:creationId xmlns:a16="http://schemas.microsoft.com/office/drawing/2014/main" xmlns="" id="{4A8FF56F-E457-44D3-A689-EE2D7FBFDB26}"/>
+                  <a16:creationId xmlns:a16="http://schemas.microsoft.com/office/drawing/2014/main" id="{4A8FF56F-E457-44D3-A689-EE2D7FBFDB26}"/>
                 </a:ext>
               </a:extLst>
             </p:cNvPr>
@@ -7903,7 +7782,7 @@
           <p:cNvPr id="26" name="Group 25">
             <a:extLst>
               <a:ext uri="{FF2B5EF4-FFF2-40B4-BE49-F238E27FC236}">
-                <a16:creationId xmlns:a16="http://schemas.microsoft.com/office/drawing/2014/main" xmlns="" id="{29675C06-454B-4217-A8ED-E4EC1502C53C}"/>
+                <a16:creationId xmlns:a16="http://schemas.microsoft.com/office/drawing/2014/main" id="{29675C06-454B-4217-A8ED-E4EC1502C53C}"/>
               </a:ext>
             </a:extLst>
           </p:cNvPr>
@@ -7923,7 +7802,7 @@
             <p:cNvPr id="13" name="Picture 12">
               <a:extLst>
                 <a:ext uri="{FF2B5EF4-FFF2-40B4-BE49-F238E27FC236}">
-                  <a16:creationId xmlns:a16="http://schemas.microsoft.com/office/drawing/2014/main" xmlns="" id="{13B8AE90-0DB1-4B63-92D4-DD298C0E6DB0}"/>
+                  <a16:creationId xmlns:a16="http://schemas.microsoft.com/office/drawing/2014/main" id="{13B8AE90-0DB1-4B63-92D4-DD298C0E6DB0}"/>
                 </a:ext>
               </a:extLst>
             </p:cNvPr>
@@ -7952,7 +7831,7 @@
             <p:cNvPr id="52" name="TextBox 51">
               <a:extLst>
                 <a:ext uri="{FF2B5EF4-FFF2-40B4-BE49-F238E27FC236}">
-                  <a16:creationId xmlns:a16="http://schemas.microsoft.com/office/drawing/2014/main" xmlns="" id="{418D0DDE-180D-4798-8C20-3190B2C24A69}"/>
+                  <a16:creationId xmlns:a16="http://schemas.microsoft.com/office/drawing/2014/main" id="{418D0DDE-180D-4798-8C20-3190B2C24A69}"/>
                 </a:ext>
               </a:extLst>
             </p:cNvPr>
@@ -7997,7 +7876,7 @@
           <p:cNvPr id="27" name="Group 26">
             <a:extLst>
               <a:ext uri="{FF2B5EF4-FFF2-40B4-BE49-F238E27FC236}">
-                <a16:creationId xmlns:a16="http://schemas.microsoft.com/office/drawing/2014/main" xmlns="" id="{84CF14C4-7DB5-429C-8B81-211A3962B302}"/>
+                <a16:creationId xmlns:a16="http://schemas.microsoft.com/office/drawing/2014/main" id="{84CF14C4-7DB5-429C-8B81-211A3962B302}"/>
               </a:ext>
             </a:extLst>
           </p:cNvPr>
@@ -8017,7 +7896,7 @@
             <p:cNvPr id="53" name="TextBox 52">
               <a:extLst>
                 <a:ext uri="{FF2B5EF4-FFF2-40B4-BE49-F238E27FC236}">
-                  <a16:creationId xmlns:a16="http://schemas.microsoft.com/office/drawing/2014/main" xmlns="" id="{037265A0-4954-40E0-BA8C-2977C477F16C}"/>
+                  <a16:creationId xmlns:a16="http://schemas.microsoft.com/office/drawing/2014/main" id="{037265A0-4954-40E0-BA8C-2977C477F16C}"/>
                 </a:ext>
               </a:extLst>
             </p:cNvPr>
@@ -8061,7 +7940,7 @@
             <p:cNvPr id="23" name="Picture 22">
               <a:extLst>
                 <a:ext uri="{FF2B5EF4-FFF2-40B4-BE49-F238E27FC236}">
-                  <a16:creationId xmlns:a16="http://schemas.microsoft.com/office/drawing/2014/main" xmlns="" id="{AEF02A23-F689-47A8-A0C5-013DB156B032}"/>
+                  <a16:creationId xmlns:a16="http://schemas.microsoft.com/office/drawing/2014/main" id="{AEF02A23-F689-47A8-A0C5-013DB156B032}"/>
                 </a:ext>
               </a:extLst>
             </p:cNvPr>
@@ -8097,7 +7976,7 @@
           <p:cNvPr id="58" name="TextBox 57">
             <a:extLst>
               <a:ext uri="{FF2B5EF4-FFF2-40B4-BE49-F238E27FC236}">
-                <a16:creationId xmlns:a16="http://schemas.microsoft.com/office/drawing/2014/main" xmlns="" id="{E65F6DB4-6947-4E6D-98E4-3950E9013BA5}"/>
+                <a16:creationId xmlns:a16="http://schemas.microsoft.com/office/drawing/2014/main" id="{E65F6DB4-6947-4E6D-98E4-3950E9013BA5}"/>
               </a:ext>
             </a:extLst>
           </p:cNvPr>
@@ -8141,7 +8020,7 @@
           <p:cNvPr id="54" name="TextBox 53">
             <a:extLst>
               <a:ext uri="{FF2B5EF4-FFF2-40B4-BE49-F238E27FC236}">
-                <a16:creationId xmlns:a16="http://schemas.microsoft.com/office/drawing/2014/main" xmlns="" id="{7F9C78A8-1537-4127-9AD4-195CB7F53866}"/>
+                <a16:creationId xmlns:a16="http://schemas.microsoft.com/office/drawing/2014/main" id="{7F9C78A8-1537-4127-9AD4-195CB7F53866}"/>
               </a:ext>
             </a:extLst>
           </p:cNvPr>
@@ -8170,7 +8049,7 @@
               </a:spcAft>
             </a:pPr>
             <a:r>
-              <a:rPr lang="en-US" sz="2800" dirty="0" smtClean="0">
+              <a:rPr lang="en-US" sz="2800" dirty="0">
                 <a:latin typeface="Helvetica" charset="0"/>
                 <a:ea typeface="Helvetica" charset="0"/>
                 <a:cs typeface="Helvetica" charset="0"/>
@@ -8187,34 +8066,13 @@
               <a:buChar char="•"/>
             </a:pPr>
             <a:r>
-              <a:rPr lang="en-US" sz="2800" dirty="0" smtClean="0">
-                <a:latin typeface="Helvetica" charset="0"/>
-                <a:ea typeface="Helvetica" charset="0"/>
-                <a:cs typeface="Helvetica" charset="0"/>
-              </a:rPr>
-              <a:t>We could not train any fitted value iteration model to generate a </a:t>
-            </a:r>
-            <a:r>
               <a:rPr lang="en-US" sz="2800" dirty="0">
                 <a:latin typeface="Helvetica" charset="0"/>
                 <a:ea typeface="Helvetica" charset="0"/>
                 <a:cs typeface="Helvetica" charset="0"/>
               </a:rPr>
-              <a:t>meaningful </a:t>
-            </a:r>
-            <a:r>
-              <a:rPr lang="en-US" sz="2800" dirty="0" smtClean="0">
-                <a:latin typeface="Helvetica" charset="0"/>
-                <a:ea typeface="Helvetica" charset="0"/>
-                <a:cs typeface="Helvetica" charset="0"/>
-              </a:rPr>
-              <a:t>model</a:t>
-            </a:r>
-            <a:endParaRPr lang="en-US" sz="2800" dirty="0">
-              <a:latin typeface="Helvetica" charset="0"/>
-              <a:ea typeface="Helvetica" charset="0"/>
-              <a:cs typeface="Helvetica" charset="0"/>
-            </a:endParaRPr>
+              <a:t>We could not train any fitted value iteration model to generate a meaningful model</a:t>
+            </a:r>
           </a:p>
           <a:p>
             <a:pPr marL="1422400" lvl="1" indent="-406400" algn="just">
@@ -8225,18 +8083,13 @@
               <a:buChar char="•"/>
             </a:pPr>
             <a:r>
-              <a:rPr lang="en-US" sz="2800" dirty="0" smtClean="0">
+              <a:rPr lang="en-US" sz="2800" dirty="0">
                 <a:latin typeface="Helvetica" charset="0"/>
                 <a:ea typeface="Helvetica" charset="0"/>
                 <a:cs typeface="Helvetica" charset="0"/>
               </a:rPr>
               <a:t>WHY</a:t>
             </a:r>
-            <a:endParaRPr lang="en-US" sz="2800" dirty="0" smtClean="0">
-              <a:latin typeface="Helvetica" charset="0"/>
-              <a:ea typeface="Helvetica" charset="0"/>
-              <a:cs typeface="Helvetica" charset="0"/>
-            </a:endParaRPr>
           </a:p>
           <a:p>
             <a:pPr marL="342900" indent="-342900" algn="just">
@@ -8247,28 +8100,12 @@
               <a:buChar char="•"/>
             </a:pPr>
             <a:r>
-              <a:rPr lang="en-US" sz="2800" dirty="0" smtClean="0">
-                <a:latin typeface="Helvetica" charset="0"/>
-                <a:ea typeface="Helvetica" charset="0"/>
-                <a:cs typeface="Helvetica" charset="0"/>
-              </a:rPr>
-              <a:t>The </a:t>
-            </a:r>
-            <a:r>
               <a:rPr lang="en-US" sz="2800" dirty="0">
                 <a:latin typeface="Helvetica" charset="0"/>
                 <a:ea typeface="Helvetica" charset="0"/>
                 <a:cs typeface="Helvetica" charset="0"/>
               </a:rPr>
-              <a:t>FPI model achieved surprising </a:t>
-            </a:r>
-            <a:r>
-              <a:rPr lang="en-US" sz="2800" dirty="0" smtClean="0">
-                <a:latin typeface="Helvetica" charset="0"/>
-                <a:ea typeface="Helvetica" charset="0"/>
-                <a:cs typeface="Helvetica" charset="0"/>
-              </a:rPr>
-              <a:t>success</a:t>
+              <a:t>The FPI model achieved surprising success</a:t>
             </a:r>
           </a:p>
           <a:p>
@@ -8280,7 +8117,7 @@
               <a:buChar char="•"/>
             </a:pPr>
             <a:r>
-              <a:rPr lang="en-US" sz="2800" dirty="0" smtClean="0">
+              <a:rPr lang="en-US" sz="2800" dirty="0">
                 <a:latin typeface="Helvetica" charset="0"/>
                 <a:ea typeface="Helvetica" charset="0"/>
                 <a:cs typeface="Helvetica" charset="0"/>
@@ -8297,28 +8134,12 @@
               <a:buChar char="•"/>
             </a:pPr>
             <a:r>
-              <a:rPr lang="en-US" sz="2800" dirty="0" smtClean="0">
-                <a:latin typeface="Helvetica" charset="0"/>
-                <a:ea typeface="Helvetica" charset="0"/>
-                <a:cs typeface="Helvetica" charset="0"/>
-              </a:rPr>
-              <a:t>Direct </a:t>
-            </a:r>
-            <a:r>
               <a:rPr lang="en-US" sz="2800" dirty="0">
                 <a:latin typeface="Helvetica" charset="0"/>
                 <a:ea typeface="Helvetica" charset="0"/>
                 <a:cs typeface="Helvetica" charset="0"/>
               </a:rPr>
-              <a:t>policy approximation can replace value approximation in some </a:t>
-            </a:r>
-            <a:r>
-              <a:rPr lang="en-US" sz="2800" dirty="0" smtClean="0">
-                <a:latin typeface="Helvetica" charset="0"/>
-                <a:ea typeface="Helvetica" charset="0"/>
-                <a:cs typeface="Helvetica" charset="0"/>
-              </a:rPr>
-              <a:t>problems</a:t>
+              <a:t>Direct policy approximation can replace value approximation in some problems</a:t>
             </a:r>
           </a:p>
           <a:p>
@@ -8352,21 +8173,124 @@
                 <a:ea typeface="Helvetica" charset="0"/>
                 <a:cs typeface="Helvetica" charset="0"/>
               </a:rPr>
-              <a:t>Our neural network architecture failed to capture the feature </a:t>
-            </a:r>
-            <a:r>
-              <a:rPr lang="en-US" sz="2800" dirty="0" smtClean="0">
+              <a:t>Our neural network architecture failed to capture the feature complexity</a:t>
+            </a:r>
+          </a:p>
+        </p:txBody>
+      </p:sp>
+      <p:pic>
+        <p:nvPicPr>
+          <p:cNvPr id="9" name="Picture 8">
+            <a:extLst>
+              <a:ext uri="{FF2B5EF4-FFF2-40B4-BE49-F238E27FC236}">
+                <a16:creationId xmlns:a16="http://schemas.microsoft.com/office/drawing/2014/main" id="{EF50DD8B-7823-4CC3-BF87-12605BB5351A}"/>
+              </a:ext>
+            </a:extLst>
+          </p:cNvPr>
+          <p:cNvPicPr>
+            <a:picLocks noChangeAspect="1"/>
+          </p:cNvPicPr>
+          <p:nvPr/>
+        </p:nvPicPr>
+        <p:blipFill>
+          <a:blip r:embed="rId17">
+            <a:extLst>
+              <a:ext uri="{28A0092B-C50C-407E-A947-70E740481C1C}">
+                <a14:useLocalDpi xmlns:a14="http://schemas.microsoft.com/office/drawing/2010/main" val="0"/>
+              </a:ext>
+            </a:extLst>
+          </a:blip>
+          <a:stretch>
+            <a:fillRect/>
+          </a:stretch>
+        </p:blipFill>
+        <p:spPr>
+          <a:xfrm>
+            <a:off x="27820703" y="8673611"/>
+            <a:ext cx="4113717" cy="2812979"/>
+          </a:xfrm>
+          <a:prstGeom prst="rect">
+            <a:avLst/>
+          </a:prstGeom>
+        </p:spPr>
+      </p:pic>
+      <p:pic>
+        <p:nvPicPr>
+          <p:cNvPr id="19" name="Picture 18">
+            <a:extLst>
+              <a:ext uri="{FF2B5EF4-FFF2-40B4-BE49-F238E27FC236}">
+                <a16:creationId xmlns:a16="http://schemas.microsoft.com/office/drawing/2014/main" id="{03C17077-88CD-4FE7-8438-16ABB0BB297E}"/>
+              </a:ext>
+            </a:extLst>
+          </p:cNvPr>
+          <p:cNvPicPr>
+            <a:picLocks noChangeAspect="1"/>
+          </p:cNvPicPr>
+          <p:nvPr/>
+        </p:nvPicPr>
+        <p:blipFill>
+          <a:blip r:embed="rId18">
+            <a:extLst>
+              <a:ext uri="{28A0092B-C50C-407E-A947-70E740481C1C}">
+                <a14:useLocalDpi xmlns:a14="http://schemas.microsoft.com/office/drawing/2010/main" val="0"/>
+              </a:ext>
+            </a:extLst>
+          </a:blip>
+          <a:stretch>
+            <a:fillRect/>
+          </a:stretch>
+        </p:blipFill>
+        <p:spPr>
+          <a:xfrm>
+            <a:off x="23341640" y="8706519"/>
+            <a:ext cx="4113717" cy="2812979"/>
+          </a:xfrm>
+          <a:prstGeom prst="rect">
+            <a:avLst/>
+          </a:prstGeom>
+        </p:spPr>
+      </p:pic>
+      <p:sp>
+        <p:nvSpPr>
+          <p:cNvPr id="57" name="TextBox 56">
+            <a:extLst>
+              <a:ext uri="{FF2B5EF4-FFF2-40B4-BE49-F238E27FC236}">
+                <a16:creationId xmlns:a16="http://schemas.microsoft.com/office/drawing/2014/main" id="{841D6299-083B-4979-8C05-23E67AD5ACC7}"/>
+              </a:ext>
+            </a:extLst>
+          </p:cNvPr>
+          <p:cNvSpPr txBox="1"/>
+          <p:nvPr/>
+        </p:nvSpPr>
+        <p:spPr>
+          <a:xfrm>
+            <a:off x="25722343" y="7995533"/>
+            <a:ext cx="4037051" cy="523220"/>
+          </a:xfrm>
+          <a:prstGeom prst="rect">
+            <a:avLst/>
+          </a:prstGeom>
+          <a:noFill/>
+        </p:spPr>
+        <p:txBody>
+          <a:bodyPr wrap="square" rtlCol="0">
+            <a:spAutoFit/>
+          </a:bodyPr>
+          <a:lstStyle/>
+          <a:p>
+            <a:pPr algn="ctr">
+              <a:spcAft>
+                <a:spcPts val="600"/>
+              </a:spcAft>
+            </a:pPr>
+            <a:r>
+              <a:rPr lang="en-US" sz="2800" i="1" dirty="0">
                 <a:latin typeface="Helvetica" charset="0"/>
                 <a:ea typeface="Helvetica" charset="0"/>
                 <a:cs typeface="Helvetica" charset="0"/>
               </a:rPr>
-              <a:t>complexity</a:t>
-            </a:r>
-            <a:endParaRPr lang="en-US" sz="2800" dirty="0">
-              <a:latin typeface="Helvetica" charset="0"/>
-              <a:ea typeface="Helvetica" charset="0"/>
-              <a:cs typeface="Helvetica" charset="0"/>
-            </a:endParaRPr>
+              <a:t>Learning Curves</a:t>
+            </a:r>
           </a:p>
         </p:txBody>
       </p:sp>

--- a/poster.pptx
+++ b/poster.pptx
@@ -8088,7 +8088,7 @@
                 <a:ea typeface="Helvetica" charset="0"/>
                 <a:cs typeface="Helvetica" charset="0"/>
               </a:rPr>
-              <a:t>WHY</a:t>
+              <a:t>Value function may be too complex</a:t>
             </a:r>
           </a:p>
           <a:p>

--- a/poster.pptx
+++ b/poster.pptx
@@ -6783,14 +6783,14 @@
           <p:nvPr>
             <p:extLst>
               <p:ext uri="{D42A27DB-BD31-4B8C-83A1-F6EECF244321}">
-                <p14:modId xmlns:p14="http://schemas.microsoft.com/office/powerpoint/2010/main" val="2491631660"/>
+                <p14:modId xmlns:p14="http://schemas.microsoft.com/office/powerpoint/2010/main" val="1949272610"/>
               </p:ext>
             </p:extLst>
           </p:nvPr>
         </p:nvGraphicFramePr>
         <p:xfrm>
-          <a:off x="23610729" y="4907165"/>
-          <a:ext cx="8445633" cy="2415920"/>
+          <a:off x="25056289" y="4671365"/>
+          <a:ext cx="5630422" cy="2360580"/>
         </p:xfrm>
         <a:graphic>
           <a:graphicData uri="http://schemas.openxmlformats.org/drawingml/2006/table">
@@ -6810,13 +6810,6 @@
                   <a:extLst>
                     <a:ext uri="{9D8B030D-6E8A-4147-A177-3AD203B41FA5}">
                       <a16:colId xmlns:a16="http://schemas.microsoft.com/office/drawing/2014/main" val="3360269338"/>
-                    </a:ext>
-                  </a:extLst>
-                </a:gridCol>
-                <a:gridCol w="2815211">
-                  <a:extLst>
-                    <a:ext uri="{9D8B030D-6E8A-4147-A177-3AD203B41FA5}">
-                      <a16:colId xmlns:a16="http://schemas.microsoft.com/office/drawing/2014/main" val="3462760015"/>
                     </a:ext>
                   </a:extLst>
                 </a:gridCol>
@@ -6843,19 +6836,6 @@
                       <a:r>
                         <a:rPr lang="en-US" sz="2600" dirty="0"/>
                         <a:t>Success Rate</a:t>
-                      </a:r>
-                    </a:p>
-                  </a:txBody>
-                  <a:tcPr marL="85820" marR="85820" marT="42910" marB="42910"/>
-                </a:tc>
-                <a:tc>
-                  <a:txBody>
-                    <a:bodyPr/>
-                    <a:lstStyle/>
-                    <a:p>
-                      <a:r>
-                        <a:rPr lang="en-US" sz="2600" dirty="0"/>
-                        <a:t>Average Path Length</a:t>
                       </a:r>
                     </a:p>
                   </a:txBody>
@@ -6894,19 +6874,6 @@
                   </a:txBody>
                   <a:tcPr marL="85820" marR="85820" marT="42910" marB="42910"/>
                 </a:tc>
-                <a:tc>
-                  <a:txBody>
-                    <a:bodyPr/>
-                    <a:lstStyle/>
-                    <a:p>
-                      <a:r>
-                        <a:rPr lang="en-US" sz="2800" dirty="0"/>
-                        <a:t>156.4</a:t>
-                      </a:r>
-                    </a:p>
-                  </a:txBody>
-                  <a:tcPr marL="85820" marR="85820" marT="42910" marB="42910"/>
-                </a:tc>
                 <a:extLst>
                   <a:ext uri="{0D108BD9-81ED-4DB2-BD59-A6C34878D82A}">
                     <a16:rowId xmlns:a16="http://schemas.microsoft.com/office/drawing/2014/main" val="412087516"/>
@@ -6940,19 +6907,6 @@
                   </a:txBody>
                   <a:tcPr marL="85820" marR="85820" marT="42910" marB="42910"/>
                 </a:tc>
-                <a:tc>
-                  <a:txBody>
-                    <a:bodyPr/>
-                    <a:lstStyle/>
-                    <a:p>
-                      <a:r>
-                        <a:rPr lang="en-US" sz="2800" dirty="0"/>
-                        <a:t>221.4</a:t>
-                      </a:r>
-                    </a:p>
-                  </a:txBody>
-                  <a:tcPr marL="85820" marR="85820" marT="42910" marB="42910"/>
-                </a:tc>
                 <a:extLst>
                   <a:ext uri="{0D108BD9-81ED-4DB2-BD59-A6C34878D82A}">
                     <a16:rowId xmlns:a16="http://schemas.microsoft.com/office/drawing/2014/main" val="1972306194"/>
@@ -6979,21 +6933,12 @@
                     <a:lstStyle/>
                     <a:p>
                       <a:r>
-                        <a:rPr lang="en-US" sz="2800" dirty="0"/>
-                        <a:t>0.31</a:t>
+                        <a:rPr lang="en-US" sz="2800"/>
+                        <a:t>0.5</a:t>
                       </a:r>
-                    </a:p>
-                  </a:txBody>
-                  <a:tcPr marL="85820" marR="85820" marT="42910" marB="42910"/>
-                </a:tc>
-                <a:tc>
-                  <a:txBody>
-                    <a:bodyPr/>
-                    <a:lstStyle/>
-                    <a:p>
                       <a:r>
                         <a:rPr lang="en-US" sz="2800" dirty="0"/>
-                        <a:t>861.7</a:t>
+                        <a:t>0</a:t>
                       </a:r>
                     </a:p>
                   </a:txBody>
@@ -8048,14 +7993,11 @@
                 <a:spcPts val="600"/>
               </a:spcAft>
             </a:pPr>
-            <a:r>
-              <a:rPr lang="en-US" sz="2800" dirty="0">
-                <a:latin typeface="Helvetica" charset="0"/>
-                <a:ea typeface="Helvetica" charset="0"/>
-                <a:cs typeface="Helvetica" charset="0"/>
-              </a:rPr>
-              <a:t>. </a:t>
-            </a:r>
+            <a:endParaRPr lang="en-US" sz="2800" dirty="0">
+              <a:latin typeface="Helvetica" charset="0"/>
+              <a:ea typeface="Helvetica" charset="0"/>
+              <a:cs typeface="Helvetica" charset="0"/>
+            </a:endParaRPr>
           </a:p>
           <a:p>
             <a:pPr marL="342900" indent="-342900" algn="just">
@@ -8156,7 +8098,7 @@
                 <a:ea typeface="Helvetica" charset="0"/>
                 <a:cs typeface="Helvetica" charset="0"/>
               </a:rPr>
-              <a:t>The DFPI model underperformed significantly</a:t>
+              <a:t>The DFPI model significantly underperformed</a:t>
             </a:r>
           </a:p>
           <a:p>
@@ -8180,10 +8122,10 @@
       </p:sp>
       <p:pic>
         <p:nvPicPr>
-          <p:cNvPr id="9" name="Picture 8">
+          <p:cNvPr id="19" name="Picture 18">
             <a:extLst>
               <a:ext uri="{FF2B5EF4-FFF2-40B4-BE49-F238E27FC236}">
-                <a16:creationId xmlns:a16="http://schemas.microsoft.com/office/drawing/2014/main" id="{EF50DD8B-7823-4CC3-BF87-12605BB5351A}"/>
+                <a16:creationId xmlns:a16="http://schemas.microsoft.com/office/drawing/2014/main" id="{03C17077-88CD-4FE7-8438-16ABB0BB297E}"/>
               </a:ext>
             </a:extLst>
           </p:cNvPr>
@@ -8206,7 +8148,7 @@
         </p:blipFill>
         <p:spPr>
           <a:xfrm>
-            <a:off x="27820703" y="8673611"/>
+            <a:off x="23505540" y="8706519"/>
             <a:ext cx="4113717" cy="2812979"/>
           </a:xfrm>
           <a:prstGeom prst="rect">
@@ -8214,12 +8156,56 @@
           </a:prstGeom>
         </p:spPr>
       </p:pic>
+      <p:sp>
+        <p:nvSpPr>
+          <p:cNvPr id="57" name="TextBox 56">
+            <a:extLst>
+              <a:ext uri="{FF2B5EF4-FFF2-40B4-BE49-F238E27FC236}">
+                <a16:creationId xmlns:a16="http://schemas.microsoft.com/office/drawing/2014/main" id="{841D6299-083B-4979-8C05-23E67AD5ACC7}"/>
+              </a:ext>
+            </a:extLst>
+          </p:cNvPr>
+          <p:cNvSpPr txBox="1"/>
+          <p:nvPr/>
+        </p:nvSpPr>
+        <p:spPr>
+          <a:xfrm>
+            <a:off x="25722343" y="7995533"/>
+            <a:ext cx="4037051" cy="523220"/>
+          </a:xfrm>
+          <a:prstGeom prst="rect">
+            <a:avLst/>
+          </a:prstGeom>
+          <a:noFill/>
+        </p:spPr>
+        <p:txBody>
+          <a:bodyPr wrap="square" rtlCol="0">
+            <a:spAutoFit/>
+          </a:bodyPr>
+          <a:lstStyle/>
+          <a:p>
+            <a:pPr algn="ctr">
+              <a:spcAft>
+                <a:spcPts val="600"/>
+              </a:spcAft>
+            </a:pPr>
+            <a:r>
+              <a:rPr lang="en-US" sz="2800" i="1" dirty="0">
+                <a:latin typeface="Helvetica" charset="0"/>
+                <a:ea typeface="Helvetica" charset="0"/>
+                <a:cs typeface="Helvetica" charset="0"/>
+              </a:rPr>
+              <a:t>Learning Curves</a:t>
+            </a:r>
+          </a:p>
+        </p:txBody>
+      </p:sp>
       <p:pic>
         <p:nvPicPr>
-          <p:cNvPr id="19" name="Picture 18">
+          <p:cNvPr id="18" name="Picture 17">
             <a:extLst>
               <a:ext uri="{FF2B5EF4-FFF2-40B4-BE49-F238E27FC236}">
-                <a16:creationId xmlns:a16="http://schemas.microsoft.com/office/drawing/2014/main" id="{03C17077-88CD-4FE7-8438-16ABB0BB297E}"/>
+                <a16:creationId xmlns:a16="http://schemas.microsoft.com/office/drawing/2014/main" id="{04307622-7581-471C-9464-4C94B9E4F1D2}"/>
               </a:ext>
             </a:extLst>
           </p:cNvPr>
@@ -8242,58 +8228,14 @@
         </p:blipFill>
         <p:spPr>
           <a:xfrm>
-            <a:off x="23341640" y="8706519"/>
-            <a:ext cx="4113717" cy="2812979"/>
+            <a:off x="28013675" y="8744848"/>
+            <a:ext cx="4113719" cy="2812980"/>
           </a:xfrm>
           <a:prstGeom prst="rect">
             <a:avLst/>
           </a:prstGeom>
         </p:spPr>
       </p:pic>
-      <p:sp>
-        <p:nvSpPr>
-          <p:cNvPr id="57" name="TextBox 56">
-            <a:extLst>
-              <a:ext uri="{FF2B5EF4-FFF2-40B4-BE49-F238E27FC236}">
-                <a16:creationId xmlns:a16="http://schemas.microsoft.com/office/drawing/2014/main" id="{841D6299-083B-4979-8C05-23E67AD5ACC7}"/>
-              </a:ext>
-            </a:extLst>
-          </p:cNvPr>
-          <p:cNvSpPr txBox="1"/>
-          <p:nvPr/>
-        </p:nvSpPr>
-        <p:spPr>
-          <a:xfrm>
-            <a:off x="25722343" y="7995533"/>
-            <a:ext cx="4037051" cy="523220"/>
-          </a:xfrm>
-          <a:prstGeom prst="rect">
-            <a:avLst/>
-          </a:prstGeom>
-          <a:noFill/>
-        </p:spPr>
-        <p:txBody>
-          <a:bodyPr wrap="square" rtlCol="0">
-            <a:spAutoFit/>
-          </a:bodyPr>
-          <a:lstStyle/>
-          <a:p>
-            <a:pPr algn="ctr">
-              <a:spcAft>
-                <a:spcPts val="600"/>
-              </a:spcAft>
-            </a:pPr>
-            <a:r>
-              <a:rPr lang="en-US" sz="2800" i="1" dirty="0">
-                <a:latin typeface="Helvetica" charset="0"/>
-                <a:ea typeface="Helvetica" charset="0"/>
-                <a:cs typeface="Helvetica" charset="0"/>
-              </a:rPr>
-              <a:t>Learning Curves</a:t>
-            </a:r>
-          </a:p>
-        </p:txBody>
-      </p:sp>
     </p:spTree>
   </p:cSld>
   <p:clrMapOvr>
